--- a/doc/3_ 설계서/UI Design Template.pptx
+++ b/doc/3_ 설계서/UI Design Template.pptx
@@ -12,9 +12,9 @@
   </p:handoutMasterIdLst>
   <p:sldIdLst>
     <p:sldId id="256" r:id="rId2"/>
-    <p:sldId id="257" r:id="rId3"/>
-    <p:sldId id="260" r:id="rId4"/>
-    <p:sldId id="261" r:id="rId5"/>
+    <p:sldId id="264" r:id="rId3"/>
+    <p:sldId id="265" r:id="rId4"/>
+    <p:sldId id="266" r:id="rId5"/>
     <p:sldId id="259" r:id="rId6"/>
     <p:sldId id="263" r:id="rId7"/>
   </p:sldIdLst>
@@ -2294,10 +2294,9 @@
           <a:lstStyle/>
           <a:p>
             <a:r>
-              <a:rPr lang="ko-KR" altLang="en-US" dirty="0" smtClean="0"/>
+              <a:rPr lang="ko-KR" altLang="en-US" dirty="0"/>
               <a:t>변경 이력</a:t>
             </a:r>
-            <a:endParaRPr lang="ko-KR" altLang="en-US" dirty="0"/>
           </a:p>
         </p:txBody>
       </p:sp>
@@ -2311,7 +2310,7 @@
             <p:ph idx="1"/>
             <p:extLst>
               <p:ext uri="{D42A27DB-BD31-4B8C-83A1-F6EECF244321}">
-                <p14:modId xmlns:p14="http://schemas.microsoft.com/office/powerpoint/2010/main" val="3459876744"/>
+                <p14:modId xmlns:p14="http://schemas.microsoft.com/office/powerpoint/2010/main" val="2266732253"/>
               </p:ext>
             </p:extLst>
           </p:nvPr>
@@ -2327,10 +2326,34 @@
                 <a:tableStyleId>{5940675A-B579-460E-94D1-54222C63F5DA}</a:tableStyleId>
               </a:tblPr>
               <a:tblGrid>
-                <a:gridCol w="2145506"/>
-                <a:gridCol w="2145506"/>
-                <a:gridCol w="2145506"/>
-                <a:gridCol w="2145506"/>
+                <a:gridCol w="2145506">
+                  <a:extLst>
+                    <a:ext uri="{9D8B030D-6E8A-4147-A177-3AD203B41FA5}">
+                      <a16:colId xmlns:a16="http://schemas.microsoft.com/office/drawing/2014/main" xmlns="" val="20000"/>
+                    </a:ext>
+                  </a:extLst>
+                </a:gridCol>
+                <a:gridCol w="2145506">
+                  <a:extLst>
+                    <a:ext uri="{9D8B030D-6E8A-4147-A177-3AD203B41FA5}">
+                      <a16:colId xmlns:a16="http://schemas.microsoft.com/office/drawing/2014/main" xmlns="" val="20001"/>
+                    </a:ext>
+                  </a:extLst>
+                </a:gridCol>
+                <a:gridCol w="2145506">
+                  <a:extLst>
+                    <a:ext uri="{9D8B030D-6E8A-4147-A177-3AD203B41FA5}">
+                      <a16:colId xmlns:a16="http://schemas.microsoft.com/office/drawing/2014/main" xmlns="" val="20002"/>
+                    </a:ext>
+                  </a:extLst>
+                </a:gridCol>
+                <a:gridCol w="2145506">
+                  <a:extLst>
+                    <a:ext uri="{9D8B030D-6E8A-4147-A177-3AD203B41FA5}">
+                      <a16:colId xmlns:a16="http://schemas.microsoft.com/office/drawing/2014/main" xmlns="" val="20003"/>
+                    </a:ext>
+                  </a:extLst>
+                </a:gridCol>
               </a:tblGrid>
               <a:tr h="370840">
                 <a:tc>
@@ -2340,7 +2363,7 @@
                     <a:p>
                       <a:pPr algn="ctr" latinLnBrk="1"/>
                       <a:r>
-                        <a:rPr lang="ko-KR" altLang="en-US" sz="1200" b="1" dirty="0" smtClean="0">
+                        <a:rPr lang="ko-KR" altLang="en-US" sz="1200" b="1" dirty="0">
                           <a:latin typeface="맑은 고딕" pitchFamily="50" charset="-127"/>
                           <a:ea typeface="맑은 고딕" pitchFamily="50" charset="-127"/>
                         </a:rPr>
@@ -2370,7 +2393,7 @@
                     <a:p>
                       <a:pPr algn="ctr" latinLnBrk="1"/>
                       <a:r>
-                        <a:rPr lang="ko-KR" altLang="en-US" sz="1200" b="1" dirty="0" smtClean="0">
+                        <a:rPr lang="ko-KR" altLang="en-US" sz="1200" b="1" dirty="0">
                           <a:latin typeface="맑은 고딕" pitchFamily="50" charset="-127"/>
                           <a:ea typeface="맑은 고딕" pitchFamily="50" charset="-127"/>
                         </a:rPr>
@@ -2400,7 +2423,7 @@
                     <a:p>
                       <a:pPr algn="ctr" latinLnBrk="1"/>
                       <a:r>
-                        <a:rPr lang="ko-KR" altLang="en-US" sz="1200" b="1" dirty="0" smtClean="0">
+                        <a:rPr lang="ko-KR" altLang="en-US" sz="1200" b="1" dirty="0">
                           <a:latin typeface="맑은 고딕" pitchFamily="50" charset="-127"/>
                           <a:ea typeface="맑은 고딕" pitchFamily="50" charset="-127"/>
                         </a:rPr>
@@ -2430,7 +2453,7 @@
                     <a:p>
                       <a:pPr algn="ctr" latinLnBrk="1"/>
                       <a:r>
-                        <a:rPr lang="ko-KR" altLang="en-US" sz="1200" b="1" dirty="0" smtClean="0">
+                        <a:rPr lang="ko-KR" altLang="en-US" sz="1200" b="1" dirty="0">
                           <a:latin typeface="맑은 고딕" pitchFamily="50" charset="-127"/>
                           <a:ea typeface="맑은 고딕" pitchFamily="50" charset="-127"/>
                         </a:rPr>
@@ -2453,6 +2476,11 @@
                     </a:solidFill>
                   </a:tcPr>
                 </a:tc>
+                <a:extLst>
+                  <a:ext uri="{0D108BD9-81ED-4DB2-BD59-A6C34878D82A}">
+                    <a16:rowId xmlns:a16="http://schemas.microsoft.com/office/drawing/2014/main" xmlns="" val="10000"/>
+                  </a:ext>
+                </a:extLst>
               </a:tr>
               <a:tr h="370840">
                 <a:tc>
@@ -2461,6 +2489,16 @@
                     <a:lstStyle/>
                     <a:p>
                       <a:pPr algn="ctr" latinLnBrk="1"/>
+                      <a:r>
+                        <a:rPr lang="en-US" altLang="ko-KR" sz="1200" b="0" dirty="0">
+                          <a:solidFill>
+                            <a:schemeClr val="tx1"/>
+                          </a:solidFill>
+                          <a:latin typeface="맑은 고딕" pitchFamily="50" charset="-127"/>
+                          <a:ea typeface="맑은 고딕" pitchFamily="50" charset="-127"/>
+                        </a:rPr>
+                        <a:t>2017.05.18</a:t>
+                      </a:r>
                       <a:endParaRPr lang="ko-KR" altLang="en-US" sz="1200" b="0" dirty="0">
                         <a:solidFill>
                           <a:schemeClr val="tx1"/>
@@ -2482,6 +2520,16 @@
                     <a:lstStyle/>
                     <a:p>
                       <a:pPr algn="ctr" latinLnBrk="1"/>
+                      <a:r>
+                        <a:rPr lang="en-US" altLang="ko-KR" sz="1200" b="0" dirty="0">
+                          <a:solidFill>
+                            <a:schemeClr val="tx1"/>
+                          </a:solidFill>
+                          <a:latin typeface="맑은 고딕" pitchFamily="50" charset="-127"/>
+                          <a:ea typeface="맑은 고딕" pitchFamily="50" charset="-127"/>
+                        </a:rPr>
+                        <a:t>1.0</a:t>
+                      </a:r>
                       <a:endParaRPr lang="ko-KR" altLang="en-US" sz="1200" b="0" dirty="0">
                         <a:solidFill>
                           <a:schemeClr val="tx1"/>
@@ -2503,13 +2551,16 @@
                     <a:lstStyle/>
                     <a:p>
                       <a:pPr latinLnBrk="1"/>
-                      <a:endParaRPr lang="ko-KR" altLang="en-US" sz="1200" b="0" dirty="0">
-                        <a:solidFill>
-                          <a:schemeClr val="tx1"/>
-                        </a:solidFill>
-                        <a:latin typeface="맑은 고딕" pitchFamily="50" charset="-127"/>
-                        <a:ea typeface="맑은 고딕" pitchFamily="50" charset="-127"/>
-                      </a:endParaRPr>
+                      <a:r>
+                        <a:rPr lang="ko-KR" altLang="en-US" sz="1200" b="0" dirty="0">
+                          <a:solidFill>
+                            <a:schemeClr val="tx1"/>
+                          </a:solidFill>
+                          <a:latin typeface="맑은 고딕" pitchFamily="50" charset="-127"/>
+                          <a:ea typeface="맑은 고딕" pitchFamily="50" charset="-127"/>
+                        </a:rPr>
+                        <a:t>초안작성</a:t>
+                      </a:r>
                     </a:p>
                   </a:txBody>
                   <a:tcPr anchor="ctr">
@@ -2524,13 +2575,16 @@
                     <a:lstStyle/>
                     <a:p>
                       <a:pPr algn="ctr" latinLnBrk="1"/>
-                      <a:endParaRPr lang="ko-KR" altLang="en-US" sz="1200" b="0" dirty="0">
-                        <a:solidFill>
-                          <a:schemeClr val="tx1"/>
-                        </a:solidFill>
-                        <a:latin typeface="맑은 고딕" pitchFamily="50" charset="-127"/>
-                        <a:ea typeface="맑은 고딕" pitchFamily="50" charset="-127"/>
-                      </a:endParaRPr>
+                      <a:r>
+                        <a:rPr lang="ko-KR" altLang="en-US" sz="1200" b="0" dirty="0">
+                          <a:solidFill>
+                            <a:schemeClr val="tx1"/>
+                          </a:solidFill>
+                          <a:latin typeface="맑은 고딕" pitchFamily="50" charset="-127"/>
+                          <a:ea typeface="맑은 고딕" pitchFamily="50" charset="-127"/>
+                        </a:rPr>
+                        <a:t>최소영</a:t>
+                      </a:r>
                     </a:p>
                   </a:txBody>
                   <a:tcPr anchor="ctr">
@@ -2539,6 +2593,11 @@
                     </a:solidFill>
                   </a:tcPr>
                 </a:tc>
+                <a:extLst>
+                  <a:ext uri="{0D108BD9-81ED-4DB2-BD59-A6C34878D82A}">
+                    <a16:rowId xmlns:a16="http://schemas.microsoft.com/office/drawing/2014/main" xmlns="" val="10001"/>
+                  </a:ext>
+                </a:extLst>
               </a:tr>
               <a:tr h="370840">
                 <a:tc>
@@ -2625,6 +2684,11 @@
                     </a:solidFill>
                   </a:tcPr>
                 </a:tc>
+                <a:extLst>
+                  <a:ext uri="{0D108BD9-81ED-4DB2-BD59-A6C34878D82A}">
+                    <a16:rowId xmlns:a16="http://schemas.microsoft.com/office/drawing/2014/main" xmlns="" val="10002"/>
+                  </a:ext>
+                </a:extLst>
               </a:tr>
               <a:tr h="370840">
                 <a:tc>
@@ -2711,6 +2775,11 @@
                     </a:solidFill>
                   </a:tcPr>
                 </a:tc>
+                <a:extLst>
+                  <a:ext uri="{0D108BD9-81ED-4DB2-BD59-A6C34878D82A}">
+                    <a16:rowId xmlns:a16="http://schemas.microsoft.com/office/drawing/2014/main" xmlns="" val="10003"/>
+                  </a:ext>
+                </a:extLst>
               </a:tr>
               <a:tr h="370840">
                 <a:tc>
@@ -2797,6 +2866,11 @@
                     </a:solidFill>
                   </a:tcPr>
                 </a:tc>
+                <a:extLst>
+                  <a:ext uri="{0D108BD9-81ED-4DB2-BD59-A6C34878D82A}">
+                    <a16:rowId xmlns:a16="http://schemas.microsoft.com/office/drawing/2014/main" xmlns="" val="10004"/>
+                  </a:ext>
+                </a:extLst>
               </a:tr>
               <a:tr h="370840">
                 <a:tc>
@@ -2883,6 +2957,11 @@
                     </a:solidFill>
                   </a:tcPr>
                 </a:tc>
+                <a:extLst>
+                  <a:ext uri="{0D108BD9-81ED-4DB2-BD59-A6C34878D82A}">
+                    <a16:rowId xmlns:a16="http://schemas.microsoft.com/office/drawing/2014/main" xmlns="" val="10005"/>
+                  </a:ext>
+                </a:extLst>
               </a:tr>
               <a:tr h="370840">
                 <a:tc>
@@ -2969,6 +3048,11 @@
                     </a:solidFill>
                   </a:tcPr>
                 </a:tc>
+                <a:extLst>
+                  <a:ext uri="{0D108BD9-81ED-4DB2-BD59-A6C34878D82A}">
+                    <a16:rowId xmlns:a16="http://schemas.microsoft.com/office/drawing/2014/main" xmlns="" val="10006"/>
+                  </a:ext>
+                </a:extLst>
               </a:tr>
               <a:tr h="370840">
                 <a:tc>
@@ -3055,6 +3139,11 @@
                     </a:solidFill>
                   </a:tcPr>
                 </a:tc>
+                <a:extLst>
+                  <a:ext uri="{0D108BD9-81ED-4DB2-BD59-A6C34878D82A}">
+                    <a16:rowId xmlns:a16="http://schemas.microsoft.com/office/drawing/2014/main" xmlns="" val="10007"/>
+                  </a:ext>
+                </a:extLst>
               </a:tr>
             </a:tbl>
           </a:graphicData>
@@ -3077,7 +3166,7 @@
           <a:p>
             <a:pPr algn="r"/>
             <a:r>
-              <a:rPr lang="ko-KR" altLang="en-US" dirty="0" smtClean="0"/>
+              <a:rPr lang="ko-KR" altLang="en-US" dirty="0"/>
               <a:t>팀 명</a:t>
             </a:r>
             <a:endParaRPr lang="en-US" altLang="ko-KR" dirty="0"/>
@@ -3085,6 +3174,11 @@
         </p:txBody>
       </p:sp>
     </p:spTree>
+    <p:extLst>
+      <p:ext uri="{BB962C8B-B14F-4D97-AF65-F5344CB8AC3E}">
+        <p14:creationId xmlns:p14="http://schemas.microsoft.com/office/powerpoint/2010/main" val="2224732292"/>
+      </p:ext>
+    </p:extLst>
   </p:cSld>
   <p:clrMapOvr>
     <a:masterClrMapping/>
@@ -3109,6 +3203,733 @@
           <a:chExt cx="0" cy="0"/>
         </a:xfrm>
       </p:grpSpPr>
+      <p:cxnSp>
+        <p:nvCxnSpPr>
+          <p:cNvPr id="181" name="직선 연결선 180"/>
+          <p:cNvCxnSpPr>
+            <a:cxnSpLocks/>
+          </p:cNvCxnSpPr>
+          <p:nvPr/>
+        </p:nvCxnSpPr>
+        <p:spPr bwMode="auto">
+          <a:xfrm>
+            <a:off x="8430654" y="2399478"/>
+            <a:ext cx="0" cy="125229"/>
+          </a:xfrm>
+          <a:prstGeom prst="line">
+            <a:avLst/>
+          </a:prstGeom>
+          <a:solidFill>
+            <a:schemeClr val="accent1"/>
+          </a:solidFill>
+          <a:ln w="12700" cap="flat" cmpd="sng" algn="ctr">
+            <a:solidFill>
+              <a:schemeClr val="tx1"/>
+            </a:solidFill>
+            <a:prstDash val="solid"/>
+            <a:round/>
+            <a:headEnd type="none" w="med" len="med"/>
+            <a:tailEnd type="none" w="med" len="med"/>
+          </a:ln>
+          <a:effectLst/>
+        </p:spPr>
+      </p:cxnSp>
+      <p:cxnSp>
+        <p:nvCxnSpPr>
+          <p:cNvPr id="241" name="직선 연결선 240"/>
+          <p:cNvCxnSpPr/>
+          <p:nvPr/>
+        </p:nvCxnSpPr>
+        <p:spPr bwMode="auto">
+          <a:xfrm>
+            <a:off x="4874611" y="2934984"/>
+            <a:ext cx="0" cy="385254"/>
+          </a:xfrm>
+          <a:prstGeom prst="line">
+            <a:avLst/>
+          </a:prstGeom>
+          <a:ln>
+            <a:headEnd type="none" w="med" len="med"/>
+            <a:tailEnd type="none" w="med" len="med"/>
+          </a:ln>
+        </p:spPr>
+        <p:style>
+          <a:lnRef idx="1">
+            <a:schemeClr val="dk1"/>
+          </a:lnRef>
+          <a:fillRef idx="0">
+            <a:schemeClr val="dk1"/>
+          </a:fillRef>
+          <a:effectRef idx="0">
+            <a:schemeClr val="dk1"/>
+          </a:effectRef>
+          <a:fontRef idx="minor">
+            <a:schemeClr val="tx1"/>
+          </a:fontRef>
+        </p:style>
+      </p:cxnSp>
+      <p:cxnSp>
+        <p:nvCxnSpPr>
+          <p:cNvPr id="240" name="직선 연결선 239"/>
+          <p:cNvCxnSpPr/>
+          <p:nvPr/>
+        </p:nvCxnSpPr>
+        <p:spPr bwMode="auto">
+          <a:xfrm>
+            <a:off x="4241005" y="2941037"/>
+            <a:ext cx="0" cy="385254"/>
+          </a:xfrm>
+          <a:prstGeom prst="line">
+            <a:avLst/>
+          </a:prstGeom>
+          <a:solidFill>
+            <a:schemeClr val="accent1"/>
+          </a:solidFill>
+          <a:ln w="12700" cap="flat" cmpd="sng" algn="ctr">
+            <a:solidFill>
+              <a:schemeClr val="tx1"/>
+            </a:solidFill>
+            <a:prstDash val="solid"/>
+            <a:round/>
+            <a:headEnd type="none" w="med" len="med"/>
+            <a:tailEnd type="none" w="med" len="med"/>
+          </a:ln>
+          <a:effectLst/>
+        </p:spPr>
+      </p:cxnSp>
+      <p:cxnSp>
+        <p:nvCxnSpPr>
+          <p:cNvPr id="239" name="직선 연결선 238"/>
+          <p:cNvCxnSpPr/>
+          <p:nvPr/>
+        </p:nvCxnSpPr>
+        <p:spPr bwMode="auto">
+          <a:xfrm>
+            <a:off x="2973689" y="2924817"/>
+            <a:ext cx="0" cy="385254"/>
+          </a:xfrm>
+          <a:prstGeom prst="line">
+            <a:avLst/>
+          </a:prstGeom>
+          <a:solidFill>
+            <a:schemeClr val="accent1"/>
+          </a:solidFill>
+          <a:ln w="12700" cap="flat" cmpd="sng" algn="ctr">
+            <a:solidFill>
+              <a:schemeClr val="tx1"/>
+            </a:solidFill>
+            <a:prstDash val="solid"/>
+            <a:round/>
+            <a:headEnd type="none" w="med" len="med"/>
+            <a:tailEnd type="none" w="med" len="med"/>
+          </a:ln>
+          <a:effectLst/>
+        </p:spPr>
+      </p:cxnSp>
+      <p:cxnSp>
+        <p:nvCxnSpPr>
+          <p:cNvPr id="238" name="직선 연결선 237"/>
+          <p:cNvCxnSpPr/>
+          <p:nvPr/>
+        </p:nvCxnSpPr>
+        <p:spPr bwMode="auto">
+          <a:xfrm>
+            <a:off x="2359419" y="2934984"/>
+            <a:ext cx="0" cy="385254"/>
+          </a:xfrm>
+          <a:prstGeom prst="line">
+            <a:avLst/>
+          </a:prstGeom>
+          <a:solidFill>
+            <a:schemeClr val="accent1"/>
+          </a:solidFill>
+          <a:ln w="12700" cap="flat" cmpd="sng" algn="ctr">
+            <a:solidFill>
+              <a:schemeClr val="tx1"/>
+            </a:solidFill>
+            <a:prstDash val="solid"/>
+            <a:round/>
+            <a:headEnd type="none" w="med" len="med"/>
+            <a:tailEnd type="none" w="med" len="med"/>
+          </a:ln>
+          <a:effectLst/>
+        </p:spPr>
+      </p:cxnSp>
+      <p:cxnSp>
+        <p:nvCxnSpPr>
+          <p:cNvPr id="173" name="직선 연결선 172"/>
+          <p:cNvCxnSpPr>
+            <a:cxnSpLocks/>
+            <a:endCxn id="154" idx="2"/>
+          </p:cNvCxnSpPr>
+          <p:nvPr/>
+        </p:nvCxnSpPr>
+        <p:spPr bwMode="auto">
+          <a:xfrm>
+            <a:off x="3689379" y="2403964"/>
+            <a:ext cx="13023" cy="975921"/>
+          </a:xfrm>
+          <a:prstGeom prst="line">
+            <a:avLst/>
+          </a:prstGeom>
+          <a:solidFill>
+            <a:schemeClr val="accent1"/>
+          </a:solidFill>
+          <a:ln w="12700" cap="flat" cmpd="sng" algn="ctr">
+            <a:solidFill>
+              <a:schemeClr val="tx1"/>
+            </a:solidFill>
+            <a:prstDash val="solid"/>
+            <a:round/>
+            <a:headEnd type="none" w="med" len="med"/>
+            <a:tailEnd type="none" w="med" len="med"/>
+          </a:ln>
+          <a:effectLst/>
+        </p:spPr>
+      </p:cxnSp>
+      <p:cxnSp>
+        <p:nvCxnSpPr>
+          <p:cNvPr id="233" name="직선 연결선 232"/>
+          <p:cNvCxnSpPr/>
+          <p:nvPr/>
+        </p:nvCxnSpPr>
+        <p:spPr bwMode="auto">
+          <a:xfrm>
+            <a:off x="1591372" y="2934984"/>
+            <a:ext cx="0" cy="385254"/>
+          </a:xfrm>
+          <a:prstGeom prst="line">
+            <a:avLst/>
+          </a:prstGeom>
+          <a:solidFill>
+            <a:schemeClr val="accent1"/>
+          </a:solidFill>
+          <a:ln w="12700" cap="flat" cmpd="sng" algn="ctr">
+            <a:solidFill>
+              <a:schemeClr val="tx1"/>
+            </a:solidFill>
+            <a:prstDash val="solid"/>
+            <a:round/>
+            <a:headEnd type="none" w="med" len="med"/>
+            <a:tailEnd type="none" w="med" len="med"/>
+          </a:ln>
+          <a:effectLst/>
+        </p:spPr>
+      </p:cxnSp>
+      <p:cxnSp>
+        <p:nvCxnSpPr>
+          <p:cNvPr id="232" name="직선 연결선 231"/>
+          <p:cNvCxnSpPr>
+            <a:cxnSpLocks/>
+          </p:cNvCxnSpPr>
+          <p:nvPr/>
+        </p:nvCxnSpPr>
+        <p:spPr bwMode="auto">
+          <a:xfrm>
+            <a:off x="913829" y="2391044"/>
+            <a:ext cx="0" cy="929194"/>
+          </a:xfrm>
+          <a:prstGeom prst="line">
+            <a:avLst/>
+          </a:prstGeom>
+          <a:solidFill>
+            <a:schemeClr val="accent1"/>
+          </a:solidFill>
+          <a:ln w="12700" cap="flat" cmpd="sng" algn="ctr">
+            <a:solidFill>
+              <a:schemeClr val="tx1"/>
+            </a:solidFill>
+            <a:prstDash val="solid"/>
+            <a:round/>
+            <a:headEnd type="none" w="med" len="med"/>
+            <a:tailEnd type="none" w="med" len="med"/>
+          </a:ln>
+          <a:effectLst/>
+        </p:spPr>
+      </p:cxnSp>
+      <p:cxnSp>
+        <p:nvCxnSpPr>
+          <p:cNvPr id="198" name="직선 연결선 197"/>
+          <p:cNvCxnSpPr/>
+          <p:nvPr/>
+        </p:nvCxnSpPr>
+        <p:spPr bwMode="auto">
+          <a:xfrm>
+            <a:off x="347250" y="2924817"/>
+            <a:ext cx="0" cy="385254"/>
+          </a:xfrm>
+          <a:prstGeom prst="line">
+            <a:avLst/>
+          </a:prstGeom>
+          <a:solidFill>
+            <a:schemeClr val="accent1"/>
+          </a:solidFill>
+          <a:ln w="12700" cap="flat" cmpd="sng" algn="ctr">
+            <a:solidFill>
+              <a:schemeClr val="tx1"/>
+            </a:solidFill>
+            <a:prstDash val="solid"/>
+            <a:round/>
+            <a:headEnd type="none" w="med" len="med"/>
+            <a:tailEnd type="none" w="med" len="med"/>
+          </a:ln>
+          <a:effectLst/>
+        </p:spPr>
+      </p:cxnSp>
+      <p:cxnSp>
+        <p:nvCxnSpPr>
+          <p:cNvPr id="194" name="직선 연결선 193"/>
+          <p:cNvCxnSpPr>
+            <a:stCxn id="17" idx="2"/>
+          </p:cNvCxnSpPr>
+          <p:nvPr/>
+        </p:nvCxnSpPr>
+        <p:spPr bwMode="auto">
+          <a:xfrm>
+            <a:off x="4040981" y="1791580"/>
+            <a:ext cx="9122" cy="610380"/>
+          </a:xfrm>
+          <a:prstGeom prst="line">
+            <a:avLst/>
+          </a:prstGeom>
+          <a:solidFill>
+            <a:schemeClr val="accent1"/>
+          </a:solidFill>
+          <a:ln w="12700" cap="flat" cmpd="sng" algn="ctr">
+            <a:solidFill>
+              <a:schemeClr val="tx1"/>
+            </a:solidFill>
+            <a:prstDash val="solid"/>
+            <a:round/>
+            <a:headEnd type="none" w="med" len="med"/>
+            <a:tailEnd type="none" w="med" len="med"/>
+          </a:ln>
+          <a:effectLst/>
+        </p:spPr>
+      </p:cxnSp>
+      <p:cxnSp>
+        <p:nvCxnSpPr>
+          <p:cNvPr id="163" name="직선 연결선 162"/>
+          <p:cNvCxnSpPr>
+            <a:cxnSpLocks/>
+          </p:cNvCxnSpPr>
+          <p:nvPr/>
+        </p:nvCxnSpPr>
+        <p:spPr bwMode="auto">
+          <a:xfrm>
+            <a:off x="3392468" y="3389178"/>
+            <a:ext cx="0" cy="506120"/>
+          </a:xfrm>
+          <a:prstGeom prst="line">
+            <a:avLst/>
+          </a:prstGeom>
+          <a:solidFill>
+            <a:schemeClr val="accent1"/>
+          </a:solidFill>
+          <a:ln w="12700" cap="flat" cmpd="sng" algn="ctr">
+            <a:solidFill>
+              <a:schemeClr val="tx1"/>
+            </a:solidFill>
+            <a:prstDash val="solid"/>
+            <a:round/>
+            <a:headEnd type="none" w="med" len="med"/>
+            <a:tailEnd type="none" w="med" len="med"/>
+          </a:ln>
+          <a:effectLst/>
+        </p:spPr>
+      </p:cxnSp>
+      <p:cxnSp>
+        <p:nvCxnSpPr>
+          <p:cNvPr id="121" name="직선 연결선 120"/>
+          <p:cNvCxnSpPr>
+            <a:cxnSpLocks/>
+          </p:cNvCxnSpPr>
+          <p:nvPr/>
+        </p:nvCxnSpPr>
+        <p:spPr bwMode="auto">
+          <a:xfrm flipH="1">
+            <a:off x="1387857" y="3389178"/>
+            <a:ext cx="2797" cy="2255677"/>
+          </a:xfrm>
+          <a:prstGeom prst="line">
+            <a:avLst/>
+          </a:prstGeom>
+          <a:ln w="12700">
+            <a:headEnd type="none" w="med" len="med"/>
+            <a:tailEnd type="none" w="med" len="med"/>
+          </a:ln>
+        </p:spPr>
+        <p:style>
+          <a:lnRef idx="1">
+            <a:schemeClr val="dk1"/>
+          </a:lnRef>
+          <a:fillRef idx="0">
+            <a:schemeClr val="dk1"/>
+          </a:fillRef>
+          <a:effectRef idx="0">
+            <a:schemeClr val="dk1"/>
+          </a:effectRef>
+          <a:fontRef idx="minor">
+            <a:schemeClr val="tx1"/>
+          </a:fontRef>
+        </p:style>
+      </p:cxnSp>
+      <p:cxnSp>
+        <p:nvCxnSpPr>
+          <p:cNvPr id="83" name="직선 연결선 82"/>
+          <p:cNvCxnSpPr>
+            <a:cxnSpLocks/>
+          </p:cNvCxnSpPr>
+          <p:nvPr/>
+        </p:nvCxnSpPr>
+        <p:spPr bwMode="auto">
+          <a:xfrm>
+            <a:off x="1387857" y="3745113"/>
+            <a:ext cx="253933" cy="0"/>
+          </a:xfrm>
+          <a:prstGeom prst="line">
+            <a:avLst/>
+          </a:prstGeom>
+          <a:ln w="12700">
+            <a:headEnd type="none" w="med" len="med"/>
+            <a:tailEnd type="none" w="med" len="med"/>
+          </a:ln>
+        </p:spPr>
+        <p:style>
+          <a:lnRef idx="1">
+            <a:schemeClr val="dk1"/>
+          </a:lnRef>
+          <a:fillRef idx="0">
+            <a:schemeClr val="dk1"/>
+          </a:fillRef>
+          <a:effectRef idx="0">
+            <a:schemeClr val="dk1"/>
+          </a:effectRef>
+          <a:fontRef idx="minor">
+            <a:schemeClr val="tx1"/>
+          </a:fontRef>
+        </p:style>
+      </p:cxnSp>
+      <p:cxnSp>
+        <p:nvCxnSpPr>
+          <p:cNvPr id="86" name="직선 연결선 85"/>
+          <p:cNvCxnSpPr/>
+          <p:nvPr/>
+        </p:nvCxnSpPr>
+        <p:spPr bwMode="auto">
+          <a:xfrm flipV="1">
+            <a:off x="1387857" y="4235162"/>
+            <a:ext cx="338138" cy="1"/>
+          </a:xfrm>
+          <a:prstGeom prst="line">
+            <a:avLst/>
+          </a:prstGeom>
+          <a:solidFill>
+            <a:schemeClr val="accent1"/>
+          </a:solidFill>
+          <a:ln w="12700" cap="flat" cmpd="sng" algn="ctr">
+            <a:solidFill>
+              <a:schemeClr val="tx1"/>
+            </a:solidFill>
+            <a:prstDash val="solid"/>
+            <a:round/>
+            <a:headEnd type="none" w="med" len="med"/>
+            <a:tailEnd type="none" w="med" len="med"/>
+          </a:ln>
+          <a:effectLst/>
+        </p:spPr>
+      </p:cxnSp>
+      <p:cxnSp>
+        <p:nvCxnSpPr>
+          <p:cNvPr id="88" name="직선 연결선 87"/>
+          <p:cNvCxnSpPr/>
+          <p:nvPr/>
+        </p:nvCxnSpPr>
+        <p:spPr bwMode="auto">
+          <a:xfrm>
+            <a:off x="1398146" y="4694984"/>
+            <a:ext cx="327849" cy="0"/>
+          </a:xfrm>
+          <a:prstGeom prst="line">
+            <a:avLst/>
+          </a:prstGeom>
+          <a:solidFill>
+            <a:schemeClr val="accent1"/>
+          </a:solidFill>
+          <a:ln w="12700" cap="flat" cmpd="sng" algn="ctr">
+            <a:solidFill>
+              <a:schemeClr val="tx1"/>
+            </a:solidFill>
+            <a:prstDash val="solid"/>
+            <a:round/>
+            <a:headEnd type="none" w="med" len="med"/>
+            <a:tailEnd type="none" w="med" len="med"/>
+          </a:ln>
+          <a:effectLst/>
+        </p:spPr>
+      </p:cxnSp>
+      <p:cxnSp>
+        <p:nvCxnSpPr>
+          <p:cNvPr id="90" name="직선 연결선 89"/>
+          <p:cNvCxnSpPr/>
+          <p:nvPr/>
+        </p:nvCxnSpPr>
+        <p:spPr bwMode="auto">
+          <a:xfrm>
+            <a:off x="1387857" y="5635731"/>
+            <a:ext cx="338138" cy="0"/>
+          </a:xfrm>
+          <a:prstGeom prst="line">
+            <a:avLst/>
+          </a:prstGeom>
+          <a:solidFill>
+            <a:schemeClr val="accent1"/>
+          </a:solidFill>
+          <a:ln w="12700" cap="flat" cmpd="sng" algn="ctr">
+            <a:solidFill>
+              <a:schemeClr val="tx1"/>
+            </a:solidFill>
+            <a:prstDash val="solid"/>
+            <a:round/>
+            <a:headEnd type="none" w="med" len="med"/>
+            <a:tailEnd type="none" w="med" len="med"/>
+          </a:ln>
+          <a:effectLst/>
+        </p:spPr>
+      </p:cxnSp>
+      <p:cxnSp>
+        <p:nvCxnSpPr>
+          <p:cNvPr id="92" name="직선 연결선 91"/>
+          <p:cNvCxnSpPr/>
+          <p:nvPr/>
+        </p:nvCxnSpPr>
+        <p:spPr bwMode="auto">
+          <a:xfrm>
+            <a:off x="1398146" y="5160945"/>
+            <a:ext cx="327849" cy="0"/>
+          </a:xfrm>
+          <a:prstGeom prst="line">
+            <a:avLst/>
+          </a:prstGeom>
+          <a:solidFill>
+            <a:schemeClr val="accent1"/>
+          </a:solidFill>
+          <a:ln w="12700" cap="flat" cmpd="sng" algn="ctr">
+            <a:solidFill>
+              <a:schemeClr val="tx1"/>
+            </a:solidFill>
+            <a:prstDash val="solid"/>
+            <a:round/>
+            <a:headEnd type="none" w="med" len="med"/>
+            <a:tailEnd type="none" w="med" len="med"/>
+          </a:ln>
+          <a:effectLst/>
+        </p:spPr>
+      </p:cxnSp>
+      <p:cxnSp>
+        <p:nvCxnSpPr>
+          <p:cNvPr id="71" name="직선 연결선 70"/>
+          <p:cNvCxnSpPr/>
+          <p:nvPr/>
+        </p:nvCxnSpPr>
+        <p:spPr bwMode="auto">
+          <a:xfrm>
+            <a:off x="138116" y="3628223"/>
+            <a:ext cx="0" cy="1980879"/>
+          </a:xfrm>
+          <a:prstGeom prst="line">
+            <a:avLst/>
+          </a:prstGeom>
+          <a:ln>
+            <a:headEnd type="none" w="med" len="med"/>
+            <a:tailEnd type="none" w="med" len="med"/>
+          </a:ln>
+        </p:spPr>
+        <p:style>
+          <a:lnRef idx="1">
+            <a:schemeClr val="dk1"/>
+          </a:lnRef>
+          <a:fillRef idx="0">
+            <a:schemeClr val="dk1"/>
+          </a:fillRef>
+          <a:effectRef idx="0">
+            <a:schemeClr val="dk1"/>
+          </a:effectRef>
+          <a:fontRef idx="minor">
+            <a:schemeClr val="tx1"/>
+          </a:fontRef>
+        </p:style>
+      </p:cxnSp>
+      <p:cxnSp>
+        <p:nvCxnSpPr>
+          <p:cNvPr id="73" name="직선 연결선 72"/>
+          <p:cNvCxnSpPr/>
+          <p:nvPr/>
+        </p:nvCxnSpPr>
+        <p:spPr bwMode="auto">
+          <a:xfrm>
+            <a:off x="152402" y="3637923"/>
+            <a:ext cx="245266" cy="0"/>
+          </a:xfrm>
+          <a:prstGeom prst="line">
+            <a:avLst/>
+          </a:prstGeom>
+          <a:ln>
+            <a:headEnd type="none" w="med" len="med"/>
+            <a:tailEnd type="none" w="med" len="med"/>
+          </a:ln>
+        </p:spPr>
+        <p:style>
+          <a:lnRef idx="1">
+            <a:schemeClr val="dk1"/>
+          </a:lnRef>
+          <a:fillRef idx="0">
+            <a:schemeClr val="dk1"/>
+          </a:fillRef>
+          <a:effectRef idx="0">
+            <a:schemeClr val="dk1"/>
+          </a:effectRef>
+          <a:fontRef idx="minor">
+            <a:schemeClr val="tx1"/>
+          </a:fontRef>
+        </p:style>
+      </p:cxnSp>
+      <p:cxnSp>
+        <p:nvCxnSpPr>
+          <p:cNvPr id="115" name="직선 연결선 114"/>
+          <p:cNvCxnSpPr/>
+          <p:nvPr/>
+        </p:nvCxnSpPr>
+        <p:spPr bwMode="auto">
+          <a:xfrm>
+            <a:off x="152402" y="4149974"/>
+            <a:ext cx="245266" cy="0"/>
+          </a:xfrm>
+          <a:prstGeom prst="line">
+            <a:avLst/>
+          </a:prstGeom>
+          <a:ln>
+            <a:headEnd type="none" w="med" len="med"/>
+            <a:tailEnd type="none" w="med" len="med"/>
+          </a:ln>
+        </p:spPr>
+        <p:style>
+          <a:lnRef idx="1">
+            <a:schemeClr val="dk1"/>
+          </a:lnRef>
+          <a:fillRef idx="0">
+            <a:schemeClr val="dk1"/>
+          </a:fillRef>
+          <a:effectRef idx="0">
+            <a:schemeClr val="dk1"/>
+          </a:effectRef>
+          <a:fontRef idx="minor">
+            <a:schemeClr val="tx1"/>
+          </a:fontRef>
+        </p:style>
+      </p:cxnSp>
+      <p:cxnSp>
+        <p:nvCxnSpPr>
+          <p:cNvPr id="116" name="직선 연결선 115"/>
+          <p:cNvCxnSpPr/>
+          <p:nvPr/>
+        </p:nvCxnSpPr>
+        <p:spPr bwMode="auto">
+          <a:xfrm>
+            <a:off x="152402" y="4571898"/>
+            <a:ext cx="245266" cy="0"/>
+          </a:xfrm>
+          <a:prstGeom prst="line">
+            <a:avLst/>
+          </a:prstGeom>
+          <a:ln>
+            <a:headEnd type="none" w="med" len="med"/>
+            <a:tailEnd type="none" w="med" len="med"/>
+          </a:ln>
+        </p:spPr>
+        <p:style>
+          <a:lnRef idx="1">
+            <a:schemeClr val="dk1"/>
+          </a:lnRef>
+          <a:fillRef idx="0">
+            <a:schemeClr val="dk1"/>
+          </a:fillRef>
+          <a:effectRef idx="0">
+            <a:schemeClr val="dk1"/>
+          </a:effectRef>
+          <a:fontRef idx="minor">
+            <a:schemeClr val="tx1"/>
+          </a:fontRef>
+        </p:style>
+      </p:cxnSp>
+      <p:cxnSp>
+        <p:nvCxnSpPr>
+          <p:cNvPr id="117" name="직선 연결선 116"/>
+          <p:cNvCxnSpPr/>
+          <p:nvPr/>
+        </p:nvCxnSpPr>
+        <p:spPr bwMode="auto">
+          <a:xfrm>
+            <a:off x="152402" y="5048434"/>
+            <a:ext cx="245266" cy="0"/>
+          </a:xfrm>
+          <a:prstGeom prst="line">
+            <a:avLst/>
+          </a:prstGeom>
+          <a:ln>
+            <a:headEnd type="none" w="med" len="med"/>
+            <a:tailEnd type="none" w="med" len="med"/>
+          </a:ln>
+        </p:spPr>
+        <p:style>
+          <a:lnRef idx="1">
+            <a:schemeClr val="dk1"/>
+          </a:lnRef>
+          <a:fillRef idx="0">
+            <a:schemeClr val="dk1"/>
+          </a:fillRef>
+          <a:effectRef idx="0">
+            <a:schemeClr val="dk1"/>
+          </a:effectRef>
+          <a:fontRef idx="minor">
+            <a:schemeClr val="tx1"/>
+          </a:fontRef>
+        </p:style>
+      </p:cxnSp>
+      <p:cxnSp>
+        <p:nvCxnSpPr>
+          <p:cNvPr id="118" name="직선 연결선 117"/>
+          <p:cNvCxnSpPr/>
+          <p:nvPr/>
+        </p:nvCxnSpPr>
+        <p:spPr bwMode="auto">
+          <a:xfrm>
+            <a:off x="152402" y="5618802"/>
+            <a:ext cx="245266" cy="0"/>
+          </a:xfrm>
+          <a:prstGeom prst="line">
+            <a:avLst/>
+          </a:prstGeom>
+          <a:ln>
+            <a:headEnd type="none" w="med" len="med"/>
+            <a:tailEnd type="none" w="med" len="med"/>
+          </a:ln>
+        </p:spPr>
+        <p:style>
+          <a:lnRef idx="1">
+            <a:schemeClr val="dk1"/>
+          </a:lnRef>
+          <a:fillRef idx="0">
+            <a:schemeClr val="dk1"/>
+          </a:fillRef>
+          <a:effectRef idx="0">
+            <a:schemeClr val="dk1"/>
+          </a:effectRef>
+          <a:fontRef idx="minor">
+            <a:schemeClr val="tx1"/>
+          </a:fontRef>
+        </p:style>
+      </p:cxnSp>
       <p:sp>
         <p:nvSpPr>
           <p:cNvPr id="2" name="제목 1"/>
@@ -3125,52 +3946,13 @@
           <a:lstStyle/>
           <a:p>
             <a:r>
-              <a:rPr lang="en-US" altLang="ko-KR" b="1" dirty="0" smtClean="0">
+              <a:rPr lang="en-US" altLang="ko-KR" b="1" dirty="0">
                 <a:latin typeface="맑은 고딕" pitchFamily="50" charset="-127"/>
                 <a:ea typeface="맑은 고딕" pitchFamily="50" charset="-127"/>
               </a:rPr>
               <a:t>System Map</a:t>
             </a:r>
             <a:endParaRPr lang="ko-KR" altLang="en-US" b="1" dirty="0">
-              <a:latin typeface="맑은 고딕" pitchFamily="50" charset="-127"/>
-              <a:ea typeface="맑은 고딕" pitchFamily="50" charset="-127"/>
-            </a:endParaRPr>
-          </a:p>
-        </p:txBody>
-      </p:sp>
-      <p:sp>
-        <p:nvSpPr>
-          <p:cNvPr id="3" name="내용 개체 틀 2"/>
-          <p:cNvSpPr>
-            <a:spLocks noGrp="1"/>
-          </p:cNvSpPr>
-          <p:nvPr>
-            <p:ph idx="1"/>
-          </p:nvPr>
-        </p:nvSpPr>
-        <p:spPr/>
-        <p:txBody>
-          <a:bodyPr/>
-          <a:lstStyle/>
-          <a:p>
-            <a:pPr marL="0" indent="0">
-              <a:buNone/>
-            </a:pPr>
-            <a:r>
-              <a:rPr lang="ko-KR" altLang="en-US" dirty="0" smtClean="0">
-                <a:latin typeface="맑은 고딕" pitchFamily="50" charset="-127"/>
-                <a:ea typeface="맑은 고딕" pitchFamily="50" charset="-127"/>
-              </a:rPr>
-              <a:t>예제</a:t>
-            </a:r>
-            <a:r>
-              <a:rPr lang="en-US" altLang="ko-KR" dirty="0" smtClean="0">
-                <a:latin typeface="맑은 고딕" pitchFamily="50" charset="-127"/>
-                <a:ea typeface="맑은 고딕" pitchFamily="50" charset="-127"/>
-              </a:rPr>
-              <a:t>) </a:t>
-            </a:r>
-            <a:endParaRPr lang="ko-KR" altLang="en-US" dirty="0">
               <a:latin typeface="맑은 고딕" pitchFamily="50" charset="-127"/>
               <a:ea typeface="맑은 고딕" pitchFamily="50" charset="-127"/>
             </a:endParaRPr>
@@ -3194,58 +3976,3907 @@
           <a:p>
             <a:pPr algn="r"/>
             <a:r>
-              <a:rPr lang="ko-KR" altLang="en-US" smtClean="0"/>
+              <a:rPr lang="ko-KR" altLang="en-US"/>
               <a:t>팀 명</a:t>
             </a:r>
             <a:endParaRPr lang="en-US" altLang="ko-KR" dirty="0"/>
           </a:p>
         </p:txBody>
       </p:sp>
-      <p:pic>
-        <p:nvPicPr>
-          <p:cNvPr id="1026" name="Picture 2" descr="site map template, site map example"/>
-          <p:cNvPicPr>
-            <a:picLocks noChangeAspect="1" noChangeArrowheads="1"/>
-          </p:cNvPicPr>
+      <p:sp>
+        <p:nvSpPr>
+          <p:cNvPr id="17" name="직사각형 16"/>
+          <p:cNvSpPr/>
           <p:nvPr/>
-        </p:nvPicPr>
-        <p:blipFill>
-          <a:blip r:embed="rId2">
-            <a:extLst>
-              <a:ext uri="{28A0092B-C50C-407E-A947-70E740481C1C}">
-                <a14:useLocalDpi xmlns:a14="http://schemas.microsoft.com/office/drawing/2010/main" val="0"/>
-              </a:ext>
-            </a:extLst>
-          </a:blip>
-          <a:srcRect/>
-          <a:stretch>
-            <a:fillRect/>
-          </a:stretch>
-        </p:blipFill>
+        </p:nvSpPr>
         <p:spPr bwMode="auto">
           <a:xfrm>
-            <a:off x="2267138" y="1284656"/>
-            <a:ext cx="4609724" cy="5047752"/>
+            <a:off x="3424236" y="1097780"/>
+            <a:ext cx="1233489" cy="693800"/>
           </a:xfrm>
           <a:prstGeom prst="rect">
             <a:avLst/>
           </a:prstGeom>
+          <a:ln>
+            <a:headEnd type="none" w="med" len="med"/>
+            <a:tailEnd type="none" w="med" len="med"/>
+          </a:ln>
+        </p:spPr>
+        <p:style>
+          <a:lnRef idx="2">
+            <a:schemeClr val="accent1"/>
+          </a:lnRef>
+          <a:fillRef idx="1">
+            <a:schemeClr val="lt1"/>
+          </a:fillRef>
+          <a:effectRef idx="0">
+            <a:schemeClr val="accent1"/>
+          </a:effectRef>
+          <a:fontRef idx="minor">
+            <a:schemeClr val="dk1"/>
+          </a:fontRef>
+        </p:style>
+        <p:txBody>
+          <a:bodyPr vert="horz" wrap="none" lIns="90000" tIns="46800" rIns="90000" bIns="46800" numCol="1" rtlCol="0" anchor="ctr" anchorCtr="0" compatLnSpc="1">
+            <a:prstTxWarp prst="textNoShape">
+              <a:avLst/>
+            </a:prstTxWarp>
+          </a:bodyPr>
+          <a:lstStyle/>
+          <a:p>
+            <a:pPr marL="0" marR="0" indent="0" algn="ctr" defTabSz="914400" rtl="0" eaLnBrk="0" fontAlgn="base" latinLnBrk="0" hangingPunct="0">
+              <a:lnSpc>
+                <a:spcPct val="100000"/>
+              </a:lnSpc>
+              <a:spcBef>
+                <a:spcPct val="0"/>
+              </a:spcBef>
+              <a:spcAft>
+                <a:spcPct val="0"/>
+              </a:spcAft>
+              <a:buClrTx/>
+              <a:buSzTx/>
+              <a:buFontTx/>
+              <a:buNone/>
+              <a:tabLst/>
+            </a:pPr>
+            <a:endParaRPr kumimoji="0" lang="ko-KR" altLang="en-US" sz="1400" b="0" i="0" u="none" strike="noStrike" cap="none" normalizeH="0" baseline="0" dirty="0">
+              <a:ln>
+                <a:noFill/>
+              </a:ln>
+              <a:solidFill>
+                <a:schemeClr val="tx1"/>
+              </a:solidFill>
+              <a:effectLst/>
+              <a:latin typeface="맑은 고딕" pitchFamily="50" charset="-127"/>
+              <a:ea typeface="맑은 고딕" pitchFamily="50" charset="-127"/>
+            </a:endParaRPr>
+          </a:p>
+        </p:txBody>
+      </p:sp>
+      <p:sp>
+        <p:nvSpPr>
+          <p:cNvPr id="19" name="직사각형 18"/>
+          <p:cNvSpPr/>
+          <p:nvPr/>
+        </p:nvSpPr>
+        <p:spPr bwMode="auto">
+          <a:xfrm>
+            <a:off x="3720260" y="1951122"/>
+            <a:ext cx="666750" cy="326796"/>
+          </a:xfrm>
+          <a:prstGeom prst="rect">
+            <a:avLst/>
+          </a:prstGeom>
+          <a:ln>
+            <a:headEnd type="none" w="med" len="med"/>
+            <a:tailEnd type="none" w="med" len="med"/>
+          </a:ln>
+        </p:spPr>
+        <p:style>
+          <a:lnRef idx="2">
+            <a:schemeClr val="accent1"/>
+          </a:lnRef>
+          <a:fillRef idx="1">
+            <a:schemeClr val="lt1"/>
+          </a:fillRef>
+          <a:effectRef idx="0">
+            <a:schemeClr val="accent1"/>
+          </a:effectRef>
+          <a:fontRef idx="minor">
+            <a:schemeClr val="dk1"/>
+          </a:fontRef>
+        </p:style>
+        <p:txBody>
+          <a:bodyPr vert="horz" wrap="none" lIns="90000" tIns="46800" rIns="90000" bIns="46800" numCol="1" rtlCol="0" anchor="ctr" anchorCtr="0" compatLnSpc="1">
+            <a:prstTxWarp prst="textNoShape">
+              <a:avLst/>
+            </a:prstTxWarp>
+          </a:bodyPr>
+          <a:lstStyle/>
+          <a:p>
+            <a:pPr marL="0" marR="0" indent="0" algn="ctr" defTabSz="914400" rtl="0" eaLnBrk="0" fontAlgn="base" latinLnBrk="0" hangingPunct="0">
+              <a:lnSpc>
+                <a:spcPct val="100000"/>
+              </a:lnSpc>
+              <a:spcBef>
+                <a:spcPct val="0"/>
+              </a:spcBef>
+              <a:spcAft>
+                <a:spcPct val="0"/>
+              </a:spcAft>
+              <a:buClrTx/>
+              <a:buSzTx/>
+              <a:buFontTx/>
+              <a:buNone/>
+              <a:tabLst/>
+            </a:pPr>
+            <a:endParaRPr kumimoji="0" lang="ko-KR" altLang="en-US" sz="1400" b="0" i="0" u="none" strike="noStrike" cap="none" normalizeH="0" baseline="0" dirty="0">
+              <a:ln>
+                <a:noFill/>
+              </a:ln>
+              <a:solidFill>
+                <a:schemeClr val="tx1"/>
+              </a:solidFill>
+              <a:effectLst/>
+              <a:latin typeface="맑은 고딕" pitchFamily="50" charset="-127"/>
+              <a:ea typeface="맑은 고딕" pitchFamily="50" charset="-127"/>
+            </a:endParaRPr>
+          </a:p>
+        </p:txBody>
+      </p:sp>
+      <p:sp>
+        <p:nvSpPr>
+          <p:cNvPr id="18" name="TextBox 17"/>
+          <p:cNvSpPr txBox="1"/>
+          <p:nvPr/>
+        </p:nvSpPr>
+        <p:spPr>
+          <a:xfrm>
+            <a:off x="3505951" y="1105445"/>
+            <a:ext cx="1062039" cy="646331"/>
+          </a:xfrm>
+          <a:prstGeom prst="rect">
+            <a:avLst/>
+          </a:prstGeom>
           <a:noFill/>
-          <a:extLst>
-            <a:ext uri="{909E8E84-426E-40DD-AFC4-6F175D3DCCD1}">
-              <a14:hiddenFill xmlns:a14="http://schemas.microsoft.com/office/drawing/2010/main">
-                <a:solidFill>
-                  <a:srgbClr val="FFFFFF"/>
-                </a:solidFill>
-              </a14:hiddenFill>
-            </a:ext>
-          </a:extLst>
-        </p:spPr>
-      </p:pic>
+        </p:spPr>
+        <p:txBody>
+          <a:bodyPr wrap="square" rtlCol="0">
+            <a:spAutoFit/>
+          </a:bodyPr>
+          <a:lstStyle/>
+          <a:p>
+            <a:pPr algn="ctr"/>
+            <a:r>
+              <a:rPr lang="ko-KR" altLang="en-US" sz="1200" dirty="0"/>
+              <a:t>대학생을 </a:t>
+            </a:r>
+            <a:endParaRPr lang="en-US" altLang="ko-KR" sz="1200" dirty="0"/>
+          </a:p>
+          <a:p>
+            <a:pPr algn="ctr"/>
+            <a:r>
+              <a:rPr lang="ko-KR" altLang="en-US" sz="1200" dirty="0"/>
+              <a:t>위한</a:t>
+            </a:r>
+            <a:endParaRPr lang="en-US" altLang="ko-KR" sz="1200" dirty="0"/>
+          </a:p>
+          <a:p>
+            <a:pPr algn="ctr"/>
+            <a:r>
+              <a:rPr lang="en-US" altLang="ko-KR" sz="1200" dirty="0"/>
+              <a:t>To-Do List</a:t>
+            </a:r>
+            <a:endParaRPr lang="ko-KR" altLang="en-US" sz="1200" dirty="0"/>
+          </a:p>
+        </p:txBody>
+      </p:sp>
+      <p:sp>
+        <p:nvSpPr>
+          <p:cNvPr id="21" name="직사각형 20"/>
+          <p:cNvSpPr/>
+          <p:nvPr/>
+        </p:nvSpPr>
+        <p:spPr bwMode="auto">
+          <a:xfrm>
+            <a:off x="545308" y="2534211"/>
+            <a:ext cx="676275" cy="322199"/>
+          </a:xfrm>
+          <a:prstGeom prst="rect">
+            <a:avLst/>
+          </a:prstGeom>
+          <a:ln>
+            <a:headEnd type="none" w="med" len="med"/>
+            <a:tailEnd type="none" w="med" len="med"/>
+          </a:ln>
+        </p:spPr>
+        <p:style>
+          <a:lnRef idx="2">
+            <a:schemeClr val="accent1"/>
+          </a:lnRef>
+          <a:fillRef idx="1">
+            <a:schemeClr val="lt1"/>
+          </a:fillRef>
+          <a:effectRef idx="0">
+            <a:schemeClr val="accent1"/>
+          </a:effectRef>
+          <a:fontRef idx="minor">
+            <a:schemeClr val="dk1"/>
+          </a:fontRef>
+        </p:style>
+        <p:txBody>
+          <a:bodyPr vert="horz" wrap="none" lIns="90000" tIns="46800" rIns="90000" bIns="46800" numCol="1" rtlCol="0" anchor="ctr" anchorCtr="0" compatLnSpc="1">
+            <a:prstTxWarp prst="textNoShape">
+              <a:avLst/>
+            </a:prstTxWarp>
+          </a:bodyPr>
+          <a:lstStyle/>
+          <a:p>
+            <a:pPr marL="0" marR="0" indent="0" algn="ctr" defTabSz="914400" rtl="0" eaLnBrk="0" fontAlgn="base" latinLnBrk="0" hangingPunct="0">
+              <a:lnSpc>
+                <a:spcPct val="100000"/>
+              </a:lnSpc>
+              <a:spcBef>
+                <a:spcPct val="0"/>
+              </a:spcBef>
+              <a:spcAft>
+                <a:spcPct val="0"/>
+              </a:spcAft>
+              <a:buClrTx/>
+              <a:buSzTx/>
+              <a:buFontTx/>
+              <a:buNone/>
+              <a:tabLst/>
+            </a:pPr>
+            <a:endParaRPr kumimoji="0" lang="ko-KR" altLang="en-US" sz="1400" b="0" i="0" u="none" strike="noStrike" cap="none" normalizeH="0" baseline="0" dirty="0">
+              <a:ln>
+                <a:noFill/>
+              </a:ln>
+              <a:solidFill>
+                <a:schemeClr val="tx1"/>
+              </a:solidFill>
+              <a:effectLst/>
+              <a:latin typeface="맑은 고딕" pitchFamily="50" charset="-127"/>
+              <a:ea typeface="맑은 고딕" pitchFamily="50" charset="-127"/>
+            </a:endParaRPr>
+          </a:p>
+        </p:txBody>
+      </p:sp>
+      <p:sp>
+        <p:nvSpPr>
+          <p:cNvPr id="26" name="직사각형 25"/>
+          <p:cNvSpPr/>
+          <p:nvPr/>
+        </p:nvSpPr>
+        <p:spPr bwMode="auto">
+          <a:xfrm>
+            <a:off x="3351242" y="2534970"/>
+            <a:ext cx="676275" cy="330812"/>
+          </a:xfrm>
+          <a:prstGeom prst="rect">
+            <a:avLst/>
+          </a:prstGeom>
+          <a:ln>
+            <a:headEnd type="none" w="med" len="med"/>
+            <a:tailEnd type="none" w="med" len="med"/>
+          </a:ln>
+        </p:spPr>
+        <p:style>
+          <a:lnRef idx="2">
+            <a:schemeClr val="accent1"/>
+          </a:lnRef>
+          <a:fillRef idx="1">
+            <a:schemeClr val="lt1"/>
+          </a:fillRef>
+          <a:effectRef idx="0">
+            <a:schemeClr val="accent1"/>
+          </a:effectRef>
+          <a:fontRef idx="minor">
+            <a:schemeClr val="dk1"/>
+          </a:fontRef>
+        </p:style>
+        <p:txBody>
+          <a:bodyPr vert="horz" wrap="none" lIns="90000" tIns="46800" rIns="90000" bIns="46800" numCol="1" rtlCol="0" anchor="ctr" anchorCtr="0" compatLnSpc="1">
+            <a:prstTxWarp prst="textNoShape">
+              <a:avLst/>
+            </a:prstTxWarp>
+          </a:bodyPr>
+          <a:lstStyle/>
+          <a:p>
+            <a:pPr marL="0" marR="0" indent="0" algn="ctr" defTabSz="914400" rtl="0" eaLnBrk="0" fontAlgn="base" latinLnBrk="0" hangingPunct="0">
+              <a:lnSpc>
+                <a:spcPct val="100000"/>
+              </a:lnSpc>
+              <a:spcBef>
+                <a:spcPct val="0"/>
+              </a:spcBef>
+              <a:spcAft>
+                <a:spcPct val="0"/>
+              </a:spcAft>
+              <a:buClrTx/>
+              <a:buSzTx/>
+              <a:buFontTx/>
+              <a:buNone/>
+              <a:tabLst/>
+            </a:pPr>
+            <a:endParaRPr kumimoji="0" lang="ko-KR" altLang="en-US" sz="1400" b="0" i="0" u="none" strike="noStrike" cap="none" normalizeH="0" baseline="0" dirty="0">
+              <a:ln>
+                <a:noFill/>
+              </a:ln>
+              <a:solidFill>
+                <a:schemeClr val="tx1"/>
+              </a:solidFill>
+              <a:effectLst/>
+              <a:latin typeface="맑은 고딕" pitchFamily="50" charset="-127"/>
+              <a:ea typeface="맑은 고딕" pitchFamily="50" charset="-127"/>
+            </a:endParaRPr>
+          </a:p>
+        </p:txBody>
+      </p:sp>
+      <p:sp>
+        <p:nvSpPr>
+          <p:cNvPr id="27" name="직사각형 26"/>
+          <p:cNvSpPr/>
+          <p:nvPr/>
+        </p:nvSpPr>
+        <p:spPr bwMode="auto">
+          <a:xfrm>
+            <a:off x="5241507" y="2548359"/>
+            <a:ext cx="836678" cy="361950"/>
+          </a:xfrm>
+          <a:prstGeom prst="rect">
+            <a:avLst/>
+          </a:prstGeom>
+          <a:ln>
+            <a:headEnd type="none" w="med" len="med"/>
+            <a:tailEnd type="none" w="med" len="med"/>
+          </a:ln>
+        </p:spPr>
+        <p:style>
+          <a:lnRef idx="2">
+            <a:schemeClr val="accent1"/>
+          </a:lnRef>
+          <a:fillRef idx="1">
+            <a:schemeClr val="lt1"/>
+          </a:fillRef>
+          <a:effectRef idx="0">
+            <a:schemeClr val="accent1"/>
+          </a:effectRef>
+          <a:fontRef idx="minor">
+            <a:schemeClr val="dk1"/>
+          </a:fontRef>
+        </p:style>
+        <p:txBody>
+          <a:bodyPr vert="horz" wrap="none" lIns="90000" tIns="46800" rIns="90000" bIns="46800" numCol="1" rtlCol="0" anchor="ctr" anchorCtr="0" compatLnSpc="1">
+            <a:prstTxWarp prst="textNoShape">
+              <a:avLst/>
+            </a:prstTxWarp>
+          </a:bodyPr>
+          <a:lstStyle/>
+          <a:p>
+            <a:pPr marL="0" marR="0" indent="0" algn="ctr" defTabSz="914400" rtl="0" eaLnBrk="0" fontAlgn="base" latinLnBrk="0" hangingPunct="0">
+              <a:lnSpc>
+                <a:spcPct val="100000"/>
+              </a:lnSpc>
+              <a:spcBef>
+                <a:spcPct val="0"/>
+              </a:spcBef>
+              <a:spcAft>
+                <a:spcPct val="0"/>
+              </a:spcAft>
+              <a:buClrTx/>
+              <a:buSzTx/>
+              <a:buFontTx/>
+              <a:buNone/>
+              <a:tabLst/>
+            </a:pPr>
+            <a:endParaRPr kumimoji="0" lang="ko-KR" altLang="en-US" sz="1400" b="0" i="0" u="none" strike="noStrike" cap="none" normalizeH="0" baseline="0" dirty="0">
+              <a:ln>
+                <a:noFill/>
+              </a:ln>
+              <a:solidFill>
+                <a:schemeClr val="tx1"/>
+              </a:solidFill>
+              <a:effectLst/>
+              <a:latin typeface="맑은 고딕" pitchFamily="50" charset="-127"/>
+              <a:ea typeface="맑은 고딕" pitchFamily="50" charset="-127"/>
+            </a:endParaRPr>
+          </a:p>
+        </p:txBody>
+      </p:sp>
+      <p:sp>
+        <p:nvSpPr>
+          <p:cNvPr id="28" name="직사각형 27"/>
+          <p:cNvSpPr/>
+          <p:nvPr/>
+        </p:nvSpPr>
+        <p:spPr bwMode="auto">
+          <a:xfrm>
+            <a:off x="6705600" y="2524707"/>
+            <a:ext cx="676275" cy="361950"/>
+          </a:xfrm>
+          <a:prstGeom prst="rect">
+            <a:avLst/>
+          </a:prstGeom>
+          <a:ln>
+            <a:headEnd type="none" w="med" len="med"/>
+            <a:tailEnd type="none" w="med" len="med"/>
+          </a:ln>
+        </p:spPr>
+        <p:style>
+          <a:lnRef idx="2">
+            <a:schemeClr val="accent1"/>
+          </a:lnRef>
+          <a:fillRef idx="1">
+            <a:schemeClr val="lt1"/>
+          </a:fillRef>
+          <a:effectRef idx="0">
+            <a:schemeClr val="accent1"/>
+          </a:effectRef>
+          <a:fontRef idx="minor">
+            <a:schemeClr val="dk1"/>
+          </a:fontRef>
+        </p:style>
+        <p:txBody>
+          <a:bodyPr vert="horz" wrap="none" lIns="90000" tIns="46800" rIns="90000" bIns="46800" numCol="1" rtlCol="0" anchor="ctr" anchorCtr="0" compatLnSpc="1">
+            <a:prstTxWarp prst="textNoShape">
+              <a:avLst/>
+            </a:prstTxWarp>
+          </a:bodyPr>
+          <a:lstStyle/>
+          <a:p>
+            <a:pPr marL="0" marR="0" indent="0" algn="ctr" defTabSz="914400" rtl="0" eaLnBrk="0" fontAlgn="base" latinLnBrk="0" hangingPunct="0">
+              <a:lnSpc>
+                <a:spcPct val="100000"/>
+              </a:lnSpc>
+              <a:spcBef>
+                <a:spcPct val="0"/>
+              </a:spcBef>
+              <a:spcAft>
+                <a:spcPct val="0"/>
+              </a:spcAft>
+              <a:buClrTx/>
+              <a:buSzTx/>
+              <a:buFontTx/>
+              <a:buNone/>
+              <a:tabLst/>
+            </a:pPr>
+            <a:endParaRPr kumimoji="0" lang="ko-KR" altLang="en-US" sz="1400" b="0" i="0" u="none" strike="noStrike" cap="none" normalizeH="0" baseline="0" dirty="0">
+              <a:ln>
+                <a:noFill/>
+              </a:ln>
+              <a:solidFill>
+                <a:schemeClr val="tx1"/>
+              </a:solidFill>
+              <a:effectLst/>
+              <a:latin typeface="맑은 고딕" pitchFamily="50" charset="-127"/>
+              <a:ea typeface="맑은 고딕" pitchFamily="50" charset="-127"/>
+            </a:endParaRPr>
+          </a:p>
+        </p:txBody>
+      </p:sp>
+      <p:sp>
+        <p:nvSpPr>
+          <p:cNvPr id="29" name="직사각형 28"/>
+          <p:cNvSpPr/>
+          <p:nvPr/>
+        </p:nvSpPr>
+        <p:spPr bwMode="auto">
+          <a:xfrm>
+            <a:off x="7973454" y="2507432"/>
+            <a:ext cx="792311" cy="361950"/>
+          </a:xfrm>
+          <a:prstGeom prst="rect">
+            <a:avLst/>
+          </a:prstGeom>
+          <a:ln>
+            <a:headEnd type="none" w="med" len="med"/>
+            <a:tailEnd type="none" w="med" len="med"/>
+          </a:ln>
+        </p:spPr>
+        <p:style>
+          <a:lnRef idx="2">
+            <a:schemeClr val="accent1"/>
+          </a:lnRef>
+          <a:fillRef idx="1">
+            <a:schemeClr val="lt1"/>
+          </a:fillRef>
+          <a:effectRef idx="0">
+            <a:schemeClr val="accent1"/>
+          </a:effectRef>
+          <a:fontRef idx="minor">
+            <a:schemeClr val="dk1"/>
+          </a:fontRef>
+        </p:style>
+        <p:txBody>
+          <a:bodyPr vert="horz" wrap="none" lIns="90000" tIns="46800" rIns="90000" bIns="46800" numCol="1" rtlCol="0" anchor="ctr" anchorCtr="0" compatLnSpc="1">
+            <a:prstTxWarp prst="textNoShape">
+              <a:avLst/>
+            </a:prstTxWarp>
+          </a:bodyPr>
+          <a:lstStyle/>
+          <a:p>
+            <a:pPr marL="0" marR="0" indent="0" algn="ctr" defTabSz="914400" rtl="0" eaLnBrk="0" fontAlgn="base" latinLnBrk="0" hangingPunct="0">
+              <a:lnSpc>
+                <a:spcPct val="100000"/>
+              </a:lnSpc>
+              <a:spcBef>
+                <a:spcPct val="0"/>
+              </a:spcBef>
+              <a:spcAft>
+                <a:spcPct val="0"/>
+              </a:spcAft>
+              <a:buClrTx/>
+              <a:buSzTx/>
+              <a:buFontTx/>
+              <a:buNone/>
+              <a:tabLst/>
+            </a:pPr>
+            <a:endParaRPr kumimoji="0" lang="ko-KR" altLang="en-US" sz="1400" b="0" i="0" u="none" strike="noStrike" cap="none" normalizeH="0" baseline="0" dirty="0">
+              <a:ln>
+                <a:noFill/>
+              </a:ln>
+              <a:solidFill>
+                <a:schemeClr val="tx1"/>
+              </a:solidFill>
+              <a:effectLst/>
+              <a:latin typeface="맑은 고딕" pitchFamily="50" charset="-127"/>
+              <a:ea typeface="맑은 고딕" pitchFamily="50" charset="-127"/>
+            </a:endParaRPr>
+          </a:p>
+        </p:txBody>
+      </p:sp>
+      <p:sp>
+        <p:nvSpPr>
+          <p:cNvPr id="20" name="TextBox 19"/>
+          <p:cNvSpPr txBox="1"/>
+          <p:nvPr/>
+        </p:nvSpPr>
+        <p:spPr>
+          <a:xfrm>
+            <a:off x="564538" y="2588334"/>
+            <a:ext cx="752475" cy="261610"/>
+          </a:xfrm>
+          <a:prstGeom prst="rect">
+            <a:avLst/>
+          </a:prstGeom>
+          <a:noFill/>
+        </p:spPr>
+        <p:txBody>
+          <a:bodyPr wrap="square" rtlCol="0">
+            <a:spAutoFit/>
+          </a:bodyPr>
+          <a:lstStyle/>
+          <a:p>
+            <a:r>
+              <a:rPr lang="ko-KR" altLang="en-US" sz="1100" dirty="0"/>
+              <a:t>과목</a:t>
+            </a:r>
+            <a:r>
+              <a:rPr lang="en-US" altLang="ko-KR" sz="1100" dirty="0"/>
+              <a:t>List</a:t>
+            </a:r>
+            <a:endParaRPr lang="ko-KR" altLang="en-US" sz="1100" dirty="0"/>
+          </a:p>
+        </p:txBody>
+      </p:sp>
+      <p:sp>
+        <p:nvSpPr>
+          <p:cNvPr id="31" name="TextBox 30"/>
+          <p:cNvSpPr txBox="1"/>
+          <p:nvPr/>
+        </p:nvSpPr>
+        <p:spPr>
+          <a:xfrm>
+            <a:off x="3295322" y="2578778"/>
+            <a:ext cx="904875" cy="253916"/>
+          </a:xfrm>
+          <a:prstGeom prst="rect">
+            <a:avLst/>
+          </a:prstGeom>
+          <a:noFill/>
+        </p:spPr>
+        <p:txBody>
+          <a:bodyPr wrap="square" rtlCol="0">
+            <a:spAutoFit/>
+          </a:bodyPr>
+          <a:lstStyle/>
+          <a:p>
+            <a:r>
+              <a:rPr lang="en-US" altLang="ko-KR" sz="1050" dirty="0"/>
+              <a:t>To Do List</a:t>
+            </a:r>
+            <a:endParaRPr lang="ko-KR" altLang="en-US" sz="1050" dirty="0"/>
+          </a:p>
+        </p:txBody>
+      </p:sp>
+      <p:sp>
+        <p:nvSpPr>
+          <p:cNvPr id="30" name="TextBox 29"/>
+          <p:cNvSpPr txBox="1"/>
+          <p:nvPr/>
+        </p:nvSpPr>
+        <p:spPr>
+          <a:xfrm>
+            <a:off x="5317884" y="2524707"/>
+            <a:ext cx="1038225" cy="400110"/>
+          </a:xfrm>
+          <a:prstGeom prst="rect">
+            <a:avLst/>
+          </a:prstGeom>
+          <a:noFill/>
+        </p:spPr>
+        <p:txBody>
+          <a:bodyPr wrap="square" rtlCol="0">
+            <a:spAutoFit/>
+          </a:bodyPr>
+          <a:lstStyle/>
+          <a:p>
+            <a:r>
+              <a:rPr lang="en-US" altLang="ko-KR" sz="1000" dirty="0"/>
+              <a:t>To Do List</a:t>
+            </a:r>
+          </a:p>
+          <a:p>
+            <a:r>
+              <a:rPr lang="ko-KR" altLang="en-US" sz="1000" dirty="0"/>
+              <a:t>세부사항</a:t>
+            </a:r>
+            <a:endParaRPr lang="en-US" altLang="ko-KR" sz="1000" dirty="0"/>
+          </a:p>
+        </p:txBody>
+      </p:sp>
+      <p:sp>
+        <p:nvSpPr>
+          <p:cNvPr id="1024" name="TextBox 1023"/>
+          <p:cNvSpPr txBox="1"/>
+          <p:nvPr/>
+        </p:nvSpPr>
+        <p:spPr>
+          <a:xfrm>
+            <a:off x="6784851" y="2604172"/>
+            <a:ext cx="676275" cy="261610"/>
+          </a:xfrm>
+          <a:prstGeom prst="rect">
+            <a:avLst/>
+          </a:prstGeom>
+          <a:noFill/>
+        </p:spPr>
+        <p:txBody>
+          <a:bodyPr wrap="square" rtlCol="0">
+            <a:spAutoFit/>
+          </a:bodyPr>
+          <a:lstStyle/>
+          <a:p>
+            <a:r>
+              <a:rPr lang="ko-KR" altLang="en-US" sz="1100" dirty="0"/>
+              <a:t>검색</a:t>
+            </a:r>
+          </a:p>
+        </p:txBody>
+      </p:sp>
+      <p:sp>
+        <p:nvSpPr>
+          <p:cNvPr id="1025" name="TextBox 1024"/>
+          <p:cNvSpPr txBox="1"/>
+          <p:nvPr/>
+        </p:nvSpPr>
+        <p:spPr>
+          <a:xfrm>
+            <a:off x="7973454" y="2561449"/>
+            <a:ext cx="851506" cy="253916"/>
+          </a:xfrm>
+          <a:prstGeom prst="rect">
+            <a:avLst/>
+          </a:prstGeom>
+          <a:noFill/>
+        </p:spPr>
+        <p:txBody>
+          <a:bodyPr wrap="square" rtlCol="0">
+            <a:spAutoFit/>
+          </a:bodyPr>
+          <a:lstStyle/>
+          <a:p>
+            <a:r>
+              <a:rPr lang="ko-KR" altLang="en-US" sz="1050" dirty="0"/>
+              <a:t>할 일 추천</a:t>
+            </a:r>
+          </a:p>
+        </p:txBody>
+      </p:sp>
+      <p:sp>
+        <p:nvSpPr>
+          <p:cNvPr id="35" name="직사각형 34"/>
+          <p:cNvSpPr/>
+          <p:nvPr/>
+        </p:nvSpPr>
+        <p:spPr bwMode="auto">
+          <a:xfrm>
+            <a:off x="142875" y="3095293"/>
+            <a:ext cx="495300" cy="334228"/>
+          </a:xfrm>
+          <a:prstGeom prst="rect">
+            <a:avLst/>
+          </a:prstGeom>
+          <a:ln>
+            <a:headEnd type="none" w="med" len="med"/>
+            <a:tailEnd type="none" w="med" len="med"/>
+          </a:ln>
+        </p:spPr>
+        <p:style>
+          <a:lnRef idx="2">
+            <a:schemeClr val="accent1"/>
+          </a:lnRef>
+          <a:fillRef idx="1">
+            <a:schemeClr val="lt1"/>
+          </a:fillRef>
+          <a:effectRef idx="0">
+            <a:schemeClr val="accent1"/>
+          </a:effectRef>
+          <a:fontRef idx="minor">
+            <a:schemeClr val="dk1"/>
+          </a:fontRef>
+        </p:style>
+        <p:txBody>
+          <a:bodyPr vert="horz" wrap="none" lIns="90000" tIns="46800" rIns="90000" bIns="46800" numCol="1" rtlCol="0" anchor="ctr" anchorCtr="0" compatLnSpc="1">
+            <a:prstTxWarp prst="textNoShape">
+              <a:avLst/>
+            </a:prstTxWarp>
+          </a:bodyPr>
+          <a:lstStyle/>
+          <a:p>
+            <a:pPr marL="0" marR="0" indent="0" algn="ctr" defTabSz="914400" rtl="0" eaLnBrk="0" fontAlgn="base" latinLnBrk="0" hangingPunct="0">
+              <a:lnSpc>
+                <a:spcPct val="100000"/>
+              </a:lnSpc>
+              <a:spcBef>
+                <a:spcPct val="0"/>
+              </a:spcBef>
+              <a:spcAft>
+                <a:spcPct val="0"/>
+              </a:spcAft>
+              <a:buClrTx/>
+              <a:buSzTx/>
+              <a:buFontTx/>
+              <a:buNone/>
+              <a:tabLst/>
+            </a:pPr>
+            <a:endParaRPr kumimoji="0" lang="ko-KR" altLang="en-US" sz="1400" b="0" i="0" u="none" strike="noStrike" cap="none" normalizeH="0" baseline="0" dirty="0">
+              <a:ln>
+                <a:noFill/>
+              </a:ln>
+              <a:solidFill>
+                <a:schemeClr val="tx1"/>
+              </a:solidFill>
+              <a:effectLst/>
+              <a:latin typeface="맑은 고딕" pitchFamily="50" charset="-127"/>
+              <a:ea typeface="맑은 고딕" pitchFamily="50" charset="-127"/>
+            </a:endParaRPr>
+          </a:p>
+        </p:txBody>
+      </p:sp>
+      <p:sp>
+        <p:nvSpPr>
+          <p:cNvPr id="1027" name="TextBox 1026"/>
+          <p:cNvSpPr txBox="1"/>
+          <p:nvPr/>
+        </p:nvSpPr>
+        <p:spPr>
+          <a:xfrm>
+            <a:off x="3814761" y="1988830"/>
+            <a:ext cx="819150" cy="261610"/>
+          </a:xfrm>
+          <a:prstGeom prst="rect">
+            <a:avLst/>
+          </a:prstGeom>
+          <a:noFill/>
+        </p:spPr>
+        <p:txBody>
+          <a:bodyPr wrap="square" rtlCol="0">
+            <a:spAutoFit/>
+          </a:bodyPr>
+          <a:lstStyle/>
+          <a:p>
+            <a:r>
+              <a:rPr lang="ko-KR" altLang="en-US" sz="1100" dirty="0"/>
+              <a:t>메인</a:t>
+            </a:r>
+          </a:p>
+        </p:txBody>
+      </p:sp>
+      <p:sp>
+        <p:nvSpPr>
+          <p:cNvPr id="41" name="직사각형 40"/>
+          <p:cNvSpPr/>
+          <p:nvPr/>
+        </p:nvSpPr>
+        <p:spPr bwMode="auto">
+          <a:xfrm>
+            <a:off x="733525" y="3124329"/>
+            <a:ext cx="495300" cy="295857"/>
+          </a:xfrm>
+          <a:prstGeom prst="rect">
+            <a:avLst/>
+          </a:prstGeom>
+          <a:ln>
+            <a:headEnd type="none" w="med" len="med"/>
+            <a:tailEnd type="none" w="med" len="med"/>
+          </a:ln>
+        </p:spPr>
+        <p:style>
+          <a:lnRef idx="2">
+            <a:schemeClr val="accent1"/>
+          </a:lnRef>
+          <a:fillRef idx="1">
+            <a:schemeClr val="lt1"/>
+          </a:fillRef>
+          <a:effectRef idx="0">
+            <a:schemeClr val="accent1"/>
+          </a:effectRef>
+          <a:fontRef idx="minor">
+            <a:schemeClr val="dk1"/>
+          </a:fontRef>
+        </p:style>
+        <p:txBody>
+          <a:bodyPr vert="horz" wrap="none" lIns="90000" tIns="46800" rIns="90000" bIns="46800" numCol="1" rtlCol="0" anchor="ctr" anchorCtr="0" compatLnSpc="1">
+            <a:prstTxWarp prst="textNoShape">
+              <a:avLst/>
+            </a:prstTxWarp>
+          </a:bodyPr>
+          <a:lstStyle/>
+          <a:p>
+            <a:pPr marL="0" marR="0" indent="0" algn="ctr" defTabSz="914400" rtl="0" eaLnBrk="0" fontAlgn="base" latinLnBrk="0" hangingPunct="0">
+              <a:lnSpc>
+                <a:spcPct val="100000"/>
+              </a:lnSpc>
+              <a:spcBef>
+                <a:spcPct val="0"/>
+              </a:spcBef>
+              <a:spcAft>
+                <a:spcPct val="0"/>
+              </a:spcAft>
+              <a:buClrTx/>
+              <a:buSzTx/>
+              <a:buFontTx/>
+              <a:buNone/>
+              <a:tabLst/>
+            </a:pPr>
+            <a:endParaRPr kumimoji="0" lang="ko-KR" altLang="en-US" sz="1400" b="0" i="0" u="none" strike="noStrike" cap="none" normalizeH="0" baseline="0" dirty="0">
+              <a:ln>
+                <a:noFill/>
+              </a:ln>
+              <a:solidFill>
+                <a:schemeClr val="tx1"/>
+              </a:solidFill>
+              <a:effectLst/>
+              <a:latin typeface="맑은 고딕" pitchFamily="50" charset="-127"/>
+              <a:ea typeface="맑은 고딕" pitchFamily="50" charset="-127"/>
+            </a:endParaRPr>
+          </a:p>
+        </p:txBody>
+      </p:sp>
+      <p:sp>
+        <p:nvSpPr>
+          <p:cNvPr id="42" name="직사각형 41"/>
+          <p:cNvSpPr/>
+          <p:nvPr/>
+        </p:nvSpPr>
+        <p:spPr bwMode="auto">
+          <a:xfrm>
+            <a:off x="1390654" y="3089661"/>
+            <a:ext cx="495300" cy="334228"/>
+          </a:xfrm>
+          <a:prstGeom prst="rect">
+            <a:avLst/>
+          </a:prstGeom>
+          <a:ln>
+            <a:headEnd type="none" w="med" len="med"/>
+            <a:tailEnd type="none" w="med" len="med"/>
+          </a:ln>
+        </p:spPr>
+        <p:style>
+          <a:lnRef idx="2">
+            <a:schemeClr val="accent1"/>
+          </a:lnRef>
+          <a:fillRef idx="1">
+            <a:schemeClr val="lt1"/>
+          </a:fillRef>
+          <a:effectRef idx="0">
+            <a:schemeClr val="accent1"/>
+          </a:effectRef>
+          <a:fontRef idx="minor">
+            <a:schemeClr val="dk1"/>
+          </a:fontRef>
+        </p:style>
+        <p:txBody>
+          <a:bodyPr vert="horz" wrap="none" lIns="90000" tIns="46800" rIns="90000" bIns="46800" numCol="1" rtlCol="0" anchor="ctr" anchorCtr="0" compatLnSpc="1">
+            <a:prstTxWarp prst="textNoShape">
+              <a:avLst/>
+            </a:prstTxWarp>
+          </a:bodyPr>
+          <a:lstStyle/>
+          <a:p>
+            <a:pPr marL="0" marR="0" indent="0" algn="ctr" defTabSz="914400" rtl="0" eaLnBrk="0" fontAlgn="base" latinLnBrk="0" hangingPunct="0">
+              <a:lnSpc>
+                <a:spcPct val="100000"/>
+              </a:lnSpc>
+              <a:spcBef>
+                <a:spcPct val="0"/>
+              </a:spcBef>
+              <a:spcAft>
+                <a:spcPct val="0"/>
+              </a:spcAft>
+              <a:buClrTx/>
+              <a:buSzTx/>
+              <a:buFontTx/>
+              <a:buNone/>
+              <a:tabLst/>
+            </a:pPr>
+            <a:endParaRPr kumimoji="0" lang="ko-KR" altLang="en-US" sz="1400" b="0" i="0" u="none" strike="noStrike" cap="none" normalizeH="0" baseline="0" dirty="0">
+              <a:ln>
+                <a:noFill/>
+              </a:ln>
+              <a:solidFill>
+                <a:schemeClr val="tx1"/>
+              </a:solidFill>
+              <a:effectLst/>
+              <a:latin typeface="맑은 고딕" pitchFamily="50" charset="-127"/>
+              <a:ea typeface="맑은 고딕" pitchFamily="50" charset="-127"/>
+            </a:endParaRPr>
+          </a:p>
+        </p:txBody>
+      </p:sp>
+      <p:sp>
+        <p:nvSpPr>
+          <p:cNvPr id="43" name="직사각형 42"/>
+          <p:cNvSpPr/>
+          <p:nvPr/>
+        </p:nvSpPr>
+        <p:spPr bwMode="auto">
+          <a:xfrm>
+            <a:off x="238935" y="3561070"/>
+            <a:ext cx="495300" cy="334228"/>
+          </a:xfrm>
+          <a:prstGeom prst="rect">
+            <a:avLst/>
+          </a:prstGeom>
+          <a:ln>
+            <a:headEnd type="none" w="med" len="med"/>
+            <a:tailEnd type="none" w="med" len="med"/>
+          </a:ln>
+        </p:spPr>
+        <p:style>
+          <a:lnRef idx="2">
+            <a:schemeClr val="accent1"/>
+          </a:lnRef>
+          <a:fillRef idx="1">
+            <a:schemeClr val="lt1"/>
+          </a:fillRef>
+          <a:effectRef idx="0">
+            <a:schemeClr val="accent1"/>
+          </a:effectRef>
+          <a:fontRef idx="minor">
+            <a:schemeClr val="dk1"/>
+          </a:fontRef>
+        </p:style>
+        <p:txBody>
+          <a:bodyPr vert="horz" wrap="none" lIns="90000" tIns="46800" rIns="90000" bIns="46800" numCol="1" rtlCol="0" anchor="ctr" anchorCtr="0" compatLnSpc="1">
+            <a:prstTxWarp prst="textNoShape">
+              <a:avLst/>
+            </a:prstTxWarp>
+          </a:bodyPr>
+          <a:lstStyle/>
+          <a:p>
+            <a:pPr marL="0" marR="0" indent="0" algn="ctr" defTabSz="914400" rtl="0" eaLnBrk="0" fontAlgn="base" latinLnBrk="0" hangingPunct="0">
+              <a:lnSpc>
+                <a:spcPct val="100000"/>
+              </a:lnSpc>
+              <a:spcBef>
+                <a:spcPct val="0"/>
+              </a:spcBef>
+              <a:spcAft>
+                <a:spcPct val="0"/>
+              </a:spcAft>
+              <a:buClrTx/>
+              <a:buSzTx/>
+              <a:buFontTx/>
+              <a:buNone/>
+              <a:tabLst/>
+            </a:pPr>
+            <a:endParaRPr kumimoji="0" lang="ko-KR" altLang="en-US" sz="1400" b="0" i="0" u="none" strike="noStrike" cap="none" normalizeH="0" baseline="0" dirty="0">
+              <a:ln>
+                <a:noFill/>
+              </a:ln>
+              <a:solidFill>
+                <a:schemeClr val="tx1"/>
+              </a:solidFill>
+              <a:effectLst/>
+              <a:latin typeface="맑은 고딕" pitchFamily="50" charset="-127"/>
+              <a:ea typeface="맑은 고딕" pitchFamily="50" charset="-127"/>
+            </a:endParaRPr>
+          </a:p>
+        </p:txBody>
+      </p:sp>
+      <p:sp>
+        <p:nvSpPr>
+          <p:cNvPr id="44" name="직사각형 43"/>
+          <p:cNvSpPr/>
+          <p:nvPr/>
+        </p:nvSpPr>
+        <p:spPr bwMode="auto">
+          <a:xfrm>
+            <a:off x="241717" y="4029708"/>
+            <a:ext cx="581023" cy="334228"/>
+          </a:xfrm>
+          <a:prstGeom prst="rect">
+            <a:avLst/>
+          </a:prstGeom>
+          <a:ln>
+            <a:headEnd type="none" w="med" len="med"/>
+            <a:tailEnd type="none" w="med" len="med"/>
+          </a:ln>
+        </p:spPr>
+        <p:style>
+          <a:lnRef idx="2">
+            <a:schemeClr val="accent1"/>
+          </a:lnRef>
+          <a:fillRef idx="1">
+            <a:schemeClr val="lt1"/>
+          </a:fillRef>
+          <a:effectRef idx="0">
+            <a:schemeClr val="accent1"/>
+          </a:effectRef>
+          <a:fontRef idx="minor">
+            <a:schemeClr val="dk1"/>
+          </a:fontRef>
+        </p:style>
+        <p:txBody>
+          <a:bodyPr vert="horz" wrap="none" lIns="90000" tIns="46800" rIns="90000" bIns="46800" numCol="1" rtlCol="0" anchor="ctr" anchorCtr="0" compatLnSpc="1">
+            <a:prstTxWarp prst="textNoShape">
+              <a:avLst/>
+            </a:prstTxWarp>
+          </a:bodyPr>
+          <a:lstStyle/>
+          <a:p>
+            <a:pPr marL="0" marR="0" indent="0" algn="ctr" defTabSz="914400" rtl="0" eaLnBrk="0" fontAlgn="base" latinLnBrk="0" hangingPunct="0">
+              <a:lnSpc>
+                <a:spcPct val="100000"/>
+              </a:lnSpc>
+              <a:spcBef>
+                <a:spcPct val="0"/>
+              </a:spcBef>
+              <a:spcAft>
+                <a:spcPct val="0"/>
+              </a:spcAft>
+              <a:buClrTx/>
+              <a:buSzTx/>
+              <a:buFontTx/>
+              <a:buNone/>
+              <a:tabLst/>
+            </a:pPr>
+            <a:endParaRPr kumimoji="0" lang="ko-KR" altLang="en-US" sz="1400" b="0" i="0" u="none" strike="noStrike" cap="none" normalizeH="0" baseline="0" dirty="0">
+              <a:ln>
+                <a:noFill/>
+              </a:ln>
+              <a:solidFill>
+                <a:schemeClr val="tx1"/>
+              </a:solidFill>
+              <a:effectLst/>
+              <a:latin typeface="맑은 고딕" pitchFamily="50" charset="-127"/>
+              <a:ea typeface="맑은 고딕" pitchFamily="50" charset="-127"/>
+            </a:endParaRPr>
+          </a:p>
+        </p:txBody>
+      </p:sp>
+      <p:sp>
+        <p:nvSpPr>
+          <p:cNvPr id="45" name="직사각형 44"/>
+          <p:cNvSpPr/>
+          <p:nvPr/>
+        </p:nvSpPr>
+        <p:spPr bwMode="auto">
+          <a:xfrm>
+            <a:off x="237363" y="4523844"/>
+            <a:ext cx="647700" cy="334228"/>
+          </a:xfrm>
+          <a:prstGeom prst="rect">
+            <a:avLst/>
+          </a:prstGeom>
+          <a:ln>
+            <a:headEnd type="none" w="med" len="med"/>
+            <a:tailEnd type="none" w="med" len="med"/>
+          </a:ln>
+        </p:spPr>
+        <p:style>
+          <a:lnRef idx="2">
+            <a:schemeClr val="accent1"/>
+          </a:lnRef>
+          <a:fillRef idx="1">
+            <a:schemeClr val="lt1"/>
+          </a:fillRef>
+          <a:effectRef idx="0">
+            <a:schemeClr val="accent1"/>
+          </a:effectRef>
+          <a:fontRef idx="minor">
+            <a:schemeClr val="dk1"/>
+          </a:fontRef>
+        </p:style>
+        <p:txBody>
+          <a:bodyPr vert="horz" wrap="none" lIns="90000" tIns="46800" rIns="90000" bIns="46800" numCol="1" rtlCol="0" anchor="ctr" anchorCtr="0" compatLnSpc="1">
+            <a:prstTxWarp prst="textNoShape">
+              <a:avLst/>
+            </a:prstTxWarp>
+          </a:bodyPr>
+          <a:lstStyle/>
+          <a:p>
+            <a:pPr marL="0" marR="0" indent="0" algn="ctr" defTabSz="914400" rtl="0" eaLnBrk="0" fontAlgn="base" latinLnBrk="0" hangingPunct="0">
+              <a:lnSpc>
+                <a:spcPct val="100000"/>
+              </a:lnSpc>
+              <a:spcBef>
+                <a:spcPct val="0"/>
+              </a:spcBef>
+              <a:spcAft>
+                <a:spcPct val="0"/>
+              </a:spcAft>
+              <a:buClrTx/>
+              <a:buSzTx/>
+              <a:buFontTx/>
+              <a:buNone/>
+              <a:tabLst/>
+            </a:pPr>
+            <a:endParaRPr kumimoji="0" lang="ko-KR" altLang="en-US" sz="1400" b="0" i="0" u="none" strike="noStrike" cap="none" normalizeH="0" baseline="0" dirty="0">
+              <a:ln>
+                <a:noFill/>
+              </a:ln>
+              <a:solidFill>
+                <a:schemeClr val="tx1"/>
+              </a:solidFill>
+              <a:effectLst/>
+              <a:latin typeface="맑은 고딕" pitchFamily="50" charset="-127"/>
+              <a:ea typeface="맑은 고딕" pitchFamily="50" charset="-127"/>
+            </a:endParaRPr>
+          </a:p>
+        </p:txBody>
+      </p:sp>
+      <p:sp>
+        <p:nvSpPr>
+          <p:cNvPr id="47" name="직사각형 46"/>
+          <p:cNvSpPr/>
+          <p:nvPr/>
+        </p:nvSpPr>
+        <p:spPr bwMode="auto">
+          <a:xfrm>
+            <a:off x="247652" y="5423950"/>
+            <a:ext cx="647700" cy="334228"/>
+          </a:xfrm>
+          <a:prstGeom prst="rect">
+            <a:avLst/>
+          </a:prstGeom>
+          <a:ln>
+            <a:headEnd type="none" w="med" len="med"/>
+            <a:tailEnd type="none" w="med" len="med"/>
+          </a:ln>
+        </p:spPr>
+        <p:style>
+          <a:lnRef idx="2">
+            <a:schemeClr val="accent1"/>
+          </a:lnRef>
+          <a:fillRef idx="1">
+            <a:schemeClr val="lt1"/>
+          </a:fillRef>
+          <a:effectRef idx="0">
+            <a:schemeClr val="accent1"/>
+          </a:effectRef>
+          <a:fontRef idx="minor">
+            <a:schemeClr val="dk1"/>
+          </a:fontRef>
+        </p:style>
+        <p:txBody>
+          <a:bodyPr vert="horz" wrap="none" lIns="90000" tIns="46800" rIns="90000" bIns="46800" numCol="1" rtlCol="0" anchor="ctr" anchorCtr="0" compatLnSpc="1">
+            <a:prstTxWarp prst="textNoShape">
+              <a:avLst/>
+            </a:prstTxWarp>
+          </a:bodyPr>
+          <a:lstStyle/>
+          <a:p>
+            <a:pPr marL="0" marR="0" indent="0" algn="ctr" defTabSz="914400" rtl="0" eaLnBrk="0" fontAlgn="base" latinLnBrk="0" hangingPunct="0">
+              <a:lnSpc>
+                <a:spcPct val="100000"/>
+              </a:lnSpc>
+              <a:spcBef>
+                <a:spcPct val="0"/>
+              </a:spcBef>
+              <a:spcAft>
+                <a:spcPct val="0"/>
+              </a:spcAft>
+              <a:buClrTx/>
+              <a:buSzTx/>
+              <a:buFontTx/>
+              <a:buNone/>
+              <a:tabLst/>
+            </a:pPr>
+            <a:endParaRPr kumimoji="0" lang="ko-KR" altLang="en-US" sz="1400" b="0" i="0" u="none" strike="noStrike" cap="none" normalizeH="0" baseline="0" dirty="0">
+              <a:ln>
+                <a:noFill/>
+              </a:ln>
+              <a:solidFill>
+                <a:schemeClr val="tx1"/>
+              </a:solidFill>
+              <a:effectLst/>
+              <a:latin typeface="맑은 고딕" pitchFamily="50" charset="-127"/>
+              <a:ea typeface="맑은 고딕" pitchFamily="50" charset="-127"/>
+            </a:endParaRPr>
+          </a:p>
+        </p:txBody>
+      </p:sp>
+      <p:sp>
+        <p:nvSpPr>
+          <p:cNvPr id="1028" name="TextBox 1027"/>
+          <p:cNvSpPr txBox="1"/>
+          <p:nvPr/>
+        </p:nvSpPr>
+        <p:spPr>
+          <a:xfrm>
+            <a:off x="206409" y="3657209"/>
+            <a:ext cx="828673" cy="246221"/>
+          </a:xfrm>
+          <a:prstGeom prst="rect">
+            <a:avLst/>
+          </a:prstGeom>
+          <a:noFill/>
+        </p:spPr>
+        <p:txBody>
+          <a:bodyPr wrap="square" rtlCol="0">
+            <a:spAutoFit/>
+          </a:bodyPr>
+          <a:lstStyle/>
+          <a:p>
+            <a:r>
+              <a:rPr lang="ko-KR" altLang="en-US" sz="1000" dirty="0"/>
+              <a:t>과목명</a:t>
+            </a:r>
+          </a:p>
+        </p:txBody>
+      </p:sp>
+      <p:sp>
+        <p:nvSpPr>
+          <p:cNvPr id="54" name="TextBox 53"/>
+          <p:cNvSpPr txBox="1"/>
+          <p:nvPr/>
+        </p:nvSpPr>
+        <p:spPr>
+          <a:xfrm>
+            <a:off x="195265" y="4095123"/>
+            <a:ext cx="700087" cy="246221"/>
+          </a:xfrm>
+          <a:prstGeom prst="rect">
+            <a:avLst/>
+          </a:prstGeom>
+          <a:noFill/>
+        </p:spPr>
+        <p:txBody>
+          <a:bodyPr wrap="square" rtlCol="0">
+            <a:spAutoFit/>
+          </a:bodyPr>
+          <a:lstStyle/>
+          <a:p>
+            <a:r>
+              <a:rPr lang="ko-KR" altLang="en-US" sz="1000" dirty="0"/>
+              <a:t>담당교수</a:t>
+            </a:r>
+          </a:p>
+        </p:txBody>
+      </p:sp>
+      <p:sp>
+        <p:nvSpPr>
+          <p:cNvPr id="1029" name="TextBox 1028"/>
+          <p:cNvSpPr txBox="1"/>
+          <p:nvPr/>
+        </p:nvSpPr>
+        <p:spPr>
+          <a:xfrm>
+            <a:off x="237363" y="4581022"/>
+            <a:ext cx="973168" cy="246221"/>
+          </a:xfrm>
+          <a:prstGeom prst="rect">
+            <a:avLst/>
+          </a:prstGeom>
+          <a:noFill/>
+        </p:spPr>
+        <p:txBody>
+          <a:bodyPr wrap="square" rtlCol="0">
+            <a:spAutoFit/>
+          </a:bodyPr>
+          <a:lstStyle/>
+          <a:p>
+            <a:r>
+              <a:rPr lang="ko-KR" altLang="en-US" sz="1000" dirty="0"/>
+              <a:t>요일</a:t>
+            </a:r>
+            <a:r>
+              <a:rPr lang="en-US" altLang="ko-KR" sz="1000" dirty="0"/>
+              <a:t>/</a:t>
+            </a:r>
+            <a:r>
+              <a:rPr lang="ko-KR" altLang="en-US" sz="1000" dirty="0"/>
+              <a:t>시간</a:t>
+            </a:r>
+          </a:p>
+        </p:txBody>
+      </p:sp>
+      <p:sp>
+        <p:nvSpPr>
+          <p:cNvPr id="1031" name="TextBox 1030"/>
+          <p:cNvSpPr txBox="1"/>
+          <p:nvPr/>
+        </p:nvSpPr>
+        <p:spPr>
+          <a:xfrm>
+            <a:off x="223838" y="5495692"/>
+            <a:ext cx="920781" cy="246221"/>
+          </a:xfrm>
+          <a:prstGeom prst="rect">
+            <a:avLst/>
+          </a:prstGeom>
+          <a:noFill/>
+        </p:spPr>
+        <p:txBody>
+          <a:bodyPr wrap="square" rtlCol="0">
+            <a:spAutoFit/>
+          </a:bodyPr>
+          <a:lstStyle/>
+          <a:p>
+            <a:r>
+              <a:rPr lang="ko-KR" altLang="en-US" sz="1000" dirty="0"/>
+              <a:t>세부사항</a:t>
+            </a:r>
+          </a:p>
+        </p:txBody>
+      </p:sp>
+      <p:sp>
+        <p:nvSpPr>
+          <p:cNvPr id="58" name="직사각형 57"/>
+          <p:cNvSpPr/>
+          <p:nvPr/>
+        </p:nvSpPr>
+        <p:spPr bwMode="auto">
+          <a:xfrm>
+            <a:off x="1495431" y="3647047"/>
+            <a:ext cx="495300" cy="334228"/>
+          </a:xfrm>
+          <a:prstGeom prst="rect">
+            <a:avLst/>
+          </a:prstGeom>
+          <a:ln>
+            <a:headEnd type="none" w="med" len="med"/>
+            <a:tailEnd type="none" w="med" len="med"/>
+          </a:ln>
+        </p:spPr>
+        <p:style>
+          <a:lnRef idx="2">
+            <a:schemeClr val="accent1"/>
+          </a:lnRef>
+          <a:fillRef idx="1">
+            <a:schemeClr val="lt1"/>
+          </a:fillRef>
+          <a:effectRef idx="0">
+            <a:schemeClr val="accent1"/>
+          </a:effectRef>
+          <a:fontRef idx="minor">
+            <a:schemeClr val="dk1"/>
+          </a:fontRef>
+        </p:style>
+        <p:txBody>
+          <a:bodyPr vert="horz" wrap="none" lIns="90000" tIns="46800" rIns="90000" bIns="46800" numCol="1" rtlCol="0" anchor="ctr" anchorCtr="0" compatLnSpc="1">
+            <a:prstTxWarp prst="textNoShape">
+              <a:avLst/>
+            </a:prstTxWarp>
+          </a:bodyPr>
+          <a:lstStyle/>
+          <a:p>
+            <a:pPr marL="0" marR="0" indent="0" algn="ctr" defTabSz="914400" rtl="0" eaLnBrk="0" fontAlgn="base" latinLnBrk="0" hangingPunct="0">
+              <a:lnSpc>
+                <a:spcPct val="100000"/>
+              </a:lnSpc>
+              <a:spcBef>
+                <a:spcPct val="0"/>
+              </a:spcBef>
+              <a:spcAft>
+                <a:spcPct val="0"/>
+              </a:spcAft>
+              <a:buClrTx/>
+              <a:buSzTx/>
+              <a:buFontTx/>
+              <a:buNone/>
+              <a:tabLst/>
+            </a:pPr>
+            <a:endParaRPr kumimoji="0" lang="ko-KR" altLang="en-US" sz="1400" b="0" i="0" u="none" strike="noStrike" cap="none" normalizeH="0" baseline="0" dirty="0">
+              <a:ln>
+                <a:noFill/>
+              </a:ln>
+              <a:solidFill>
+                <a:schemeClr val="tx1"/>
+              </a:solidFill>
+              <a:effectLst/>
+              <a:latin typeface="맑은 고딕" pitchFamily="50" charset="-127"/>
+              <a:ea typeface="맑은 고딕" pitchFamily="50" charset="-127"/>
+            </a:endParaRPr>
+          </a:p>
+        </p:txBody>
+      </p:sp>
+      <p:sp>
+        <p:nvSpPr>
+          <p:cNvPr id="59" name="직사각형 58"/>
+          <p:cNvSpPr/>
+          <p:nvPr/>
+        </p:nvSpPr>
+        <p:spPr bwMode="auto">
+          <a:xfrm>
+            <a:off x="1495430" y="4095017"/>
+            <a:ext cx="581023" cy="334228"/>
+          </a:xfrm>
+          <a:prstGeom prst="rect">
+            <a:avLst/>
+          </a:prstGeom>
+          <a:ln>
+            <a:headEnd type="none" w="med" len="med"/>
+            <a:tailEnd type="none" w="med" len="med"/>
+          </a:ln>
+        </p:spPr>
+        <p:style>
+          <a:lnRef idx="2">
+            <a:schemeClr val="accent1"/>
+          </a:lnRef>
+          <a:fillRef idx="1">
+            <a:schemeClr val="lt1"/>
+          </a:fillRef>
+          <a:effectRef idx="0">
+            <a:schemeClr val="accent1"/>
+          </a:effectRef>
+          <a:fontRef idx="minor">
+            <a:schemeClr val="dk1"/>
+          </a:fontRef>
+        </p:style>
+        <p:txBody>
+          <a:bodyPr vert="horz" wrap="none" lIns="90000" tIns="46800" rIns="90000" bIns="46800" numCol="1" rtlCol="0" anchor="ctr" anchorCtr="0" compatLnSpc="1">
+            <a:prstTxWarp prst="textNoShape">
+              <a:avLst/>
+            </a:prstTxWarp>
+          </a:bodyPr>
+          <a:lstStyle/>
+          <a:p>
+            <a:pPr marL="0" marR="0" indent="0" algn="ctr" defTabSz="914400" rtl="0" eaLnBrk="0" fontAlgn="base" latinLnBrk="0" hangingPunct="0">
+              <a:lnSpc>
+                <a:spcPct val="100000"/>
+              </a:lnSpc>
+              <a:spcBef>
+                <a:spcPct val="0"/>
+              </a:spcBef>
+              <a:spcAft>
+                <a:spcPct val="0"/>
+              </a:spcAft>
+              <a:buClrTx/>
+              <a:buSzTx/>
+              <a:buFontTx/>
+              <a:buNone/>
+              <a:tabLst/>
+            </a:pPr>
+            <a:endParaRPr kumimoji="0" lang="ko-KR" altLang="en-US" sz="1400" b="0" i="0" u="none" strike="noStrike" cap="none" normalizeH="0" baseline="0" dirty="0">
+              <a:ln>
+                <a:noFill/>
+              </a:ln>
+              <a:solidFill>
+                <a:schemeClr val="tx1"/>
+              </a:solidFill>
+              <a:effectLst/>
+              <a:latin typeface="맑은 고딕" pitchFamily="50" charset="-127"/>
+              <a:ea typeface="맑은 고딕" pitchFamily="50" charset="-127"/>
+            </a:endParaRPr>
+          </a:p>
+        </p:txBody>
+      </p:sp>
+      <p:sp>
+        <p:nvSpPr>
+          <p:cNvPr id="60" name="직사각형 59"/>
+          <p:cNvSpPr/>
+          <p:nvPr/>
+        </p:nvSpPr>
+        <p:spPr bwMode="auto">
+          <a:xfrm>
+            <a:off x="1495431" y="4542987"/>
+            <a:ext cx="647700" cy="334228"/>
+          </a:xfrm>
+          <a:prstGeom prst="rect">
+            <a:avLst/>
+          </a:prstGeom>
+          <a:ln>
+            <a:headEnd type="none" w="med" len="med"/>
+            <a:tailEnd type="none" w="med" len="med"/>
+          </a:ln>
+        </p:spPr>
+        <p:style>
+          <a:lnRef idx="2">
+            <a:schemeClr val="accent1"/>
+          </a:lnRef>
+          <a:fillRef idx="1">
+            <a:schemeClr val="lt1"/>
+          </a:fillRef>
+          <a:effectRef idx="0">
+            <a:schemeClr val="accent1"/>
+          </a:effectRef>
+          <a:fontRef idx="minor">
+            <a:schemeClr val="dk1"/>
+          </a:fontRef>
+        </p:style>
+        <p:txBody>
+          <a:bodyPr vert="horz" wrap="none" lIns="90000" tIns="46800" rIns="90000" bIns="46800" numCol="1" rtlCol="0" anchor="ctr" anchorCtr="0" compatLnSpc="1">
+            <a:prstTxWarp prst="textNoShape">
+              <a:avLst/>
+            </a:prstTxWarp>
+          </a:bodyPr>
+          <a:lstStyle/>
+          <a:p>
+            <a:pPr marL="0" marR="0" indent="0" algn="ctr" defTabSz="914400" rtl="0" eaLnBrk="0" fontAlgn="base" latinLnBrk="0" hangingPunct="0">
+              <a:lnSpc>
+                <a:spcPct val="100000"/>
+              </a:lnSpc>
+              <a:spcBef>
+                <a:spcPct val="0"/>
+              </a:spcBef>
+              <a:spcAft>
+                <a:spcPct val="0"/>
+              </a:spcAft>
+              <a:buClrTx/>
+              <a:buSzTx/>
+              <a:buFontTx/>
+              <a:buNone/>
+              <a:tabLst/>
+            </a:pPr>
+            <a:endParaRPr kumimoji="0" lang="ko-KR" altLang="en-US" sz="1400" b="0" i="0" u="none" strike="noStrike" cap="none" normalizeH="0" baseline="0" dirty="0">
+              <a:ln>
+                <a:noFill/>
+              </a:ln>
+              <a:solidFill>
+                <a:schemeClr val="tx1"/>
+              </a:solidFill>
+              <a:effectLst/>
+              <a:latin typeface="맑은 고딕" pitchFamily="50" charset="-127"/>
+              <a:ea typeface="맑은 고딕" pitchFamily="50" charset="-127"/>
+            </a:endParaRPr>
+          </a:p>
+        </p:txBody>
+      </p:sp>
+      <p:sp>
+        <p:nvSpPr>
+          <p:cNvPr id="61" name="직사각형 60"/>
+          <p:cNvSpPr/>
+          <p:nvPr/>
+        </p:nvSpPr>
+        <p:spPr bwMode="auto">
+          <a:xfrm>
+            <a:off x="1495431" y="4990957"/>
+            <a:ext cx="647700" cy="334228"/>
+          </a:xfrm>
+          <a:prstGeom prst="rect">
+            <a:avLst/>
+          </a:prstGeom>
+          <a:ln>
+            <a:headEnd type="none" w="med" len="med"/>
+            <a:tailEnd type="none" w="med" len="med"/>
+          </a:ln>
+        </p:spPr>
+        <p:style>
+          <a:lnRef idx="2">
+            <a:schemeClr val="accent1"/>
+          </a:lnRef>
+          <a:fillRef idx="1">
+            <a:schemeClr val="lt1"/>
+          </a:fillRef>
+          <a:effectRef idx="0">
+            <a:schemeClr val="accent1"/>
+          </a:effectRef>
+          <a:fontRef idx="minor">
+            <a:schemeClr val="dk1"/>
+          </a:fontRef>
+        </p:style>
+        <p:txBody>
+          <a:bodyPr vert="horz" wrap="none" lIns="90000" tIns="46800" rIns="90000" bIns="46800" numCol="1" rtlCol="0" anchor="ctr" anchorCtr="0" compatLnSpc="1">
+            <a:prstTxWarp prst="textNoShape">
+              <a:avLst/>
+            </a:prstTxWarp>
+          </a:bodyPr>
+          <a:lstStyle/>
+          <a:p>
+            <a:pPr marL="0" marR="0" indent="0" algn="ctr" defTabSz="914400" rtl="0" eaLnBrk="0" fontAlgn="base" latinLnBrk="0" hangingPunct="0">
+              <a:lnSpc>
+                <a:spcPct val="100000"/>
+              </a:lnSpc>
+              <a:spcBef>
+                <a:spcPct val="0"/>
+              </a:spcBef>
+              <a:spcAft>
+                <a:spcPct val="0"/>
+              </a:spcAft>
+              <a:buClrTx/>
+              <a:buSzTx/>
+              <a:buFontTx/>
+              <a:buNone/>
+              <a:tabLst/>
+            </a:pPr>
+            <a:endParaRPr kumimoji="0" lang="ko-KR" altLang="en-US" sz="1400" b="0" i="0" u="none" strike="noStrike" cap="none" normalizeH="0" baseline="0" dirty="0">
+              <a:ln>
+                <a:noFill/>
+              </a:ln>
+              <a:solidFill>
+                <a:schemeClr val="tx1"/>
+              </a:solidFill>
+              <a:effectLst/>
+              <a:latin typeface="맑은 고딕" pitchFamily="50" charset="-127"/>
+              <a:ea typeface="맑은 고딕" pitchFamily="50" charset="-127"/>
+            </a:endParaRPr>
+          </a:p>
+        </p:txBody>
+      </p:sp>
+      <p:sp>
+        <p:nvSpPr>
+          <p:cNvPr id="62" name="직사각형 61"/>
+          <p:cNvSpPr/>
+          <p:nvPr/>
+        </p:nvSpPr>
+        <p:spPr bwMode="auto">
+          <a:xfrm>
+            <a:off x="1495431" y="5433074"/>
+            <a:ext cx="647700" cy="334228"/>
+          </a:xfrm>
+          <a:prstGeom prst="rect">
+            <a:avLst/>
+          </a:prstGeom>
+          <a:ln>
+            <a:headEnd type="none" w="med" len="med"/>
+            <a:tailEnd type="none" w="med" len="med"/>
+          </a:ln>
+        </p:spPr>
+        <p:style>
+          <a:lnRef idx="2">
+            <a:schemeClr val="accent1"/>
+          </a:lnRef>
+          <a:fillRef idx="1">
+            <a:schemeClr val="lt1"/>
+          </a:fillRef>
+          <a:effectRef idx="0">
+            <a:schemeClr val="accent1"/>
+          </a:effectRef>
+          <a:fontRef idx="minor">
+            <a:schemeClr val="dk1"/>
+          </a:fontRef>
+        </p:style>
+        <p:txBody>
+          <a:bodyPr vert="horz" wrap="none" lIns="90000" tIns="46800" rIns="90000" bIns="46800" numCol="1" rtlCol="0" anchor="ctr" anchorCtr="0" compatLnSpc="1">
+            <a:prstTxWarp prst="textNoShape">
+              <a:avLst/>
+            </a:prstTxWarp>
+          </a:bodyPr>
+          <a:lstStyle/>
+          <a:p>
+            <a:pPr marL="0" marR="0" indent="0" algn="ctr" defTabSz="914400" rtl="0" eaLnBrk="0" fontAlgn="base" latinLnBrk="0" hangingPunct="0">
+              <a:lnSpc>
+                <a:spcPct val="100000"/>
+              </a:lnSpc>
+              <a:spcBef>
+                <a:spcPct val="0"/>
+              </a:spcBef>
+              <a:spcAft>
+                <a:spcPct val="0"/>
+              </a:spcAft>
+              <a:buClrTx/>
+              <a:buSzTx/>
+              <a:buFontTx/>
+              <a:buNone/>
+              <a:tabLst/>
+            </a:pPr>
+            <a:endParaRPr kumimoji="0" lang="ko-KR" altLang="en-US" sz="1400" b="0" i="0" u="none" strike="noStrike" cap="none" normalizeH="0" baseline="0" dirty="0">
+              <a:ln>
+                <a:noFill/>
+              </a:ln>
+              <a:solidFill>
+                <a:schemeClr val="tx1"/>
+              </a:solidFill>
+              <a:effectLst/>
+              <a:latin typeface="맑은 고딕" pitchFamily="50" charset="-127"/>
+              <a:ea typeface="맑은 고딕" pitchFamily="50" charset="-127"/>
+            </a:endParaRPr>
+          </a:p>
+        </p:txBody>
+      </p:sp>
+      <p:sp>
+        <p:nvSpPr>
+          <p:cNvPr id="63" name="TextBox 62"/>
+          <p:cNvSpPr txBox="1"/>
+          <p:nvPr/>
+        </p:nvSpPr>
+        <p:spPr>
+          <a:xfrm>
+            <a:off x="1471617" y="3694898"/>
+            <a:ext cx="828673" cy="246221"/>
+          </a:xfrm>
+          <a:prstGeom prst="rect">
+            <a:avLst/>
+          </a:prstGeom>
+          <a:noFill/>
+        </p:spPr>
+        <p:txBody>
+          <a:bodyPr wrap="square" rtlCol="0">
+            <a:spAutoFit/>
+          </a:bodyPr>
+          <a:lstStyle/>
+          <a:p>
+            <a:r>
+              <a:rPr lang="ko-KR" altLang="en-US" sz="1000" dirty="0"/>
+              <a:t>과목명</a:t>
+            </a:r>
+          </a:p>
+        </p:txBody>
+      </p:sp>
+      <p:sp>
+        <p:nvSpPr>
+          <p:cNvPr id="64" name="TextBox 63"/>
+          <p:cNvSpPr txBox="1"/>
+          <p:nvPr/>
+        </p:nvSpPr>
+        <p:spPr>
+          <a:xfrm>
+            <a:off x="1443044" y="4159098"/>
+            <a:ext cx="700087" cy="246221"/>
+          </a:xfrm>
+          <a:prstGeom prst="rect">
+            <a:avLst/>
+          </a:prstGeom>
+          <a:noFill/>
+        </p:spPr>
+        <p:txBody>
+          <a:bodyPr wrap="square" rtlCol="0">
+            <a:spAutoFit/>
+          </a:bodyPr>
+          <a:lstStyle/>
+          <a:p>
+            <a:r>
+              <a:rPr lang="ko-KR" altLang="en-US" sz="1000"/>
+              <a:t>담당교수</a:t>
+            </a:r>
+            <a:endParaRPr lang="ko-KR" altLang="en-US" sz="1000" dirty="0"/>
+          </a:p>
+        </p:txBody>
+      </p:sp>
+      <p:sp>
+        <p:nvSpPr>
+          <p:cNvPr id="65" name="TextBox 64"/>
+          <p:cNvSpPr txBox="1"/>
+          <p:nvPr/>
+        </p:nvSpPr>
+        <p:spPr>
+          <a:xfrm>
+            <a:off x="1443044" y="4598953"/>
+            <a:ext cx="973168" cy="246221"/>
+          </a:xfrm>
+          <a:prstGeom prst="rect">
+            <a:avLst/>
+          </a:prstGeom>
+          <a:noFill/>
+        </p:spPr>
+        <p:txBody>
+          <a:bodyPr wrap="square" rtlCol="0">
+            <a:spAutoFit/>
+          </a:bodyPr>
+          <a:lstStyle/>
+          <a:p>
+            <a:r>
+              <a:rPr lang="ko-KR" altLang="en-US" sz="1000" dirty="0"/>
+              <a:t>요일</a:t>
+            </a:r>
+            <a:r>
+              <a:rPr lang="en-US" altLang="ko-KR" sz="1000" dirty="0"/>
+              <a:t>/</a:t>
+            </a:r>
+            <a:r>
+              <a:rPr lang="ko-KR" altLang="en-US" sz="1000" dirty="0"/>
+              <a:t>시간</a:t>
+            </a:r>
+          </a:p>
+        </p:txBody>
+      </p:sp>
+      <p:sp>
+        <p:nvSpPr>
+          <p:cNvPr id="66" name="TextBox 65"/>
+          <p:cNvSpPr txBox="1"/>
+          <p:nvPr/>
+        </p:nvSpPr>
+        <p:spPr>
+          <a:xfrm>
+            <a:off x="1443044" y="5057558"/>
+            <a:ext cx="1077941" cy="246221"/>
+          </a:xfrm>
+          <a:prstGeom prst="rect">
+            <a:avLst/>
+          </a:prstGeom>
+          <a:noFill/>
+        </p:spPr>
+        <p:txBody>
+          <a:bodyPr wrap="square" rtlCol="0">
+            <a:spAutoFit/>
+          </a:bodyPr>
+          <a:lstStyle/>
+          <a:p>
+            <a:r>
+              <a:rPr lang="ko-KR" altLang="en-US" sz="1000" dirty="0"/>
+              <a:t>년도</a:t>
+            </a:r>
+            <a:r>
+              <a:rPr lang="en-US" altLang="ko-KR" sz="1000" dirty="0"/>
+              <a:t>/</a:t>
+            </a:r>
+            <a:r>
+              <a:rPr lang="ko-KR" altLang="en-US" sz="1000" dirty="0"/>
+              <a:t>학기</a:t>
+            </a:r>
+          </a:p>
+        </p:txBody>
+      </p:sp>
+      <p:sp>
+        <p:nvSpPr>
+          <p:cNvPr id="67" name="TextBox 66"/>
+          <p:cNvSpPr txBox="1"/>
+          <p:nvPr/>
+        </p:nvSpPr>
+        <p:spPr>
+          <a:xfrm>
+            <a:off x="1471617" y="5504816"/>
+            <a:ext cx="920781" cy="246221"/>
+          </a:xfrm>
+          <a:prstGeom prst="rect">
+            <a:avLst/>
+          </a:prstGeom>
+          <a:noFill/>
+        </p:spPr>
+        <p:txBody>
+          <a:bodyPr wrap="square" rtlCol="0">
+            <a:spAutoFit/>
+          </a:bodyPr>
+          <a:lstStyle/>
+          <a:p>
+            <a:r>
+              <a:rPr lang="ko-KR" altLang="en-US" sz="1000" dirty="0"/>
+              <a:t>세부사항</a:t>
+            </a:r>
+          </a:p>
+        </p:txBody>
+      </p:sp>
+      <p:sp>
+        <p:nvSpPr>
+          <p:cNvPr id="1032" name="TextBox 1031"/>
+          <p:cNvSpPr txBox="1"/>
+          <p:nvPr/>
+        </p:nvSpPr>
+        <p:spPr>
+          <a:xfrm>
+            <a:off x="138116" y="3142957"/>
+            <a:ext cx="604836" cy="246221"/>
+          </a:xfrm>
+          <a:prstGeom prst="rect">
+            <a:avLst/>
+          </a:prstGeom>
+          <a:noFill/>
+        </p:spPr>
+        <p:txBody>
+          <a:bodyPr wrap="square" rtlCol="0">
+            <a:spAutoFit/>
+          </a:bodyPr>
+          <a:lstStyle/>
+          <a:p>
+            <a:r>
+              <a:rPr lang="ko-KR" altLang="en-US" sz="1000" dirty="0"/>
+              <a:t>추가</a:t>
+            </a:r>
+          </a:p>
+        </p:txBody>
+      </p:sp>
+      <p:sp>
+        <p:nvSpPr>
+          <p:cNvPr id="69" name="TextBox 68"/>
+          <p:cNvSpPr txBox="1"/>
+          <p:nvPr/>
+        </p:nvSpPr>
+        <p:spPr>
+          <a:xfrm>
+            <a:off x="766770" y="3124441"/>
+            <a:ext cx="604836" cy="246221"/>
+          </a:xfrm>
+          <a:prstGeom prst="rect">
+            <a:avLst/>
+          </a:prstGeom>
+          <a:noFill/>
+        </p:spPr>
+        <p:txBody>
+          <a:bodyPr wrap="square" rtlCol="0">
+            <a:spAutoFit/>
+          </a:bodyPr>
+          <a:lstStyle/>
+          <a:p>
+            <a:r>
+              <a:rPr lang="ko-KR" altLang="en-US" sz="1000" dirty="0"/>
+              <a:t>삭제</a:t>
+            </a:r>
+          </a:p>
+        </p:txBody>
+      </p:sp>
+      <p:sp>
+        <p:nvSpPr>
+          <p:cNvPr id="70" name="TextBox 69"/>
+          <p:cNvSpPr txBox="1"/>
+          <p:nvPr/>
+        </p:nvSpPr>
+        <p:spPr>
+          <a:xfrm>
+            <a:off x="1407367" y="3142957"/>
+            <a:ext cx="604836" cy="246221"/>
+          </a:xfrm>
+          <a:prstGeom prst="rect">
+            <a:avLst/>
+          </a:prstGeom>
+          <a:noFill/>
+        </p:spPr>
+        <p:txBody>
+          <a:bodyPr wrap="square" rtlCol="0">
+            <a:spAutoFit/>
+          </a:bodyPr>
+          <a:lstStyle/>
+          <a:p>
+            <a:r>
+              <a:rPr lang="ko-KR" altLang="en-US" sz="1000" dirty="0"/>
+              <a:t>변경</a:t>
+            </a:r>
+          </a:p>
+        </p:txBody>
+      </p:sp>
+      <p:cxnSp>
+        <p:nvCxnSpPr>
+          <p:cNvPr id="76" name="직선 연결선 75"/>
+          <p:cNvCxnSpPr>
+            <a:cxnSpLocks/>
+            <a:stCxn id="54" idx="1"/>
+            <a:endCxn id="54" idx="1"/>
+          </p:cNvCxnSpPr>
+          <p:nvPr/>
+        </p:nvCxnSpPr>
+        <p:spPr bwMode="auto">
+          <a:xfrm>
+            <a:off x="195265" y="4218234"/>
+            <a:ext cx="0" cy="0"/>
+          </a:xfrm>
+          <a:prstGeom prst="line">
+            <a:avLst/>
+          </a:prstGeom>
+          <a:solidFill>
+            <a:schemeClr val="accent1"/>
+          </a:solidFill>
+          <a:ln w="12700" cap="flat" cmpd="sng" algn="ctr">
+            <a:solidFill>
+              <a:schemeClr val="tx1"/>
+            </a:solidFill>
+            <a:prstDash val="solid"/>
+            <a:round/>
+            <a:headEnd type="none" w="med" len="med"/>
+            <a:tailEnd type="none" w="med" len="med"/>
+          </a:ln>
+          <a:effectLst/>
+        </p:spPr>
+      </p:cxnSp>
+      <p:cxnSp>
+        <p:nvCxnSpPr>
+          <p:cNvPr id="1041" name="직선 연결선 1040"/>
+          <p:cNvCxnSpPr>
+            <a:cxnSpLocks/>
+            <a:stCxn id="1029" idx="1"/>
+            <a:endCxn id="1029" idx="1"/>
+          </p:cNvCxnSpPr>
+          <p:nvPr/>
+        </p:nvCxnSpPr>
+        <p:spPr bwMode="auto">
+          <a:xfrm>
+            <a:off x="237363" y="4704133"/>
+            <a:ext cx="0" cy="0"/>
+          </a:xfrm>
+          <a:prstGeom prst="line">
+            <a:avLst/>
+          </a:prstGeom>
+          <a:ln>
+            <a:headEnd type="none" w="med" len="med"/>
+            <a:tailEnd type="none" w="med" len="med"/>
+          </a:ln>
+        </p:spPr>
+        <p:style>
+          <a:lnRef idx="1">
+            <a:schemeClr val="dk1"/>
+          </a:lnRef>
+          <a:fillRef idx="0">
+            <a:schemeClr val="dk1"/>
+          </a:fillRef>
+          <a:effectRef idx="0">
+            <a:schemeClr val="dk1"/>
+          </a:effectRef>
+          <a:fontRef idx="minor">
+            <a:schemeClr val="tx1"/>
+          </a:fontRef>
+        </p:style>
+      </p:cxnSp>
+      <p:cxnSp>
+        <p:nvCxnSpPr>
+          <p:cNvPr id="1044" name="직선 연결선 1043"/>
+          <p:cNvCxnSpPr>
+            <a:cxnSpLocks/>
+            <a:stCxn id="1029" idx="1"/>
+            <a:endCxn id="1029" idx="1"/>
+          </p:cNvCxnSpPr>
+          <p:nvPr/>
+        </p:nvCxnSpPr>
+        <p:spPr bwMode="auto">
+          <a:xfrm>
+            <a:off x="237363" y="4704133"/>
+            <a:ext cx="0" cy="0"/>
+          </a:xfrm>
+          <a:prstGeom prst="line">
+            <a:avLst/>
+          </a:prstGeom>
+          <a:solidFill>
+            <a:schemeClr val="accent1"/>
+          </a:solidFill>
+          <a:ln w="12700" cap="flat" cmpd="sng" algn="ctr">
+            <a:solidFill>
+              <a:schemeClr val="tx1"/>
+            </a:solidFill>
+            <a:prstDash val="solid"/>
+            <a:round/>
+            <a:headEnd type="none" w="med" len="med"/>
+            <a:tailEnd type="none" w="med" len="med"/>
+          </a:ln>
+          <a:effectLst/>
+        </p:spPr>
+      </p:cxnSp>
+      <p:sp>
+        <p:nvSpPr>
+          <p:cNvPr id="46" name="직사각형 45"/>
+          <p:cNvSpPr/>
+          <p:nvPr/>
+        </p:nvSpPr>
+        <p:spPr bwMode="auto">
+          <a:xfrm>
+            <a:off x="223847" y="4976902"/>
+            <a:ext cx="647700" cy="334228"/>
+          </a:xfrm>
+          <a:prstGeom prst="rect">
+            <a:avLst/>
+          </a:prstGeom>
+          <a:ln>
+            <a:headEnd type="none" w="med" len="med"/>
+            <a:tailEnd type="none" w="med" len="med"/>
+          </a:ln>
+        </p:spPr>
+        <p:style>
+          <a:lnRef idx="2">
+            <a:schemeClr val="accent1"/>
+          </a:lnRef>
+          <a:fillRef idx="1">
+            <a:schemeClr val="lt1"/>
+          </a:fillRef>
+          <a:effectRef idx="0">
+            <a:schemeClr val="accent1"/>
+          </a:effectRef>
+          <a:fontRef idx="minor">
+            <a:schemeClr val="dk1"/>
+          </a:fontRef>
+        </p:style>
+        <p:txBody>
+          <a:bodyPr vert="horz" wrap="none" lIns="90000" tIns="46800" rIns="90000" bIns="46800" numCol="1" rtlCol="0" anchor="ctr" anchorCtr="0" compatLnSpc="1">
+            <a:prstTxWarp prst="textNoShape">
+              <a:avLst/>
+            </a:prstTxWarp>
+          </a:bodyPr>
+          <a:lstStyle/>
+          <a:p>
+            <a:pPr marL="0" marR="0" indent="0" algn="ctr" defTabSz="914400" rtl="0" eaLnBrk="0" fontAlgn="base" latinLnBrk="0" hangingPunct="0">
+              <a:lnSpc>
+                <a:spcPct val="100000"/>
+              </a:lnSpc>
+              <a:spcBef>
+                <a:spcPct val="0"/>
+              </a:spcBef>
+              <a:spcAft>
+                <a:spcPct val="0"/>
+              </a:spcAft>
+              <a:buClrTx/>
+              <a:buSzTx/>
+              <a:buFontTx/>
+              <a:buNone/>
+              <a:tabLst/>
+            </a:pPr>
+            <a:endParaRPr kumimoji="0" lang="ko-KR" altLang="en-US" sz="1400" b="0" i="0" u="none" strike="noStrike" cap="none" normalizeH="0" baseline="0" dirty="0">
+              <a:ln>
+                <a:noFill/>
+              </a:ln>
+              <a:solidFill>
+                <a:schemeClr val="tx1"/>
+              </a:solidFill>
+              <a:effectLst/>
+              <a:latin typeface="맑은 고딕" pitchFamily="50" charset="-127"/>
+              <a:ea typeface="맑은 고딕" pitchFamily="50" charset="-127"/>
+            </a:endParaRPr>
+          </a:p>
+        </p:txBody>
+      </p:sp>
+      <p:sp>
+        <p:nvSpPr>
+          <p:cNvPr id="1030" name="TextBox 1029"/>
+          <p:cNvSpPr txBox="1"/>
+          <p:nvPr/>
+        </p:nvSpPr>
+        <p:spPr>
+          <a:xfrm>
+            <a:off x="184976" y="5056626"/>
+            <a:ext cx="1077941" cy="246221"/>
+          </a:xfrm>
+          <a:prstGeom prst="rect">
+            <a:avLst/>
+          </a:prstGeom>
+          <a:noFill/>
+        </p:spPr>
+        <p:txBody>
+          <a:bodyPr wrap="square" rtlCol="0">
+            <a:spAutoFit/>
+          </a:bodyPr>
+          <a:lstStyle/>
+          <a:p>
+            <a:r>
+              <a:rPr lang="ko-KR" altLang="en-US" sz="1000" dirty="0"/>
+              <a:t>년도</a:t>
+            </a:r>
+            <a:r>
+              <a:rPr lang="en-US" altLang="ko-KR" sz="1000" dirty="0"/>
+              <a:t>/</a:t>
+            </a:r>
+            <a:r>
+              <a:rPr lang="ko-KR" altLang="en-US" sz="1000" dirty="0"/>
+              <a:t>학기</a:t>
+            </a:r>
+          </a:p>
+        </p:txBody>
+      </p:sp>
+      <p:cxnSp>
+        <p:nvCxnSpPr>
+          <p:cNvPr id="77" name="직선 연결선 76"/>
+          <p:cNvCxnSpPr/>
+          <p:nvPr/>
+        </p:nvCxnSpPr>
+        <p:spPr bwMode="auto">
+          <a:xfrm flipH="1">
+            <a:off x="138116" y="3414807"/>
+            <a:ext cx="4759" cy="280091"/>
+          </a:xfrm>
+          <a:prstGeom prst="line">
+            <a:avLst/>
+          </a:prstGeom>
+          <a:solidFill>
+            <a:schemeClr val="accent1"/>
+          </a:solidFill>
+          <a:ln w="12700" cap="flat" cmpd="sng" algn="ctr">
+            <a:solidFill>
+              <a:schemeClr val="tx1"/>
+            </a:solidFill>
+            <a:prstDash val="solid"/>
+            <a:round/>
+            <a:headEnd type="none" w="med" len="med"/>
+            <a:tailEnd type="none" w="med" len="med"/>
+          </a:ln>
+          <a:effectLst/>
+        </p:spPr>
+      </p:cxnSp>
+      <p:cxnSp>
+        <p:nvCxnSpPr>
+          <p:cNvPr id="135" name="직선 연결선 134"/>
+          <p:cNvCxnSpPr>
+            <a:cxnSpLocks/>
+          </p:cNvCxnSpPr>
+          <p:nvPr/>
+        </p:nvCxnSpPr>
+        <p:spPr bwMode="auto">
+          <a:xfrm>
+            <a:off x="4583854" y="3400065"/>
+            <a:ext cx="7350" cy="1610047"/>
+          </a:xfrm>
+          <a:prstGeom prst="line">
+            <a:avLst/>
+          </a:prstGeom>
+          <a:ln w="12700">
+            <a:headEnd type="none" w="med" len="med"/>
+            <a:tailEnd type="none" w="med" len="med"/>
+          </a:ln>
+        </p:spPr>
+        <p:style>
+          <a:lnRef idx="1">
+            <a:schemeClr val="dk1"/>
+          </a:lnRef>
+          <a:fillRef idx="0">
+            <a:schemeClr val="dk1"/>
+          </a:fillRef>
+          <a:effectRef idx="0">
+            <a:schemeClr val="dk1"/>
+          </a:effectRef>
+          <a:fontRef idx="minor">
+            <a:schemeClr val="tx1"/>
+          </a:fontRef>
+        </p:style>
+      </p:cxnSp>
+      <p:cxnSp>
+        <p:nvCxnSpPr>
+          <p:cNvPr id="136" name="직선 연결선 135"/>
+          <p:cNvCxnSpPr>
+            <a:cxnSpLocks/>
+          </p:cNvCxnSpPr>
+          <p:nvPr/>
+        </p:nvCxnSpPr>
+        <p:spPr bwMode="auto">
+          <a:xfrm>
+            <a:off x="4601286" y="3694898"/>
+            <a:ext cx="253933" cy="0"/>
+          </a:xfrm>
+          <a:prstGeom prst="line">
+            <a:avLst/>
+          </a:prstGeom>
+          <a:ln w="12700">
+            <a:headEnd type="none" w="med" len="med"/>
+            <a:tailEnd type="none" w="med" len="med"/>
+          </a:ln>
+        </p:spPr>
+        <p:style>
+          <a:lnRef idx="1">
+            <a:schemeClr val="dk1"/>
+          </a:lnRef>
+          <a:fillRef idx="0">
+            <a:schemeClr val="dk1"/>
+          </a:fillRef>
+          <a:effectRef idx="0">
+            <a:schemeClr val="dk1"/>
+          </a:effectRef>
+          <a:fontRef idx="minor">
+            <a:schemeClr val="tx1"/>
+          </a:fontRef>
+        </p:style>
+      </p:cxnSp>
+      <p:cxnSp>
+        <p:nvCxnSpPr>
+          <p:cNvPr id="137" name="직선 연결선 136"/>
+          <p:cNvCxnSpPr/>
+          <p:nvPr/>
+        </p:nvCxnSpPr>
+        <p:spPr bwMode="auto">
+          <a:xfrm flipV="1">
+            <a:off x="4587809" y="4205088"/>
+            <a:ext cx="338138" cy="1"/>
+          </a:xfrm>
+          <a:prstGeom prst="line">
+            <a:avLst/>
+          </a:prstGeom>
+          <a:solidFill>
+            <a:schemeClr val="accent1"/>
+          </a:solidFill>
+          <a:ln w="12700" cap="flat" cmpd="sng" algn="ctr">
+            <a:solidFill>
+              <a:schemeClr val="tx1"/>
+            </a:solidFill>
+            <a:prstDash val="solid"/>
+            <a:round/>
+            <a:headEnd type="none" w="med" len="med"/>
+            <a:tailEnd type="none" w="med" len="med"/>
+          </a:ln>
+          <a:effectLst/>
+        </p:spPr>
+      </p:cxnSp>
+      <p:cxnSp>
+        <p:nvCxnSpPr>
+          <p:cNvPr id="138" name="직선 연결선 137"/>
+          <p:cNvCxnSpPr/>
+          <p:nvPr/>
+        </p:nvCxnSpPr>
+        <p:spPr bwMode="auto">
+          <a:xfrm>
+            <a:off x="4604483" y="4618662"/>
+            <a:ext cx="327849" cy="0"/>
+          </a:xfrm>
+          <a:prstGeom prst="line">
+            <a:avLst/>
+          </a:prstGeom>
+          <a:solidFill>
+            <a:schemeClr val="accent1"/>
+          </a:solidFill>
+          <a:ln w="12700" cap="flat" cmpd="sng" algn="ctr">
+            <a:solidFill>
+              <a:schemeClr val="tx1"/>
+            </a:solidFill>
+            <a:prstDash val="solid"/>
+            <a:round/>
+            <a:headEnd type="none" w="med" len="med"/>
+            <a:tailEnd type="none" w="med" len="med"/>
+          </a:ln>
+          <a:effectLst/>
+        </p:spPr>
+      </p:cxnSp>
+      <p:cxnSp>
+        <p:nvCxnSpPr>
+          <p:cNvPr id="140" name="직선 연결선 139"/>
+          <p:cNvCxnSpPr/>
+          <p:nvPr/>
+        </p:nvCxnSpPr>
+        <p:spPr bwMode="auto">
+          <a:xfrm>
+            <a:off x="4583852" y="5011169"/>
+            <a:ext cx="327849" cy="0"/>
+          </a:xfrm>
+          <a:prstGeom prst="line">
+            <a:avLst/>
+          </a:prstGeom>
+          <a:solidFill>
+            <a:schemeClr val="accent1"/>
+          </a:solidFill>
+          <a:ln w="12700" cap="flat" cmpd="sng" algn="ctr">
+            <a:solidFill>
+              <a:schemeClr val="tx1"/>
+            </a:solidFill>
+            <a:prstDash val="solid"/>
+            <a:round/>
+            <a:headEnd type="none" w="med" len="med"/>
+            <a:tailEnd type="none" w="med" len="med"/>
+          </a:ln>
+          <a:effectLst/>
+        </p:spPr>
+      </p:cxnSp>
+      <p:sp>
+        <p:nvSpPr>
+          <p:cNvPr id="142" name="직사각형 141"/>
+          <p:cNvSpPr/>
+          <p:nvPr/>
+        </p:nvSpPr>
+        <p:spPr bwMode="auto">
+          <a:xfrm>
+            <a:off x="2111769" y="3068367"/>
+            <a:ext cx="495300" cy="334228"/>
+          </a:xfrm>
+          <a:prstGeom prst="rect">
+            <a:avLst/>
+          </a:prstGeom>
+          <a:ln>
+            <a:headEnd type="none" w="med" len="med"/>
+            <a:tailEnd type="none" w="med" len="med"/>
+          </a:ln>
+        </p:spPr>
+        <p:style>
+          <a:lnRef idx="2">
+            <a:schemeClr val="accent1"/>
+          </a:lnRef>
+          <a:fillRef idx="1">
+            <a:schemeClr val="lt1"/>
+          </a:fillRef>
+          <a:effectRef idx="0">
+            <a:schemeClr val="accent1"/>
+          </a:effectRef>
+          <a:fontRef idx="minor">
+            <a:schemeClr val="dk1"/>
+          </a:fontRef>
+        </p:style>
+        <p:txBody>
+          <a:bodyPr vert="horz" wrap="none" lIns="90000" tIns="46800" rIns="90000" bIns="46800" numCol="1" rtlCol="0" anchor="ctr" anchorCtr="0" compatLnSpc="1">
+            <a:prstTxWarp prst="textNoShape">
+              <a:avLst/>
+            </a:prstTxWarp>
+          </a:bodyPr>
+          <a:lstStyle/>
+          <a:p>
+            <a:pPr marL="0" marR="0" indent="0" algn="ctr" defTabSz="914400" rtl="0" eaLnBrk="0" fontAlgn="base" latinLnBrk="0" hangingPunct="0">
+              <a:lnSpc>
+                <a:spcPct val="100000"/>
+              </a:lnSpc>
+              <a:spcBef>
+                <a:spcPct val="0"/>
+              </a:spcBef>
+              <a:spcAft>
+                <a:spcPct val="0"/>
+              </a:spcAft>
+              <a:buClrTx/>
+              <a:buSzTx/>
+              <a:buFontTx/>
+              <a:buNone/>
+              <a:tabLst/>
+            </a:pPr>
+            <a:endParaRPr kumimoji="0" lang="ko-KR" altLang="en-US" sz="1400" b="0" i="0" u="none" strike="noStrike" cap="none" normalizeH="0" baseline="0" dirty="0">
+              <a:ln>
+                <a:noFill/>
+              </a:ln>
+              <a:solidFill>
+                <a:schemeClr val="tx1"/>
+              </a:solidFill>
+              <a:effectLst/>
+              <a:latin typeface="맑은 고딕" pitchFamily="50" charset="-127"/>
+              <a:ea typeface="맑은 고딕" pitchFamily="50" charset="-127"/>
+            </a:endParaRPr>
+          </a:p>
+        </p:txBody>
+      </p:sp>
+      <p:sp>
+        <p:nvSpPr>
+          <p:cNvPr id="143" name="직사각형 142"/>
+          <p:cNvSpPr/>
+          <p:nvPr/>
+        </p:nvSpPr>
+        <p:spPr bwMode="auto">
+          <a:xfrm>
+            <a:off x="2753917" y="3065837"/>
+            <a:ext cx="495300" cy="334228"/>
+          </a:xfrm>
+          <a:prstGeom prst="rect">
+            <a:avLst/>
+          </a:prstGeom>
+          <a:ln>
+            <a:headEnd type="none" w="med" len="med"/>
+            <a:tailEnd type="none" w="med" len="med"/>
+          </a:ln>
+        </p:spPr>
+        <p:style>
+          <a:lnRef idx="2">
+            <a:schemeClr val="accent1"/>
+          </a:lnRef>
+          <a:fillRef idx="1">
+            <a:schemeClr val="lt1"/>
+          </a:fillRef>
+          <a:effectRef idx="0">
+            <a:schemeClr val="accent1"/>
+          </a:effectRef>
+          <a:fontRef idx="minor">
+            <a:schemeClr val="dk1"/>
+          </a:fontRef>
+        </p:style>
+        <p:txBody>
+          <a:bodyPr vert="horz" wrap="none" lIns="90000" tIns="46800" rIns="90000" bIns="46800" numCol="1" rtlCol="0" anchor="ctr" anchorCtr="0" compatLnSpc="1">
+            <a:prstTxWarp prst="textNoShape">
+              <a:avLst/>
+            </a:prstTxWarp>
+          </a:bodyPr>
+          <a:lstStyle/>
+          <a:p>
+            <a:pPr marL="0" marR="0" indent="0" algn="ctr" defTabSz="914400" rtl="0" eaLnBrk="0" fontAlgn="base" latinLnBrk="0" hangingPunct="0">
+              <a:lnSpc>
+                <a:spcPct val="100000"/>
+              </a:lnSpc>
+              <a:spcBef>
+                <a:spcPct val="0"/>
+              </a:spcBef>
+              <a:spcAft>
+                <a:spcPct val="0"/>
+              </a:spcAft>
+              <a:buClrTx/>
+              <a:buSzTx/>
+              <a:buFontTx/>
+              <a:buNone/>
+              <a:tabLst/>
+            </a:pPr>
+            <a:endParaRPr kumimoji="0" lang="ko-KR" altLang="en-US" sz="1400" b="0" i="0" u="none" strike="noStrike" cap="none" normalizeH="0" baseline="0" dirty="0">
+              <a:ln>
+                <a:noFill/>
+              </a:ln>
+              <a:solidFill>
+                <a:schemeClr val="tx1"/>
+              </a:solidFill>
+              <a:effectLst/>
+              <a:latin typeface="맑은 고딕" pitchFamily="50" charset="-127"/>
+              <a:ea typeface="맑은 고딕" pitchFamily="50" charset="-127"/>
+            </a:endParaRPr>
+          </a:p>
+        </p:txBody>
+      </p:sp>
+      <p:sp>
+        <p:nvSpPr>
+          <p:cNvPr id="144" name="직사각형 143"/>
+          <p:cNvSpPr/>
+          <p:nvPr/>
+        </p:nvSpPr>
+        <p:spPr bwMode="auto">
+          <a:xfrm>
+            <a:off x="3392468" y="3080437"/>
+            <a:ext cx="495300" cy="334228"/>
+          </a:xfrm>
+          <a:prstGeom prst="rect">
+            <a:avLst/>
+          </a:prstGeom>
+          <a:ln>
+            <a:headEnd type="none" w="med" len="med"/>
+            <a:tailEnd type="none" w="med" len="med"/>
+          </a:ln>
+        </p:spPr>
+        <p:style>
+          <a:lnRef idx="2">
+            <a:schemeClr val="accent1"/>
+          </a:lnRef>
+          <a:fillRef idx="1">
+            <a:schemeClr val="lt1"/>
+          </a:fillRef>
+          <a:effectRef idx="0">
+            <a:schemeClr val="accent1"/>
+          </a:effectRef>
+          <a:fontRef idx="minor">
+            <a:schemeClr val="dk1"/>
+          </a:fontRef>
+        </p:style>
+        <p:txBody>
+          <a:bodyPr vert="horz" wrap="none" lIns="90000" tIns="46800" rIns="90000" bIns="46800" numCol="1" rtlCol="0" anchor="ctr" anchorCtr="0" compatLnSpc="1">
+            <a:prstTxWarp prst="textNoShape">
+              <a:avLst/>
+            </a:prstTxWarp>
+          </a:bodyPr>
+          <a:lstStyle/>
+          <a:p>
+            <a:pPr marL="0" marR="0" indent="0" algn="ctr" defTabSz="914400" rtl="0" eaLnBrk="0" fontAlgn="base" latinLnBrk="0" hangingPunct="0">
+              <a:lnSpc>
+                <a:spcPct val="100000"/>
+              </a:lnSpc>
+              <a:spcBef>
+                <a:spcPct val="0"/>
+              </a:spcBef>
+              <a:spcAft>
+                <a:spcPct val="0"/>
+              </a:spcAft>
+              <a:buClrTx/>
+              <a:buSzTx/>
+              <a:buFontTx/>
+              <a:buNone/>
+              <a:tabLst/>
+            </a:pPr>
+            <a:endParaRPr kumimoji="0" lang="ko-KR" altLang="en-US" sz="1400" b="0" i="0" u="none" strike="noStrike" cap="none" normalizeH="0" baseline="0" dirty="0">
+              <a:ln>
+                <a:noFill/>
+              </a:ln>
+              <a:solidFill>
+                <a:schemeClr val="tx1"/>
+              </a:solidFill>
+              <a:effectLst/>
+              <a:latin typeface="맑은 고딕" pitchFamily="50" charset="-127"/>
+              <a:ea typeface="맑은 고딕" pitchFamily="50" charset="-127"/>
+            </a:endParaRPr>
+          </a:p>
+        </p:txBody>
+      </p:sp>
+      <p:sp>
+        <p:nvSpPr>
+          <p:cNvPr id="145" name="직사각형 144"/>
+          <p:cNvSpPr/>
+          <p:nvPr/>
+        </p:nvSpPr>
+        <p:spPr bwMode="auto">
+          <a:xfrm>
+            <a:off x="3993355" y="3089661"/>
+            <a:ext cx="495300" cy="334228"/>
+          </a:xfrm>
+          <a:prstGeom prst="rect">
+            <a:avLst/>
+          </a:prstGeom>
+          <a:ln>
+            <a:headEnd type="none" w="med" len="med"/>
+            <a:tailEnd type="none" w="med" len="med"/>
+          </a:ln>
+        </p:spPr>
+        <p:style>
+          <a:lnRef idx="2">
+            <a:schemeClr val="accent1"/>
+          </a:lnRef>
+          <a:fillRef idx="1">
+            <a:schemeClr val="lt1"/>
+          </a:fillRef>
+          <a:effectRef idx="0">
+            <a:schemeClr val="accent1"/>
+          </a:effectRef>
+          <a:fontRef idx="minor">
+            <a:schemeClr val="dk1"/>
+          </a:fontRef>
+        </p:style>
+        <p:txBody>
+          <a:bodyPr vert="horz" wrap="none" lIns="90000" tIns="46800" rIns="90000" bIns="46800" numCol="1" rtlCol="0" anchor="ctr" anchorCtr="0" compatLnSpc="1">
+            <a:prstTxWarp prst="textNoShape">
+              <a:avLst/>
+            </a:prstTxWarp>
+          </a:bodyPr>
+          <a:lstStyle/>
+          <a:p>
+            <a:pPr marL="0" marR="0" indent="0" algn="ctr" defTabSz="914400" rtl="0" eaLnBrk="0" fontAlgn="base" latinLnBrk="0" hangingPunct="0">
+              <a:lnSpc>
+                <a:spcPct val="100000"/>
+              </a:lnSpc>
+              <a:spcBef>
+                <a:spcPct val="0"/>
+              </a:spcBef>
+              <a:spcAft>
+                <a:spcPct val="0"/>
+              </a:spcAft>
+              <a:buClrTx/>
+              <a:buSzTx/>
+              <a:buFontTx/>
+              <a:buNone/>
+              <a:tabLst/>
+            </a:pPr>
+            <a:endParaRPr kumimoji="0" lang="ko-KR" altLang="en-US" sz="1400" b="0" i="0" u="none" strike="noStrike" cap="none" normalizeH="0" baseline="0" dirty="0">
+              <a:ln>
+                <a:noFill/>
+              </a:ln>
+              <a:solidFill>
+                <a:schemeClr val="tx1"/>
+              </a:solidFill>
+              <a:effectLst/>
+              <a:latin typeface="맑은 고딕" pitchFamily="50" charset="-127"/>
+              <a:ea typeface="맑은 고딕" pitchFamily="50" charset="-127"/>
+            </a:endParaRPr>
+          </a:p>
+        </p:txBody>
+      </p:sp>
+      <p:sp>
+        <p:nvSpPr>
+          <p:cNvPr id="146" name="직사각형 145"/>
+          <p:cNvSpPr/>
+          <p:nvPr/>
+        </p:nvSpPr>
+        <p:spPr bwMode="auto">
+          <a:xfrm>
+            <a:off x="4594242" y="3098953"/>
+            <a:ext cx="495300" cy="334228"/>
+          </a:xfrm>
+          <a:prstGeom prst="rect">
+            <a:avLst/>
+          </a:prstGeom>
+          <a:ln>
+            <a:headEnd type="none" w="med" len="med"/>
+            <a:tailEnd type="none" w="med" len="med"/>
+          </a:ln>
+        </p:spPr>
+        <p:style>
+          <a:lnRef idx="2">
+            <a:schemeClr val="accent1"/>
+          </a:lnRef>
+          <a:fillRef idx="1">
+            <a:schemeClr val="lt1"/>
+          </a:fillRef>
+          <a:effectRef idx="0">
+            <a:schemeClr val="accent1"/>
+          </a:effectRef>
+          <a:fontRef idx="minor">
+            <a:schemeClr val="dk1"/>
+          </a:fontRef>
+        </p:style>
+        <p:txBody>
+          <a:bodyPr vert="horz" wrap="none" lIns="90000" tIns="46800" rIns="90000" bIns="46800" numCol="1" rtlCol="0" anchor="ctr" anchorCtr="0" compatLnSpc="1">
+            <a:prstTxWarp prst="textNoShape">
+              <a:avLst/>
+            </a:prstTxWarp>
+          </a:bodyPr>
+          <a:lstStyle/>
+          <a:p>
+            <a:pPr marL="0" marR="0" indent="0" algn="ctr" defTabSz="914400" rtl="0" eaLnBrk="0" fontAlgn="base" latinLnBrk="0" hangingPunct="0">
+              <a:lnSpc>
+                <a:spcPct val="100000"/>
+              </a:lnSpc>
+              <a:spcBef>
+                <a:spcPct val="0"/>
+              </a:spcBef>
+              <a:spcAft>
+                <a:spcPct val="0"/>
+              </a:spcAft>
+              <a:buClrTx/>
+              <a:buSzTx/>
+              <a:buFontTx/>
+              <a:buNone/>
+              <a:tabLst/>
+            </a:pPr>
+            <a:endParaRPr kumimoji="0" lang="ko-KR" altLang="en-US" sz="1400" b="0" i="0" u="none" strike="noStrike" cap="none" normalizeH="0" baseline="0" dirty="0">
+              <a:ln>
+                <a:noFill/>
+              </a:ln>
+              <a:solidFill>
+                <a:schemeClr val="tx1"/>
+              </a:solidFill>
+              <a:effectLst/>
+              <a:latin typeface="맑은 고딕" pitchFamily="50" charset="-127"/>
+              <a:ea typeface="맑은 고딕" pitchFamily="50" charset="-127"/>
+            </a:endParaRPr>
+          </a:p>
+        </p:txBody>
+      </p:sp>
+      <p:sp>
+        <p:nvSpPr>
+          <p:cNvPr id="148" name="직사각형 147"/>
+          <p:cNvSpPr/>
+          <p:nvPr/>
+        </p:nvSpPr>
+        <p:spPr bwMode="auto">
+          <a:xfrm>
+            <a:off x="4729165" y="3553637"/>
+            <a:ext cx="899317" cy="334228"/>
+          </a:xfrm>
+          <a:prstGeom prst="rect">
+            <a:avLst/>
+          </a:prstGeom>
+          <a:ln>
+            <a:headEnd type="none" w="med" len="med"/>
+            <a:tailEnd type="none" w="med" len="med"/>
+          </a:ln>
+        </p:spPr>
+        <p:style>
+          <a:lnRef idx="2">
+            <a:schemeClr val="accent1"/>
+          </a:lnRef>
+          <a:fillRef idx="1">
+            <a:schemeClr val="lt1"/>
+          </a:fillRef>
+          <a:effectRef idx="0">
+            <a:schemeClr val="accent1"/>
+          </a:effectRef>
+          <a:fontRef idx="minor">
+            <a:schemeClr val="dk1"/>
+          </a:fontRef>
+        </p:style>
+        <p:txBody>
+          <a:bodyPr vert="horz" wrap="none" lIns="90000" tIns="46800" rIns="90000" bIns="46800" numCol="1" rtlCol="0" anchor="ctr" anchorCtr="0" compatLnSpc="1">
+            <a:prstTxWarp prst="textNoShape">
+              <a:avLst/>
+            </a:prstTxWarp>
+          </a:bodyPr>
+          <a:lstStyle/>
+          <a:p>
+            <a:pPr marL="0" marR="0" indent="0" algn="ctr" defTabSz="914400" rtl="0" eaLnBrk="0" fontAlgn="base" latinLnBrk="0" hangingPunct="0">
+              <a:lnSpc>
+                <a:spcPct val="100000"/>
+              </a:lnSpc>
+              <a:spcBef>
+                <a:spcPct val="0"/>
+              </a:spcBef>
+              <a:spcAft>
+                <a:spcPct val="0"/>
+              </a:spcAft>
+              <a:buClrTx/>
+              <a:buSzTx/>
+              <a:buFontTx/>
+              <a:buNone/>
+              <a:tabLst/>
+            </a:pPr>
+            <a:endParaRPr kumimoji="0" lang="ko-KR" altLang="en-US" sz="1400" b="0" i="0" u="none" strike="noStrike" cap="none" normalizeH="0" baseline="0" dirty="0">
+              <a:ln>
+                <a:noFill/>
+              </a:ln>
+              <a:solidFill>
+                <a:schemeClr val="tx1"/>
+              </a:solidFill>
+              <a:effectLst/>
+              <a:latin typeface="맑은 고딕" pitchFamily="50" charset="-127"/>
+              <a:ea typeface="맑은 고딕" pitchFamily="50" charset="-127"/>
+            </a:endParaRPr>
+          </a:p>
+        </p:txBody>
+      </p:sp>
+      <p:sp>
+        <p:nvSpPr>
+          <p:cNvPr id="149" name="직사각형 148"/>
+          <p:cNvSpPr/>
+          <p:nvPr/>
+        </p:nvSpPr>
+        <p:spPr bwMode="auto">
+          <a:xfrm>
+            <a:off x="4747777" y="4037975"/>
+            <a:ext cx="1257416" cy="275029"/>
+          </a:xfrm>
+          <a:prstGeom prst="rect">
+            <a:avLst/>
+          </a:prstGeom>
+          <a:ln>
+            <a:headEnd type="none" w="med" len="med"/>
+            <a:tailEnd type="none" w="med" len="med"/>
+          </a:ln>
+        </p:spPr>
+        <p:style>
+          <a:lnRef idx="2">
+            <a:schemeClr val="accent1"/>
+          </a:lnRef>
+          <a:fillRef idx="1">
+            <a:schemeClr val="lt1"/>
+          </a:fillRef>
+          <a:effectRef idx="0">
+            <a:schemeClr val="accent1"/>
+          </a:effectRef>
+          <a:fontRef idx="minor">
+            <a:schemeClr val="dk1"/>
+          </a:fontRef>
+        </p:style>
+        <p:txBody>
+          <a:bodyPr vert="horz" wrap="none" lIns="90000" tIns="46800" rIns="90000" bIns="46800" numCol="1" rtlCol="0" anchor="ctr" anchorCtr="0" compatLnSpc="1">
+            <a:prstTxWarp prst="textNoShape">
+              <a:avLst/>
+            </a:prstTxWarp>
+          </a:bodyPr>
+          <a:lstStyle/>
+          <a:p>
+            <a:pPr marL="0" marR="0" indent="0" algn="ctr" defTabSz="914400" rtl="0" eaLnBrk="0" fontAlgn="base" latinLnBrk="0" hangingPunct="0">
+              <a:lnSpc>
+                <a:spcPct val="100000"/>
+              </a:lnSpc>
+              <a:spcBef>
+                <a:spcPct val="0"/>
+              </a:spcBef>
+              <a:spcAft>
+                <a:spcPct val="0"/>
+              </a:spcAft>
+              <a:buClrTx/>
+              <a:buSzTx/>
+              <a:buFontTx/>
+              <a:buNone/>
+              <a:tabLst/>
+            </a:pPr>
+            <a:endParaRPr kumimoji="0" lang="ko-KR" altLang="en-US" sz="1400" b="0" i="0" u="none" strike="noStrike" cap="none" normalizeH="0" baseline="0" dirty="0">
+              <a:ln>
+                <a:noFill/>
+              </a:ln>
+              <a:solidFill>
+                <a:schemeClr val="tx1"/>
+              </a:solidFill>
+              <a:effectLst/>
+              <a:latin typeface="맑은 고딕" pitchFamily="50" charset="-127"/>
+              <a:ea typeface="맑은 고딕" pitchFamily="50" charset="-127"/>
+            </a:endParaRPr>
+          </a:p>
+        </p:txBody>
+      </p:sp>
+      <p:sp>
+        <p:nvSpPr>
+          <p:cNvPr id="150" name="직사각형 149"/>
+          <p:cNvSpPr/>
+          <p:nvPr/>
+        </p:nvSpPr>
+        <p:spPr bwMode="auto">
+          <a:xfrm>
+            <a:off x="4747777" y="4495611"/>
+            <a:ext cx="1118082" cy="287171"/>
+          </a:xfrm>
+          <a:prstGeom prst="rect">
+            <a:avLst/>
+          </a:prstGeom>
+          <a:ln>
+            <a:headEnd type="none" w="med" len="med"/>
+            <a:tailEnd type="none" w="med" len="med"/>
+          </a:ln>
+        </p:spPr>
+        <p:style>
+          <a:lnRef idx="2">
+            <a:schemeClr val="accent1"/>
+          </a:lnRef>
+          <a:fillRef idx="1">
+            <a:schemeClr val="lt1"/>
+          </a:fillRef>
+          <a:effectRef idx="0">
+            <a:schemeClr val="accent1"/>
+          </a:effectRef>
+          <a:fontRef idx="minor">
+            <a:schemeClr val="dk1"/>
+          </a:fontRef>
+        </p:style>
+        <p:txBody>
+          <a:bodyPr vert="horz" wrap="none" lIns="90000" tIns="46800" rIns="90000" bIns="46800" numCol="1" rtlCol="0" anchor="ctr" anchorCtr="0" compatLnSpc="1">
+            <a:prstTxWarp prst="textNoShape">
+              <a:avLst/>
+            </a:prstTxWarp>
+          </a:bodyPr>
+          <a:lstStyle/>
+          <a:p>
+            <a:pPr marL="0" marR="0" indent="0" algn="ctr" defTabSz="914400" rtl="0" eaLnBrk="0" fontAlgn="base" latinLnBrk="0" hangingPunct="0">
+              <a:lnSpc>
+                <a:spcPct val="100000"/>
+              </a:lnSpc>
+              <a:spcBef>
+                <a:spcPct val="0"/>
+              </a:spcBef>
+              <a:spcAft>
+                <a:spcPct val="0"/>
+              </a:spcAft>
+              <a:buClrTx/>
+              <a:buSzTx/>
+              <a:buFontTx/>
+              <a:buNone/>
+              <a:tabLst/>
+            </a:pPr>
+            <a:endParaRPr kumimoji="0" lang="ko-KR" altLang="en-US" sz="1400" b="0" i="0" u="none" strike="noStrike" cap="none" normalizeH="0" baseline="0" dirty="0">
+              <a:ln>
+                <a:noFill/>
+              </a:ln>
+              <a:solidFill>
+                <a:schemeClr val="tx1"/>
+              </a:solidFill>
+              <a:effectLst/>
+              <a:latin typeface="맑은 고딕" pitchFamily="50" charset="-127"/>
+              <a:ea typeface="맑은 고딕" pitchFamily="50" charset="-127"/>
+            </a:endParaRPr>
+          </a:p>
+        </p:txBody>
+      </p:sp>
+      <p:sp>
+        <p:nvSpPr>
+          <p:cNvPr id="151" name="직사각형 150"/>
+          <p:cNvSpPr/>
+          <p:nvPr/>
+        </p:nvSpPr>
+        <p:spPr bwMode="auto">
+          <a:xfrm>
+            <a:off x="4746961" y="4892924"/>
+            <a:ext cx="1256198" cy="334228"/>
+          </a:xfrm>
+          <a:prstGeom prst="rect">
+            <a:avLst/>
+          </a:prstGeom>
+          <a:ln>
+            <a:headEnd type="none" w="med" len="med"/>
+            <a:tailEnd type="none" w="med" len="med"/>
+          </a:ln>
+        </p:spPr>
+        <p:style>
+          <a:lnRef idx="2">
+            <a:schemeClr val="accent1"/>
+          </a:lnRef>
+          <a:fillRef idx="1">
+            <a:schemeClr val="lt1"/>
+          </a:fillRef>
+          <a:effectRef idx="0">
+            <a:schemeClr val="accent1"/>
+          </a:effectRef>
+          <a:fontRef idx="minor">
+            <a:schemeClr val="dk1"/>
+          </a:fontRef>
+        </p:style>
+        <p:txBody>
+          <a:bodyPr vert="horz" wrap="none" lIns="90000" tIns="46800" rIns="90000" bIns="46800" numCol="1" rtlCol="0" anchor="ctr" anchorCtr="0" compatLnSpc="1">
+            <a:prstTxWarp prst="textNoShape">
+              <a:avLst/>
+            </a:prstTxWarp>
+          </a:bodyPr>
+          <a:lstStyle/>
+          <a:p>
+            <a:pPr marL="0" marR="0" indent="0" algn="ctr" defTabSz="914400" rtl="0" eaLnBrk="0" fontAlgn="base" latinLnBrk="0" hangingPunct="0">
+              <a:lnSpc>
+                <a:spcPct val="100000"/>
+              </a:lnSpc>
+              <a:spcBef>
+                <a:spcPct val="0"/>
+              </a:spcBef>
+              <a:spcAft>
+                <a:spcPct val="0"/>
+              </a:spcAft>
+              <a:buClrTx/>
+              <a:buSzTx/>
+              <a:buFontTx/>
+              <a:buNone/>
+              <a:tabLst/>
+            </a:pPr>
+            <a:endParaRPr kumimoji="0" lang="ko-KR" altLang="en-US" sz="1400" b="0" i="0" u="none" strike="noStrike" cap="none" normalizeH="0" baseline="0" dirty="0">
+              <a:ln>
+                <a:noFill/>
+              </a:ln>
+              <a:solidFill>
+                <a:schemeClr val="tx1"/>
+              </a:solidFill>
+              <a:effectLst/>
+              <a:latin typeface="맑은 고딕" pitchFamily="50" charset="-127"/>
+              <a:ea typeface="맑은 고딕" pitchFamily="50" charset="-127"/>
+            </a:endParaRPr>
+          </a:p>
+        </p:txBody>
+      </p:sp>
+      <p:sp>
+        <p:nvSpPr>
+          <p:cNvPr id="99" name="TextBox 98"/>
+          <p:cNvSpPr txBox="1"/>
+          <p:nvPr/>
+        </p:nvSpPr>
+        <p:spPr>
+          <a:xfrm>
+            <a:off x="2137256" y="3124329"/>
+            <a:ext cx="557912" cy="246221"/>
+          </a:xfrm>
+          <a:prstGeom prst="rect">
+            <a:avLst/>
+          </a:prstGeom>
+          <a:noFill/>
+        </p:spPr>
+        <p:txBody>
+          <a:bodyPr wrap="square" rtlCol="0">
+            <a:spAutoFit/>
+          </a:bodyPr>
+          <a:lstStyle/>
+          <a:p>
+            <a:r>
+              <a:rPr lang="ko-KR" altLang="en-US" sz="1000" dirty="0"/>
+              <a:t>확인</a:t>
+            </a:r>
+          </a:p>
+        </p:txBody>
+      </p:sp>
+      <p:sp>
+        <p:nvSpPr>
+          <p:cNvPr id="153" name="TextBox 152"/>
+          <p:cNvSpPr txBox="1"/>
+          <p:nvPr/>
+        </p:nvSpPr>
+        <p:spPr>
+          <a:xfrm>
+            <a:off x="2753917" y="3109840"/>
+            <a:ext cx="557912" cy="246221"/>
+          </a:xfrm>
+          <a:prstGeom prst="rect">
+            <a:avLst/>
+          </a:prstGeom>
+          <a:noFill/>
+        </p:spPr>
+        <p:txBody>
+          <a:bodyPr wrap="square" rtlCol="0">
+            <a:spAutoFit/>
+          </a:bodyPr>
+          <a:lstStyle/>
+          <a:p>
+            <a:r>
+              <a:rPr lang="ko-KR" altLang="en-US" sz="1000" dirty="0"/>
+              <a:t>추가</a:t>
+            </a:r>
+          </a:p>
+        </p:txBody>
+      </p:sp>
+      <p:sp>
+        <p:nvSpPr>
+          <p:cNvPr id="154" name="TextBox 153"/>
+          <p:cNvSpPr txBox="1"/>
+          <p:nvPr/>
+        </p:nvSpPr>
+        <p:spPr>
+          <a:xfrm>
+            <a:off x="3423446" y="3133664"/>
+            <a:ext cx="557912" cy="246221"/>
+          </a:xfrm>
+          <a:prstGeom prst="rect">
+            <a:avLst/>
+          </a:prstGeom>
+          <a:noFill/>
+        </p:spPr>
+        <p:txBody>
+          <a:bodyPr wrap="square" rtlCol="0">
+            <a:spAutoFit/>
+          </a:bodyPr>
+          <a:lstStyle/>
+          <a:p>
+            <a:r>
+              <a:rPr lang="ko-KR" altLang="en-US" sz="1000" dirty="0"/>
+              <a:t>변경</a:t>
+            </a:r>
+          </a:p>
+        </p:txBody>
+      </p:sp>
+      <p:sp>
+        <p:nvSpPr>
+          <p:cNvPr id="155" name="TextBox 154"/>
+          <p:cNvSpPr txBox="1"/>
+          <p:nvPr/>
+        </p:nvSpPr>
+        <p:spPr>
+          <a:xfrm>
+            <a:off x="4022446" y="3133664"/>
+            <a:ext cx="557912" cy="246221"/>
+          </a:xfrm>
+          <a:prstGeom prst="rect">
+            <a:avLst/>
+          </a:prstGeom>
+          <a:noFill/>
+        </p:spPr>
+        <p:txBody>
+          <a:bodyPr wrap="square" rtlCol="0">
+            <a:spAutoFit/>
+          </a:bodyPr>
+          <a:lstStyle/>
+          <a:p>
+            <a:r>
+              <a:rPr lang="ko-KR" altLang="en-US" sz="1000" dirty="0"/>
+              <a:t>삭제</a:t>
+            </a:r>
+          </a:p>
+        </p:txBody>
+      </p:sp>
+      <p:sp>
+        <p:nvSpPr>
+          <p:cNvPr id="156" name="TextBox 155"/>
+          <p:cNvSpPr txBox="1"/>
+          <p:nvPr/>
+        </p:nvSpPr>
+        <p:spPr>
+          <a:xfrm>
+            <a:off x="4604483" y="3142957"/>
+            <a:ext cx="557912" cy="246221"/>
+          </a:xfrm>
+          <a:prstGeom prst="rect">
+            <a:avLst/>
+          </a:prstGeom>
+          <a:noFill/>
+        </p:spPr>
+        <p:txBody>
+          <a:bodyPr wrap="square" rtlCol="0">
+            <a:spAutoFit/>
+          </a:bodyPr>
+          <a:lstStyle/>
+          <a:p>
+            <a:r>
+              <a:rPr lang="ko-KR" altLang="en-US" sz="1000" dirty="0"/>
+              <a:t>정렬</a:t>
+            </a:r>
+          </a:p>
+        </p:txBody>
+      </p:sp>
+      <p:cxnSp>
+        <p:nvCxnSpPr>
+          <p:cNvPr id="105" name="직선 연결선 104"/>
+          <p:cNvCxnSpPr/>
+          <p:nvPr/>
+        </p:nvCxnSpPr>
+        <p:spPr bwMode="auto">
+          <a:xfrm>
+            <a:off x="2753917" y="3379885"/>
+            <a:ext cx="0" cy="507980"/>
+          </a:xfrm>
+          <a:prstGeom prst="line">
+            <a:avLst/>
+          </a:prstGeom>
+          <a:solidFill>
+            <a:schemeClr val="accent1"/>
+          </a:solidFill>
+          <a:ln w="12700" cap="flat" cmpd="sng" algn="ctr">
+            <a:solidFill>
+              <a:schemeClr val="tx1"/>
+            </a:solidFill>
+            <a:prstDash val="solid"/>
+            <a:round/>
+            <a:headEnd type="none" w="med" len="med"/>
+            <a:tailEnd type="none" w="med" len="med"/>
+          </a:ln>
+          <a:effectLst/>
+        </p:spPr>
+      </p:cxnSp>
+      <p:cxnSp>
+        <p:nvCxnSpPr>
+          <p:cNvPr id="170" name="직선 연결선 169"/>
+          <p:cNvCxnSpPr>
+            <a:cxnSpLocks/>
+          </p:cNvCxnSpPr>
+          <p:nvPr/>
+        </p:nvCxnSpPr>
+        <p:spPr bwMode="auto">
+          <a:xfrm flipV="1">
+            <a:off x="2753917" y="3887865"/>
+            <a:ext cx="781360" cy="7433"/>
+          </a:xfrm>
+          <a:prstGeom prst="line">
+            <a:avLst/>
+          </a:prstGeom>
+          <a:solidFill>
+            <a:schemeClr val="accent1"/>
+          </a:solidFill>
+          <a:ln w="12700" cap="flat" cmpd="sng" algn="ctr">
+            <a:solidFill>
+              <a:schemeClr val="tx1"/>
+            </a:solidFill>
+            <a:prstDash val="solid"/>
+            <a:round/>
+            <a:headEnd type="none" w="med" len="med"/>
+            <a:tailEnd type="none" w="med" len="med"/>
+          </a:ln>
+          <a:effectLst/>
+        </p:spPr>
+      </p:cxnSp>
+      <p:sp>
+        <p:nvSpPr>
+          <p:cNvPr id="160" name="직사각형 159"/>
+          <p:cNvSpPr/>
+          <p:nvPr/>
+        </p:nvSpPr>
+        <p:spPr bwMode="auto">
+          <a:xfrm>
+            <a:off x="3464886" y="3766236"/>
+            <a:ext cx="652295" cy="271739"/>
+          </a:xfrm>
+          <a:prstGeom prst="rect">
+            <a:avLst/>
+          </a:prstGeom>
+          <a:ln>
+            <a:headEnd type="none" w="med" len="med"/>
+            <a:tailEnd type="none" w="med" len="med"/>
+          </a:ln>
+        </p:spPr>
+        <p:style>
+          <a:lnRef idx="2">
+            <a:schemeClr val="accent1"/>
+          </a:lnRef>
+          <a:fillRef idx="1">
+            <a:schemeClr val="lt1"/>
+          </a:fillRef>
+          <a:effectRef idx="0">
+            <a:schemeClr val="accent1"/>
+          </a:effectRef>
+          <a:fontRef idx="minor">
+            <a:schemeClr val="dk1"/>
+          </a:fontRef>
+        </p:style>
+        <p:txBody>
+          <a:bodyPr vert="horz" wrap="none" lIns="90000" tIns="46800" rIns="90000" bIns="46800" numCol="1" rtlCol="0" anchor="ctr" anchorCtr="0" compatLnSpc="1">
+            <a:prstTxWarp prst="textNoShape">
+              <a:avLst/>
+            </a:prstTxWarp>
+          </a:bodyPr>
+          <a:lstStyle/>
+          <a:p>
+            <a:pPr marL="0" marR="0" indent="0" algn="ctr" defTabSz="914400" rtl="0" eaLnBrk="0" fontAlgn="base" latinLnBrk="0" hangingPunct="0">
+              <a:lnSpc>
+                <a:spcPct val="100000"/>
+              </a:lnSpc>
+              <a:spcBef>
+                <a:spcPct val="0"/>
+              </a:spcBef>
+              <a:spcAft>
+                <a:spcPct val="0"/>
+              </a:spcAft>
+              <a:buClrTx/>
+              <a:buSzTx/>
+              <a:buFontTx/>
+              <a:buNone/>
+              <a:tabLst/>
+            </a:pPr>
+            <a:endParaRPr kumimoji="0" lang="ko-KR" altLang="en-US" sz="1400" b="0" i="0" u="none" strike="noStrike" cap="none" normalizeH="0" baseline="0" dirty="0">
+              <a:ln>
+                <a:noFill/>
+              </a:ln>
+              <a:solidFill>
+                <a:schemeClr val="tx1"/>
+              </a:solidFill>
+              <a:effectLst/>
+              <a:latin typeface="맑은 고딕" pitchFamily="50" charset="-127"/>
+              <a:ea typeface="맑은 고딕" pitchFamily="50" charset="-127"/>
+            </a:endParaRPr>
+          </a:p>
+        </p:txBody>
+      </p:sp>
+      <p:sp>
+        <p:nvSpPr>
+          <p:cNvPr id="102" name="TextBox 101"/>
+          <p:cNvSpPr txBox="1"/>
+          <p:nvPr/>
+        </p:nvSpPr>
+        <p:spPr>
+          <a:xfrm>
+            <a:off x="3440118" y="3772187"/>
+            <a:ext cx="850902" cy="246221"/>
+          </a:xfrm>
+          <a:prstGeom prst="rect">
+            <a:avLst/>
+          </a:prstGeom>
+          <a:noFill/>
+        </p:spPr>
+        <p:txBody>
+          <a:bodyPr wrap="square" rtlCol="0">
+            <a:spAutoFit/>
+          </a:bodyPr>
+          <a:lstStyle/>
+          <a:p>
+            <a:r>
+              <a:rPr lang="ko-KR" altLang="en-US" sz="1000" dirty="0"/>
+              <a:t>알림 설정</a:t>
+            </a:r>
+          </a:p>
+        </p:txBody>
+      </p:sp>
+      <p:sp>
+        <p:nvSpPr>
+          <p:cNvPr id="177" name="TextBox 176"/>
+          <p:cNvSpPr txBox="1"/>
+          <p:nvPr/>
+        </p:nvSpPr>
+        <p:spPr>
+          <a:xfrm>
+            <a:off x="4699548" y="3600418"/>
+            <a:ext cx="1048537" cy="246221"/>
+          </a:xfrm>
+          <a:prstGeom prst="rect">
+            <a:avLst/>
+          </a:prstGeom>
+          <a:noFill/>
+        </p:spPr>
+        <p:txBody>
+          <a:bodyPr wrap="square" rtlCol="0">
+            <a:spAutoFit/>
+          </a:bodyPr>
+          <a:lstStyle/>
+          <a:p>
+            <a:r>
+              <a:rPr lang="ko-KR" altLang="en-US" sz="1000" dirty="0"/>
+              <a:t>이름으로 정렬</a:t>
+            </a:r>
+          </a:p>
+        </p:txBody>
+      </p:sp>
+      <p:sp>
+        <p:nvSpPr>
+          <p:cNvPr id="178" name="TextBox 177"/>
+          <p:cNvSpPr txBox="1"/>
+          <p:nvPr/>
+        </p:nvSpPr>
+        <p:spPr>
+          <a:xfrm>
+            <a:off x="4758843" y="4076591"/>
+            <a:ext cx="1302902" cy="246221"/>
+          </a:xfrm>
+          <a:prstGeom prst="rect">
+            <a:avLst/>
+          </a:prstGeom>
+          <a:noFill/>
+        </p:spPr>
+        <p:txBody>
+          <a:bodyPr wrap="square" rtlCol="0">
+            <a:spAutoFit/>
+          </a:bodyPr>
+          <a:lstStyle/>
+          <a:p>
+            <a:r>
+              <a:rPr lang="ko-KR" altLang="en-US" sz="1000" dirty="0"/>
+              <a:t>마감기한으로 정렬</a:t>
+            </a:r>
+          </a:p>
+        </p:txBody>
+      </p:sp>
+      <p:sp>
+        <p:nvSpPr>
+          <p:cNvPr id="179" name="TextBox 178"/>
+          <p:cNvSpPr txBox="1"/>
+          <p:nvPr/>
+        </p:nvSpPr>
+        <p:spPr>
+          <a:xfrm>
+            <a:off x="4743701" y="4504339"/>
+            <a:ext cx="1252604" cy="246221"/>
+          </a:xfrm>
+          <a:prstGeom prst="rect">
+            <a:avLst/>
+          </a:prstGeom>
+          <a:noFill/>
+        </p:spPr>
+        <p:txBody>
+          <a:bodyPr wrap="square" rtlCol="0">
+            <a:spAutoFit/>
+          </a:bodyPr>
+          <a:lstStyle/>
+          <a:p>
+            <a:r>
+              <a:rPr lang="ko-KR" altLang="en-US" sz="1000" dirty="0"/>
+              <a:t>완료여부로 정렬</a:t>
+            </a:r>
+          </a:p>
+        </p:txBody>
+      </p:sp>
+      <p:sp>
+        <p:nvSpPr>
+          <p:cNvPr id="180" name="TextBox 179"/>
+          <p:cNvSpPr txBox="1"/>
+          <p:nvPr/>
+        </p:nvSpPr>
+        <p:spPr>
+          <a:xfrm>
+            <a:off x="4756878" y="4956113"/>
+            <a:ext cx="1292221" cy="246221"/>
+          </a:xfrm>
+          <a:prstGeom prst="rect">
+            <a:avLst/>
+          </a:prstGeom>
+          <a:noFill/>
+        </p:spPr>
+        <p:txBody>
+          <a:bodyPr wrap="square" rtlCol="0">
+            <a:spAutoFit/>
+          </a:bodyPr>
+          <a:lstStyle/>
+          <a:p>
+            <a:r>
+              <a:rPr lang="ko-KR" altLang="en-US" sz="1000" dirty="0"/>
+              <a:t>실제마감일로 정렬</a:t>
+            </a:r>
+          </a:p>
+        </p:txBody>
+      </p:sp>
+      <p:cxnSp>
+        <p:nvCxnSpPr>
+          <p:cNvPr id="120" name="직선 연결선 119"/>
+          <p:cNvCxnSpPr/>
+          <p:nvPr/>
+        </p:nvCxnSpPr>
+        <p:spPr bwMode="auto">
+          <a:xfrm>
+            <a:off x="6705600" y="2894830"/>
+            <a:ext cx="0" cy="762379"/>
+          </a:xfrm>
+          <a:prstGeom prst="line">
+            <a:avLst/>
+          </a:prstGeom>
+          <a:ln w="12700">
+            <a:headEnd type="none" w="med" len="med"/>
+            <a:tailEnd type="none" w="med" len="med"/>
+          </a:ln>
+        </p:spPr>
+        <p:style>
+          <a:lnRef idx="1">
+            <a:schemeClr val="dk1"/>
+          </a:lnRef>
+          <a:fillRef idx="0">
+            <a:schemeClr val="dk1"/>
+          </a:fillRef>
+          <a:effectRef idx="0">
+            <a:schemeClr val="dk1"/>
+          </a:effectRef>
+          <a:fontRef idx="minor">
+            <a:schemeClr val="tx1"/>
+          </a:fontRef>
+        </p:style>
+      </p:cxnSp>
+      <p:cxnSp>
+        <p:nvCxnSpPr>
+          <p:cNvPr id="123" name="직선 연결선 122"/>
+          <p:cNvCxnSpPr/>
+          <p:nvPr/>
+        </p:nvCxnSpPr>
+        <p:spPr bwMode="auto">
+          <a:xfrm>
+            <a:off x="6705600" y="3657209"/>
+            <a:ext cx="257175" cy="0"/>
+          </a:xfrm>
+          <a:prstGeom prst="line">
+            <a:avLst/>
+          </a:prstGeom>
+          <a:solidFill>
+            <a:schemeClr val="accent1"/>
+          </a:solidFill>
+          <a:ln w="12700" cap="flat" cmpd="sng" algn="ctr">
+            <a:solidFill>
+              <a:schemeClr val="tx1"/>
+            </a:solidFill>
+            <a:prstDash val="solid"/>
+            <a:round/>
+            <a:headEnd type="none" w="med" len="med"/>
+            <a:tailEnd type="none" w="med" len="med"/>
+          </a:ln>
+          <a:effectLst/>
+        </p:spPr>
+      </p:cxnSp>
+      <p:cxnSp>
+        <p:nvCxnSpPr>
+          <p:cNvPr id="125" name="직선 연결선 124"/>
+          <p:cNvCxnSpPr/>
+          <p:nvPr/>
+        </p:nvCxnSpPr>
+        <p:spPr bwMode="auto">
+          <a:xfrm>
+            <a:off x="6705600" y="3310071"/>
+            <a:ext cx="257175" cy="0"/>
+          </a:xfrm>
+          <a:prstGeom prst="line">
+            <a:avLst/>
+          </a:prstGeom>
+          <a:solidFill>
+            <a:schemeClr val="accent1"/>
+          </a:solidFill>
+          <a:ln w="12700" cap="flat" cmpd="sng" algn="ctr">
+            <a:solidFill>
+              <a:schemeClr val="tx1"/>
+            </a:solidFill>
+            <a:prstDash val="solid"/>
+            <a:round/>
+            <a:headEnd type="none" w="med" len="med"/>
+            <a:tailEnd type="none" w="med" len="med"/>
+          </a:ln>
+          <a:effectLst/>
+        </p:spPr>
+      </p:cxnSp>
+      <p:sp>
+        <p:nvSpPr>
+          <p:cNvPr id="182" name="직사각형 181"/>
+          <p:cNvSpPr/>
+          <p:nvPr/>
+        </p:nvSpPr>
+        <p:spPr bwMode="auto">
+          <a:xfrm>
+            <a:off x="6884143" y="3108905"/>
+            <a:ext cx="778973" cy="334228"/>
+          </a:xfrm>
+          <a:prstGeom prst="rect">
+            <a:avLst/>
+          </a:prstGeom>
+          <a:ln>
+            <a:headEnd type="none" w="med" len="med"/>
+            <a:tailEnd type="none" w="med" len="med"/>
+          </a:ln>
+        </p:spPr>
+        <p:style>
+          <a:lnRef idx="2">
+            <a:schemeClr val="accent1"/>
+          </a:lnRef>
+          <a:fillRef idx="1">
+            <a:schemeClr val="lt1"/>
+          </a:fillRef>
+          <a:effectRef idx="0">
+            <a:schemeClr val="accent1"/>
+          </a:effectRef>
+          <a:fontRef idx="minor">
+            <a:schemeClr val="dk1"/>
+          </a:fontRef>
+        </p:style>
+        <p:txBody>
+          <a:bodyPr vert="horz" wrap="none" lIns="90000" tIns="46800" rIns="90000" bIns="46800" numCol="1" rtlCol="0" anchor="ctr" anchorCtr="0" compatLnSpc="1">
+            <a:prstTxWarp prst="textNoShape">
+              <a:avLst/>
+            </a:prstTxWarp>
+          </a:bodyPr>
+          <a:lstStyle/>
+          <a:p>
+            <a:pPr marL="0" marR="0" indent="0" algn="ctr" defTabSz="914400" rtl="0" eaLnBrk="0" fontAlgn="base" latinLnBrk="0" hangingPunct="0">
+              <a:lnSpc>
+                <a:spcPct val="100000"/>
+              </a:lnSpc>
+              <a:spcBef>
+                <a:spcPct val="0"/>
+              </a:spcBef>
+              <a:spcAft>
+                <a:spcPct val="0"/>
+              </a:spcAft>
+              <a:buClrTx/>
+              <a:buSzTx/>
+              <a:buFontTx/>
+              <a:buNone/>
+              <a:tabLst/>
+            </a:pPr>
+            <a:endParaRPr kumimoji="0" lang="ko-KR" altLang="en-US" sz="1400" b="0" i="0" u="none" strike="noStrike" cap="none" normalizeH="0" baseline="0" dirty="0">
+              <a:ln>
+                <a:noFill/>
+              </a:ln>
+              <a:solidFill>
+                <a:schemeClr val="tx1"/>
+              </a:solidFill>
+              <a:effectLst/>
+              <a:latin typeface="맑은 고딕" pitchFamily="50" charset="-127"/>
+              <a:ea typeface="맑은 고딕" pitchFamily="50" charset="-127"/>
+            </a:endParaRPr>
+          </a:p>
+        </p:txBody>
+      </p:sp>
+      <p:sp>
+        <p:nvSpPr>
+          <p:cNvPr id="183" name="직사각형 182"/>
+          <p:cNvSpPr/>
+          <p:nvPr/>
+        </p:nvSpPr>
+        <p:spPr bwMode="auto">
+          <a:xfrm>
+            <a:off x="6884142" y="3569202"/>
+            <a:ext cx="788909" cy="334228"/>
+          </a:xfrm>
+          <a:prstGeom prst="rect">
+            <a:avLst/>
+          </a:prstGeom>
+          <a:ln>
+            <a:headEnd type="none" w="med" len="med"/>
+            <a:tailEnd type="none" w="med" len="med"/>
+          </a:ln>
+        </p:spPr>
+        <p:style>
+          <a:lnRef idx="2">
+            <a:schemeClr val="accent1"/>
+          </a:lnRef>
+          <a:fillRef idx="1">
+            <a:schemeClr val="lt1"/>
+          </a:fillRef>
+          <a:effectRef idx="0">
+            <a:schemeClr val="accent1"/>
+          </a:effectRef>
+          <a:fontRef idx="minor">
+            <a:schemeClr val="dk1"/>
+          </a:fontRef>
+        </p:style>
+        <p:txBody>
+          <a:bodyPr vert="horz" wrap="none" lIns="90000" tIns="46800" rIns="90000" bIns="46800" numCol="1" rtlCol="0" anchor="ctr" anchorCtr="0" compatLnSpc="1">
+            <a:prstTxWarp prst="textNoShape">
+              <a:avLst/>
+            </a:prstTxWarp>
+          </a:bodyPr>
+          <a:lstStyle/>
+          <a:p>
+            <a:pPr marL="0" marR="0" indent="0" algn="ctr" defTabSz="914400" rtl="0" eaLnBrk="0" fontAlgn="base" latinLnBrk="0" hangingPunct="0">
+              <a:lnSpc>
+                <a:spcPct val="100000"/>
+              </a:lnSpc>
+              <a:spcBef>
+                <a:spcPct val="0"/>
+              </a:spcBef>
+              <a:spcAft>
+                <a:spcPct val="0"/>
+              </a:spcAft>
+              <a:buClrTx/>
+              <a:buSzTx/>
+              <a:buFontTx/>
+              <a:buNone/>
+              <a:tabLst/>
+            </a:pPr>
+            <a:endParaRPr kumimoji="0" lang="ko-KR" altLang="en-US" sz="1400" b="0" i="0" u="none" strike="noStrike" cap="none" normalizeH="0" baseline="0" dirty="0">
+              <a:ln>
+                <a:noFill/>
+              </a:ln>
+              <a:solidFill>
+                <a:schemeClr val="tx1"/>
+              </a:solidFill>
+              <a:effectLst/>
+              <a:latin typeface="맑은 고딕" pitchFamily="50" charset="-127"/>
+              <a:ea typeface="맑은 고딕" pitchFamily="50" charset="-127"/>
+            </a:endParaRPr>
+          </a:p>
+        </p:txBody>
+      </p:sp>
+      <p:sp>
+        <p:nvSpPr>
+          <p:cNvPr id="126" name="TextBox 125"/>
+          <p:cNvSpPr txBox="1"/>
+          <p:nvPr/>
+        </p:nvSpPr>
+        <p:spPr>
+          <a:xfrm>
+            <a:off x="6898101" y="3152836"/>
+            <a:ext cx="1117114" cy="246221"/>
+          </a:xfrm>
+          <a:prstGeom prst="rect">
+            <a:avLst/>
+          </a:prstGeom>
+          <a:noFill/>
+        </p:spPr>
+        <p:txBody>
+          <a:bodyPr wrap="square" rtlCol="0">
+            <a:spAutoFit/>
+          </a:bodyPr>
+          <a:lstStyle/>
+          <a:p>
+            <a:r>
+              <a:rPr lang="ko-KR" altLang="en-US" sz="1000" dirty="0"/>
+              <a:t>과목 검색</a:t>
+            </a:r>
+          </a:p>
+        </p:txBody>
+      </p:sp>
+      <p:sp>
+        <p:nvSpPr>
+          <p:cNvPr id="192" name="TextBox 191"/>
+          <p:cNvSpPr txBox="1"/>
+          <p:nvPr/>
+        </p:nvSpPr>
+        <p:spPr>
+          <a:xfrm>
+            <a:off x="6923122" y="3612153"/>
+            <a:ext cx="1117114" cy="246221"/>
+          </a:xfrm>
+          <a:prstGeom prst="rect">
+            <a:avLst/>
+          </a:prstGeom>
+          <a:noFill/>
+        </p:spPr>
+        <p:txBody>
+          <a:bodyPr wrap="square" rtlCol="0">
+            <a:spAutoFit/>
+          </a:bodyPr>
+          <a:lstStyle/>
+          <a:p>
+            <a:r>
+              <a:rPr lang="ko-KR" altLang="en-US" sz="1000" dirty="0"/>
+              <a:t>할 일 검색</a:t>
+            </a:r>
+          </a:p>
+        </p:txBody>
+      </p:sp>
+      <p:cxnSp>
+        <p:nvCxnSpPr>
+          <p:cNvPr id="128" name="직선 연결선 127"/>
+          <p:cNvCxnSpPr>
+            <a:cxnSpLocks/>
+          </p:cNvCxnSpPr>
+          <p:nvPr/>
+        </p:nvCxnSpPr>
+        <p:spPr bwMode="auto">
+          <a:xfrm flipV="1">
+            <a:off x="913829" y="2388246"/>
+            <a:ext cx="7528723" cy="11232"/>
+          </a:xfrm>
+          <a:prstGeom prst="line">
+            <a:avLst/>
+          </a:prstGeom>
+          <a:solidFill>
+            <a:schemeClr val="accent1"/>
+          </a:solidFill>
+          <a:ln w="12700" cap="flat" cmpd="sng" algn="ctr">
+            <a:solidFill>
+              <a:schemeClr val="tx1"/>
+            </a:solidFill>
+            <a:prstDash val="solid"/>
+            <a:round/>
+            <a:headEnd type="none" w="med" len="med"/>
+            <a:tailEnd type="none" w="med" len="med"/>
+          </a:ln>
+          <a:effectLst/>
+        </p:spPr>
+      </p:cxnSp>
+      <p:cxnSp>
+        <p:nvCxnSpPr>
+          <p:cNvPr id="132" name="직선 연결선 131"/>
+          <p:cNvCxnSpPr>
+            <a:cxnSpLocks/>
+          </p:cNvCxnSpPr>
+          <p:nvPr/>
+        </p:nvCxnSpPr>
+        <p:spPr bwMode="auto">
+          <a:xfrm>
+            <a:off x="1035082" y="2401960"/>
+            <a:ext cx="0" cy="8100"/>
+          </a:xfrm>
+          <a:prstGeom prst="line">
+            <a:avLst/>
+          </a:prstGeom>
+          <a:solidFill>
+            <a:schemeClr val="accent1"/>
+          </a:solidFill>
+          <a:ln w="12700" cap="flat" cmpd="sng" algn="ctr">
+            <a:solidFill>
+              <a:schemeClr val="tx1"/>
+            </a:solidFill>
+            <a:prstDash val="solid"/>
+            <a:round/>
+            <a:headEnd type="none" w="med" len="med"/>
+            <a:tailEnd type="none" w="med" len="med"/>
+          </a:ln>
+          <a:effectLst/>
+        </p:spPr>
+      </p:cxnSp>
+      <p:cxnSp>
+        <p:nvCxnSpPr>
+          <p:cNvPr id="187" name="직선 연결선 186"/>
+          <p:cNvCxnSpPr>
+            <a:endCxn id="28" idx="0"/>
+          </p:cNvCxnSpPr>
+          <p:nvPr/>
+        </p:nvCxnSpPr>
+        <p:spPr bwMode="auto">
+          <a:xfrm>
+            <a:off x="7043737" y="2391044"/>
+            <a:ext cx="1" cy="133663"/>
+          </a:xfrm>
+          <a:prstGeom prst="line">
+            <a:avLst/>
+          </a:prstGeom>
+          <a:solidFill>
+            <a:schemeClr val="accent1"/>
+          </a:solidFill>
+          <a:ln w="12700" cap="flat" cmpd="sng" algn="ctr">
+            <a:solidFill>
+              <a:schemeClr val="tx1"/>
+            </a:solidFill>
+            <a:prstDash val="solid"/>
+            <a:round/>
+            <a:headEnd type="none" w="med" len="med"/>
+            <a:tailEnd type="none" w="med" len="med"/>
+          </a:ln>
+          <a:effectLst/>
+        </p:spPr>
+      </p:cxnSp>
+      <p:cxnSp>
+        <p:nvCxnSpPr>
+          <p:cNvPr id="189" name="직선 연결선 188"/>
+          <p:cNvCxnSpPr/>
+          <p:nvPr/>
+        </p:nvCxnSpPr>
+        <p:spPr bwMode="auto">
+          <a:xfrm>
+            <a:off x="5659846" y="2391044"/>
+            <a:ext cx="0" cy="170405"/>
+          </a:xfrm>
+          <a:prstGeom prst="line">
+            <a:avLst/>
+          </a:prstGeom>
+          <a:solidFill>
+            <a:schemeClr val="accent1"/>
+          </a:solidFill>
+          <a:ln w="12700" cap="flat" cmpd="sng" algn="ctr">
+            <a:solidFill>
+              <a:schemeClr val="tx1"/>
+            </a:solidFill>
+            <a:prstDash val="solid"/>
+            <a:round/>
+            <a:headEnd type="none" w="med" len="med"/>
+            <a:tailEnd type="none" w="med" len="med"/>
+          </a:ln>
+          <a:effectLst/>
+        </p:spPr>
+      </p:cxnSp>
+      <p:cxnSp>
+        <p:nvCxnSpPr>
+          <p:cNvPr id="204" name="직선 연결선 203"/>
+          <p:cNvCxnSpPr/>
+          <p:nvPr/>
+        </p:nvCxnSpPr>
+        <p:spPr bwMode="auto">
+          <a:xfrm>
+            <a:off x="347250" y="2924817"/>
+            <a:ext cx="1244122" cy="0"/>
+          </a:xfrm>
+          <a:prstGeom prst="line">
+            <a:avLst/>
+          </a:prstGeom>
+          <a:solidFill>
+            <a:schemeClr val="accent1"/>
+          </a:solidFill>
+          <a:ln w="12700" cap="flat" cmpd="sng" algn="ctr">
+            <a:solidFill>
+              <a:schemeClr val="tx1"/>
+            </a:solidFill>
+            <a:prstDash val="solid"/>
+            <a:round/>
+            <a:headEnd type="none" w="med" len="med"/>
+            <a:tailEnd type="none" w="med" len="med"/>
+          </a:ln>
+          <a:effectLst/>
+        </p:spPr>
+      </p:cxnSp>
+      <p:cxnSp>
+        <p:nvCxnSpPr>
+          <p:cNvPr id="244" name="직선 연결선 243"/>
+          <p:cNvCxnSpPr>
+            <a:cxnSpLocks/>
+          </p:cNvCxnSpPr>
+          <p:nvPr/>
+        </p:nvCxnSpPr>
+        <p:spPr bwMode="auto">
+          <a:xfrm>
+            <a:off x="2359419" y="2924817"/>
+            <a:ext cx="2515192" cy="16220"/>
+          </a:xfrm>
+          <a:prstGeom prst="line">
+            <a:avLst/>
+          </a:prstGeom>
+          <a:solidFill>
+            <a:schemeClr val="accent1"/>
+          </a:solidFill>
+          <a:ln w="12700" cap="flat" cmpd="sng" algn="ctr">
+            <a:solidFill>
+              <a:schemeClr val="tx1"/>
+            </a:solidFill>
+            <a:prstDash val="solid"/>
+            <a:round/>
+            <a:headEnd type="none" w="med" len="med"/>
+            <a:tailEnd type="none" w="med" len="med"/>
+          </a:ln>
+          <a:effectLst/>
+        </p:spPr>
+      </p:cxnSp>
     </p:spTree>
     <p:extLst>
       <p:ext uri="{BB962C8B-B14F-4D97-AF65-F5344CB8AC3E}">
-        <p14:creationId xmlns:p14="http://schemas.microsoft.com/office/powerpoint/2010/main" val="2711980953"/>
+        <p14:creationId xmlns:p14="http://schemas.microsoft.com/office/powerpoint/2010/main" val="3582729811"/>
       </p:ext>
     </p:extLst>
   </p:cSld>
@@ -3306,45 +7937,6 @@
       </p:sp>
       <p:sp>
         <p:nvSpPr>
-          <p:cNvPr id="3" name="내용 개체 틀 2"/>
-          <p:cNvSpPr>
-            <a:spLocks noGrp="1"/>
-          </p:cNvSpPr>
-          <p:nvPr>
-            <p:ph idx="1"/>
-          </p:nvPr>
-        </p:nvSpPr>
-        <p:spPr/>
-        <p:txBody>
-          <a:bodyPr/>
-          <a:lstStyle/>
-          <a:p>
-            <a:pPr marL="0" indent="0">
-              <a:buNone/>
-            </a:pPr>
-            <a:r>
-              <a:rPr lang="ko-KR" altLang="en-US" dirty="0" smtClean="0">
-                <a:latin typeface="맑은 고딕" pitchFamily="50" charset="-127"/>
-                <a:ea typeface="맑은 고딕" pitchFamily="50" charset="-127"/>
-              </a:rPr>
-              <a:t>예제</a:t>
-            </a:r>
-            <a:r>
-              <a:rPr lang="en-US" altLang="ko-KR" dirty="0" smtClean="0">
-                <a:latin typeface="맑은 고딕" pitchFamily="50" charset="-127"/>
-                <a:ea typeface="맑은 고딕" pitchFamily="50" charset="-127"/>
-              </a:rPr>
-              <a:t>) </a:t>
-            </a:r>
-            <a:endParaRPr lang="ko-KR" altLang="en-US" dirty="0">
-              <a:latin typeface="맑은 고딕" pitchFamily="50" charset="-127"/>
-              <a:ea typeface="맑은 고딕" pitchFamily="50" charset="-127"/>
-            </a:endParaRPr>
-          </a:p>
-        </p:txBody>
-      </p:sp>
-      <p:sp>
-        <p:nvSpPr>
           <p:cNvPr id="4" name="바닥글 개체 틀 3"/>
           <p:cNvSpPr>
             <a:spLocks noGrp="1"/>
@@ -3360,81 +7952,1803 @@
           <a:p>
             <a:pPr algn="r"/>
             <a:r>
-              <a:rPr lang="ko-KR" altLang="en-US" smtClean="0"/>
+              <a:rPr lang="ko-KR" altLang="en-US"/>
               <a:t>팀 명</a:t>
             </a:r>
             <a:endParaRPr lang="en-US" altLang="ko-KR" dirty="0"/>
           </a:p>
         </p:txBody>
       </p:sp>
-      <p:pic>
-        <p:nvPicPr>
-          <p:cNvPr id="20" name="Picture 2"/>
-          <p:cNvPicPr>
-            <a:picLocks noChangeAspect="1" noChangeArrowheads="1"/>
-          </p:cNvPicPr>
+      <p:sp>
+        <p:nvSpPr>
+          <p:cNvPr id="28" name="직사각형 27"/>
+          <p:cNvSpPr/>
           <p:nvPr/>
-        </p:nvPicPr>
-        <p:blipFill>
-          <a:blip r:embed="rId2">
-            <a:extLst>
-              <a:ext uri="{28A0092B-C50C-407E-A947-70E740481C1C}">
-                <a14:useLocalDpi xmlns:a14="http://schemas.microsoft.com/office/drawing/2010/main" val="0"/>
-              </a:ext>
-            </a:extLst>
-          </a:blip>
-          <a:srcRect/>
-          <a:stretch>
-            <a:fillRect/>
-          </a:stretch>
-        </p:blipFill>
+        </p:nvSpPr>
         <p:spPr bwMode="auto">
           <a:xfrm>
-            <a:off x="1212850" y="1310215"/>
-            <a:ext cx="6718300" cy="4949825"/>
+            <a:off x="3724273" y="1170694"/>
+            <a:ext cx="823913" cy="476837"/>
           </a:xfrm>
           <a:prstGeom prst="rect">
             <a:avLst/>
           </a:prstGeom>
-          <a:noFill/>
+          <a:solidFill>
+            <a:srgbClr val="00B0AC">
+              <a:alpha val="58824"/>
+            </a:srgbClr>
+          </a:solidFill>
           <a:ln>
             <a:noFill/>
+            <a:headEnd type="none" w="med" len="med"/>
+            <a:tailEnd type="none" w="med" len="med"/>
+          </a:ln>
+        </p:spPr>
+        <p:style>
+          <a:lnRef idx="2">
+            <a:schemeClr val="accent1"/>
+          </a:lnRef>
+          <a:fillRef idx="1">
+            <a:schemeClr val="lt1"/>
+          </a:fillRef>
+          <a:effectRef idx="0">
+            <a:schemeClr val="accent1"/>
+          </a:effectRef>
+          <a:fontRef idx="minor">
+            <a:schemeClr val="dk1"/>
+          </a:fontRef>
+        </p:style>
+        <p:txBody>
+          <a:bodyPr vert="horz" wrap="none" lIns="90000" tIns="46800" rIns="90000" bIns="46800" numCol="1" rtlCol="0" anchor="ctr" anchorCtr="0" compatLnSpc="1">
+            <a:prstTxWarp prst="textNoShape">
+              <a:avLst/>
+            </a:prstTxWarp>
+          </a:bodyPr>
+          <a:lstStyle/>
+          <a:p>
+            <a:pPr marL="0" marR="0" indent="0" algn="ctr" defTabSz="914400" rtl="0" eaLnBrk="0" fontAlgn="base" latinLnBrk="0" hangingPunct="0">
+              <a:lnSpc>
+                <a:spcPct val="100000"/>
+              </a:lnSpc>
+              <a:spcBef>
+                <a:spcPct val="0"/>
+              </a:spcBef>
+              <a:spcAft>
+                <a:spcPct val="0"/>
+              </a:spcAft>
+              <a:buClrTx/>
+              <a:buSzTx/>
+              <a:buFontTx/>
+              <a:buNone/>
+              <a:tabLst/>
+            </a:pPr>
+            <a:endParaRPr kumimoji="0" lang="ko-KR" altLang="en-US" sz="1400" b="0" i="0" u="none" strike="noStrike" cap="none" normalizeH="0" baseline="0" dirty="0">
+              <a:ln>
+                <a:noFill/>
+              </a:ln>
+              <a:solidFill>
+                <a:schemeClr val="tx1"/>
+              </a:solidFill>
+              <a:effectLst/>
+              <a:latin typeface="맑은 고딕" pitchFamily="50" charset="-127"/>
+              <a:ea typeface="맑은 고딕" pitchFamily="50" charset="-127"/>
+            </a:endParaRPr>
+          </a:p>
+        </p:txBody>
+      </p:sp>
+      <p:sp>
+        <p:nvSpPr>
+          <p:cNvPr id="33" name="직사각형 32"/>
+          <p:cNvSpPr/>
+          <p:nvPr/>
+        </p:nvSpPr>
+        <p:spPr bwMode="auto">
+          <a:xfrm>
+            <a:off x="3738562" y="1819566"/>
+            <a:ext cx="823913" cy="476837"/>
+          </a:xfrm>
+          <a:prstGeom prst="rect">
+            <a:avLst/>
+          </a:prstGeom>
+          <a:solidFill>
+            <a:srgbClr val="00B0AC">
+              <a:alpha val="58824"/>
+            </a:srgbClr>
+          </a:solidFill>
+          <a:ln>
+            <a:noFill/>
+            <a:headEnd type="none" w="med" len="med"/>
+            <a:tailEnd type="none" w="med" len="med"/>
+          </a:ln>
+        </p:spPr>
+        <p:style>
+          <a:lnRef idx="2">
+            <a:schemeClr val="accent1"/>
+          </a:lnRef>
+          <a:fillRef idx="1">
+            <a:schemeClr val="lt1"/>
+          </a:fillRef>
+          <a:effectRef idx="0">
+            <a:schemeClr val="accent1"/>
+          </a:effectRef>
+          <a:fontRef idx="minor">
+            <a:schemeClr val="dk1"/>
+          </a:fontRef>
+        </p:style>
+        <p:txBody>
+          <a:bodyPr vert="horz" wrap="none" lIns="90000" tIns="46800" rIns="90000" bIns="46800" numCol="1" rtlCol="0" anchor="ctr" anchorCtr="0" compatLnSpc="1">
+            <a:prstTxWarp prst="textNoShape">
+              <a:avLst/>
+            </a:prstTxWarp>
+          </a:bodyPr>
+          <a:lstStyle/>
+          <a:p>
+            <a:pPr marL="0" marR="0" indent="0" algn="ctr" defTabSz="914400" rtl="0" eaLnBrk="0" fontAlgn="base" latinLnBrk="0" hangingPunct="0">
+              <a:lnSpc>
+                <a:spcPct val="100000"/>
+              </a:lnSpc>
+              <a:spcBef>
+                <a:spcPct val="0"/>
+              </a:spcBef>
+              <a:spcAft>
+                <a:spcPct val="0"/>
+              </a:spcAft>
+              <a:buClrTx/>
+              <a:buSzTx/>
+              <a:buFontTx/>
+              <a:buNone/>
+              <a:tabLst/>
+            </a:pPr>
+            <a:endParaRPr kumimoji="0" lang="ko-KR" altLang="en-US" sz="1400" b="0" i="0" u="none" strike="noStrike" cap="none" normalizeH="0" baseline="0" dirty="0">
+              <a:ln>
+                <a:noFill/>
+              </a:ln>
+              <a:solidFill>
+                <a:schemeClr val="tx1"/>
+              </a:solidFill>
+              <a:effectLst/>
+              <a:latin typeface="맑은 고딕" pitchFamily="50" charset="-127"/>
+              <a:ea typeface="맑은 고딕" pitchFamily="50" charset="-127"/>
+            </a:endParaRPr>
+          </a:p>
+        </p:txBody>
+      </p:sp>
+      <p:sp>
+        <p:nvSpPr>
+          <p:cNvPr id="34" name="직사각형 33"/>
+          <p:cNvSpPr/>
+          <p:nvPr/>
+        </p:nvSpPr>
+        <p:spPr bwMode="auto">
+          <a:xfrm>
+            <a:off x="2000839" y="2652602"/>
+            <a:ext cx="823913" cy="476837"/>
+          </a:xfrm>
+          <a:prstGeom prst="rect">
+            <a:avLst/>
+          </a:prstGeom>
+          <a:solidFill>
+            <a:srgbClr val="00B0AC">
+              <a:alpha val="58824"/>
+            </a:srgbClr>
+          </a:solidFill>
+          <a:ln>
+            <a:noFill/>
+            <a:headEnd type="none" w="med" len="med"/>
+            <a:tailEnd type="none" w="med" len="med"/>
+          </a:ln>
+        </p:spPr>
+        <p:style>
+          <a:lnRef idx="2">
+            <a:schemeClr val="accent1"/>
+          </a:lnRef>
+          <a:fillRef idx="1">
+            <a:schemeClr val="lt1"/>
+          </a:fillRef>
+          <a:effectRef idx="0">
+            <a:schemeClr val="accent1"/>
+          </a:effectRef>
+          <a:fontRef idx="minor">
+            <a:schemeClr val="dk1"/>
+          </a:fontRef>
+        </p:style>
+        <p:txBody>
+          <a:bodyPr vert="horz" wrap="none" lIns="90000" tIns="46800" rIns="90000" bIns="46800" numCol="1" rtlCol="0" anchor="ctr" anchorCtr="0" compatLnSpc="1">
+            <a:prstTxWarp prst="textNoShape">
+              <a:avLst/>
+            </a:prstTxWarp>
+          </a:bodyPr>
+          <a:lstStyle/>
+          <a:p>
+            <a:pPr marL="0" marR="0" indent="0" algn="ctr" defTabSz="914400" rtl="0" eaLnBrk="0" fontAlgn="base" latinLnBrk="0" hangingPunct="0">
+              <a:lnSpc>
+                <a:spcPct val="100000"/>
+              </a:lnSpc>
+              <a:spcBef>
+                <a:spcPct val="0"/>
+              </a:spcBef>
+              <a:spcAft>
+                <a:spcPct val="0"/>
+              </a:spcAft>
+              <a:buClrTx/>
+              <a:buSzTx/>
+              <a:buFontTx/>
+              <a:buNone/>
+              <a:tabLst/>
+            </a:pPr>
+            <a:endParaRPr kumimoji="0" lang="ko-KR" altLang="en-US" sz="1400" b="0" i="0" u="none" strike="noStrike" cap="none" normalizeH="0" baseline="0" dirty="0">
+              <a:ln>
+                <a:noFill/>
+              </a:ln>
+              <a:solidFill>
+                <a:schemeClr val="tx1"/>
+              </a:solidFill>
+              <a:effectLst/>
+              <a:latin typeface="맑은 고딕" pitchFamily="50" charset="-127"/>
+              <a:ea typeface="맑은 고딕" pitchFamily="50" charset="-127"/>
+            </a:endParaRPr>
+          </a:p>
+        </p:txBody>
+      </p:sp>
+      <p:sp>
+        <p:nvSpPr>
+          <p:cNvPr id="35" name="직사각형 34"/>
+          <p:cNvSpPr/>
+          <p:nvPr/>
+        </p:nvSpPr>
+        <p:spPr bwMode="auto">
+          <a:xfrm>
+            <a:off x="2978943" y="2637833"/>
+            <a:ext cx="823913" cy="476837"/>
+          </a:xfrm>
+          <a:prstGeom prst="rect">
+            <a:avLst/>
+          </a:prstGeom>
+          <a:solidFill>
+            <a:srgbClr val="00B0AC">
+              <a:alpha val="58824"/>
+            </a:srgbClr>
+          </a:solidFill>
+          <a:ln>
+            <a:noFill/>
+            <a:headEnd type="none" w="med" len="med"/>
+            <a:tailEnd type="none" w="med" len="med"/>
+          </a:ln>
+        </p:spPr>
+        <p:style>
+          <a:lnRef idx="2">
+            <a:schemeClr val="accent1"/>
+          </a:lnRef>
+          <a:fillRef idx="1">
+            <a:schemeClr val="lt1"/>
+          </a:fillRef>
+          <a:effectRef idx="0">
+            <a:schemeClr val="accent1"/>
+          </a:effectRef>
+          <a:fontRef idx="minor">
+            <a:schemeClr val="dk1"/>
+          </a:fontRef>
+        </p:style>
+        <p:txBody>
+          <a:bodyPr vert="horz" wrap="none" lIns="90000" tIns="46800" rIns="90000" bIns="46800" numCol="1" rtlCol="0" anchor="ctr" anchorCtr="0" compatLnSpc="1">
+            <a:prstTxWarp prst="textNoShape">
+              <a:avLst/>
+            </a:prstTxWarp>
+          </a:bodyPr>
+          <a:lstStyle/>
+          <a:p>
+            <a:pPr marL="0" marR="0" indent="0" algn="ctr" defTabSz="914400" rtl="0" eaLnBrk="0" fontAlgn="base" latinLnBrk="0" hangingPunct="0">
+              <a:lnSpc>
+                <a:spcPct val="100000"/>
+              </a:lnSpc>
+              <a:spcBef>
+                <a:spcPct val="0"/>
+              </a:spcBef>
+              <a:spcAft>
+                <a:spcPct val="0"/>
+              </a:spcAft>
+              <a:buClrTx/>
+              <a:buSzTx/>
+              <a:buFontTx/>
+              <a:buNone/>
+              <a:tabLst/>
+            </a:pPr>
+            <a:endParaRPr kumimoji="0" lang="ko-KR" altLang="en-US" sz="1400" b="0" i="0" u="none" strike="noStrike" cap="none" normalizeH="0" baseline="0" dirty="0">
+              <a:ln>
+                <a:noFill/>
+              </a:ln>
+              <a:solidFill>
+                <a:schemeClr val="tx1"/>
+              </a:solidFill>
+              <a:effectLst/>
+              <a:latin typeface="맑은 고딕" pitchFamily="50" charset="-127"/>
+              <a:ea typeface="맑은 고딕" pitchFamily="50" charset="-127"/>
+            </a:endParaRPr>
+          </a:p>
+        </p:txBody>
+      </p:sp>
+      <p:sp>
+        <p:nvSpPr>
+          <p:cNvPr id="36" name="직사각형 35"/>
+          <p:cNvSpPr/>
+          <p:nvPr/>
+        </p:nvSpPr>
+        <p:spPr bwMode="auto">
+          <a:xfrm>
+            <a:off x="4562475" y="2637838"/>
+            <a:ext cx="823913" cy="476837"/>
+          </a:xfrm>
+          <a:prstGeom prst="rect">
+            <a:avLst/>
+          </a:prstGeom>
+          <a:solidFill>
+            <a:srgbClr val="00B0AC">
+              <a:alpha val="58824"/>
+            </a:srgbClr>
+          </a:solidFill>
+          <a:ln>
+            <a:noFill/>
+            <a:headEnd type="none" w="med" len="med"/>
+            <a:tailEnd type="none" w="med" len="med"/>
+          </a:ln>
+        </p:spPr>
+        <p:style>
+          <a:lnRef idx="2">
+            <a:schemeClr val="accent1"/>
+          </a:lnRef>
+          <a:fillRef idx="1">
+            <a:schemeClr val="lt1"/>
+          </a:fillRef>
+          <a:effectRef idx="0">
+            <a:schemeClr val="accent1"/>
+          </a:effectRef>
+          <a:fontRef idx="minor">
+            <a:schemeClr val="dk1"/>
+          </a:fontRef>
+        </p:style>
+        <p:txBody>
+          <a:bodyPr vert="horz" wrap="none" lIns="90000" tIns="46800" rIns="90000" bIns="46800" numCol="1" rtlCol="0" anchor="ctr" anchorCtr="0" compatLnSpc="1">
+            <a:prstTxWarp prst="textNoShape">
+              <a:avLst/>
+            </a:prstTxWarp>
+          </a:bodyPr>
+          <a:lstStyle/>
+          <a:p>
+            <a:pPr marL="0" marR="0" indent="0" algn="ctr" defTabSz="914400" rtl="0" eaLnBrk="0" fontAlgn="base" latinLnBrk="0" hangingPunct="0">
+              <a:lnSpc>
+                <a:spcPct val="100000"/>
+              </a:lnSpc>
+              <a:spcBef>
+                <a:spcPct val="0"/>
+              </a:spcBef>
+              <a:spcAft>
+                <a:spcPct val="0"/>
+              </a:spcAft>
+              <a:buClrTx/>
+              <a:buSzTx/>
+              <a:buFontTx/>
+              <a:buNone/>
+              <a:tabLst/>
+            </a:pPr>
+            <a:endParaRPr kumimoji="0" lang="ko-KR" altLang="en-US" sz="1400" b="0" i="0" u="none" strike="noStrike" cap="none" normalizeH="0" baseline="0" dirty="0">
+              <a:ln>
+                <a:noFill/>
+              </a:ln>
+              <a:solidFill>
+                <a:schemeClr val="tx1"/>
+              </a:solidFill>
+              <a:effectLst/>
+              <a:latin typeface="맑은 고딕" pitchFamily="50" charset="-127"/>
+              <a:ea typeface="맑은 고딕" pitchFamily="50" charset="-127"/>
+            </a:endParaRPr>
+          </a:p>
+        </p:txBody>
+      </p:sp>
+      <p:sp>
+        <p:nvSpPr>
+          <p:cNvPr id="37" name="직사각형 36"/>
+          <p:cNvSpPr/>
+          <p:nvPr/>
+        </p:nvSpPr>
+        <p:spPr bwMode="auto">
+          <a:xfrm>
+            <a:off x="6324598" y="2637532"/>
+            <a:ext cx="823913" cy="476837"/>
+          </a:xfrm>
+          <a:prstGeom prst="rect">
+            <a:avLst/>
+          </a:prstGeom>
+          <a:solidFill>
+            <a:srgbClr val="00B0AC">
+              <a:alpha val="58824"/>
+            </a:srgbClr>
+          </a:solidFill>
+          <a:ln>
+            <a:noFill/>
+            <a:headEnd type="none" w="med" len="med"/>
+            <a:tailEnd type="none" w="med" len="med"/>
+          </a:ln>
+        </p:spPr>
+        <p:style>
+          <a:lnRef idx="2">
+            <a:schemeClr val="accent1"/>
+          </a:lnRef>
+          <a:fillRef idx="1">
+            <a:schemeClr val="lt1"/>
+          </a:fillRef>
+          <a:effectRef idx="0">
+            <a:schemeClr val="accent1"/>
+          </a:effectRef>
+          <a:fontRef idx="minor">
+            <a:schemeClr val="dk1"/>
+          </a:fontRef>
+        </p:style>
+        <p:txBody>
+          <a:bodyPr vert="horz" wrap="none" lIns="90000" tIns="46800" rIns="90000" bIns="46800" numCol="1" rtlCol="0" anchor="ctr" anchorCtr="0" compatLnSpc="1">
+            <a:prstTxWarp prst="textNoShape">
+              <a:avLst/>
+            </a:prstTxWarp>
+          </a:bodyPr>
+          <a:lstStyle/>
+          <a:p>
+            <a:pPr marL="0" marR="0" indent="0" algn="ctr" defTabSz="914400" rtl="0" eaLnBrk="0" fontAlgn="base" latinLnBrk="0" hangingPunct="0">
+              <a:lnSpc>
+                <a:spcPct val="100000"/>
+              </a:lnSpc>
+              <a:spcBef>
+                <a:spcPct val="0"/>
+              </a:spcBef>
+              <a:spcAft>
+                <a:spcPct val="0"/>
+              </a:spcAft>
+              <a:buClrTx/>
+              <a:buSzTx/>
+              <a:buFontTx/>
+              <a:buNone/>
+              <a:tabLst/>
+            </a:pPr>
+            <a:endParaRPr kumimoji="0" lang="ko-KR" altLang="en-US" sz="1400" b="0" i="0" u="none" strike="noStrike" cap="none" normalizeH="0" baseline="0" dirty="0">
+              <a:ln>
+                <a:noFill/>
+              </a:ln>
+              <a:solidFill>
+                <a:schemeClr val="tx1"/>
+              </a:solidFill>
+              <a:effectLst/>
+              <a:latin typeface="맑은 고딕" pitchFamily="50" charset="-127"/>
+              <a:ea typeface="맑은 고딕" pitchFamily="50" charset="-127"/>
+            </a:endParaRPr>
+          </a:p>
+        </p:txBody>
+      </p:sp>
+      <p:sp>
+        <p:nvSpPr>
+          <p:cNvPr id="38" name="직사각형 37"/>
+          <p:cNvSpPr/>
+          <p:nvPr/>
+        </p:nvSpPr>
+        <p:spPr bwMode="auto">
+          <a:xfrm>
+            <a:off x="5329235" y="3446737"/>
+            <a:ext cx="823913" cy="476837"/>
+          </a:xfrm>
+          <a:prstGeom prst="rect">
+            <a:avLst/>
+          </a:prstGeom>
+          <a:solidFill>
+            <a:srgbClr val="00B0AC">
+              <a:alpha val="58824"/>
+            </a:srgbClr>
+          </a:solidFill>
+          <a:ln>
+            <a:noFill/>
+            <a:headEnd type="none" w="med" len="med"/>
+            <a:tailEnd type="none" w="med" len="med"/>
+          </a:ln>
+        </p:spPr>
+        <p:style>
+          <a:lnRef idx="2">
+            <a:schemeClr val="accent1"/>
+          </a:lnRef>
+          <a:fillRef idx="1">
+            <a:schemeClr val="lt1"/>
+          </a:fillRef>
+          <a:effectRef idx="0">
+            <a:schemeClr val="accent1"/>
+          </a:effectRef>
+          <a:fontRef idx="minor">
+            <a:schemeClr val="dk1"/>
+          </a:fontRef>
+        </p:style>
+        <p:txBody>
+          <a:bodyPr vert="horz" wrap="none" lIns="90000" tIns="46800" rIns="90000" bIns="46800" numCol="1" rtlCol="0" anchor="ctr" anchorCtr="0" compatLnSpc="1">
+            <a:prstTxWarp prst="textNoShape">
+              <a:avLst/>
+            </a:prstTxWarp>
+          </a:bodyPr>
+          <a:lstStyle/>
+          <a:p>
+            <a:pPr marL="0" marR="0" indent="0" algn="ctr" defTabSz="914400" rtl="0" eaLnBrk="0" fontAlgn="base" latinLnBrk="0" hangingPunct="0">
+              <a:lnSpc>
+                <a:spcPct val="100000"/>
+              </a:lnSpc>
+              <a:spcBef>
+                <a:spcPct val="0"/>
+              </a:spcBef>
+              <a:spcAft>
+                <a:spcPct val="0"/>
+              </a:spcAft>
+              <a:buClrTx/>
+              <a:buSzTx/>
+              <a:buFontTx/>
+              <a:buNone/>
+              <a:tabLst/>
+            </a:pPr>
+            <a:endParaRPr kumimoji="0" lang="ko-KR" altLang="en-US" sz="1400" b="0" i="0" u="none" strike="noStrike" cap="none" normalizeH="0" baseline="0" dirty="0">
+              <a:ln>
+                <a:noFill/>
+              </a:ln>
+              <a:solidFill>
+                <a:schemeClr val="tx1"/>
+              </a:solidFill>
+              <a:effectLst/>
+              <a:latin typeface="맑은 고딕" pitchFamily="50" charset="-127"/>
+              <a:ea typeface="맑은 고딕" pitchFamily="50" charset="-127"/>
+            </a:endParaRPr>
+          </a:p>
+        </p:txBody>
+      </p:sp>
+      <p:sp>
+        <p:nvSpPr>
+          <p:cNvPr id="39" name="직사각형 38"/>
+          <p:cNvSpPr/>
+          <p:nvPr/>
+        </p:nvSpPr>
+        <p:spPr bwMode="auto">
+          <a:xfrm>
+            <a:off x="6324599" y="3446736"/>
+            <a:ext cx="823913" cy="476837"/>
+          </a:xfrm>
+          <a:prstGeom prst="rect">
+            <a:avLst/>
+          </a:prstGeom>
+          <a:solidFill>
+            <a:srgbClr val="00B0AC">
+              <a:alpha val="58824"/>
+            </a:srgbClr>
+          </a:solidFill>
+          <a:ln>
+            <a:noFill/>
+            <a:headEnd type="none" w="med" len="med"/>
+            <a:tailEnd type="none" w="med" len="med"/>
+          </a:ln>
+        </p:spPr>
+        <p:style>
+          <a:lnRef idx="2">
+            <a:schemeClr val="accent1"/>
+          </a:lnRef>
+          <a:fillRef idx="1">
+            <a:schemeClr val="lt1"/>
+          </a:fillRef>
+          <a:effectRef idx="0">
+            <a:schemeClr val="accent1"/>
+          </a:effectRef>
+          <a:fontRef idx="minor">
+            <a:schemeClr val="dk1"/>
+          </a:fontRef>
+        </p:style>
+        <p:txBody>
+          <a:bodyPr vert="horz" wrap="none" lIns="90000" tIns="46800" rIns="90000" bIns="46800" numCol="1" rtlCol="0" anchor="ctr" anchorCtr="0" compatLnSpc="1">
+            <a:prstTxWarp prst="textNoShape">
+              <a:avLst/>
+            </a:prstTxWarp>
+          </a:bodyPr>
+          <a:lstStyle/>
+          <a:p>
+            <a:pPr marL="0" marR="0" indent="0" algn="ctr" defTabSz="914400" rtl="0" eaLnBrk="0" fontAlgn="base" latinLnBrk="0" hangingPunct="0">
+              <a:lnSpc>
+                <a:spcPct val="100000"/>
+              </a:lnSpc>
+              <a:spcBef>
+                <a:spcPct val="0"/>
+              </a:spcBef>
+              <a:spcAft>
+                <a:spcPct val="0"/>
+              </a:spcAft>
+              <a:buClrTx/>
+              <a:buSzTx/>
+              <a:buFontTx/>
+              <a:buNone/>
+              <a:tabLst/>
+            </a:pPr>
+            <a:endParaRPr kumimoji="0" lang="ko-KR" altLang="en-US" sz="1400" b="0" i="0" u="none" strike="noStrike" cap="none" normalizeH="0" baseline="0" dirty="0">
+              <a:ln>
+                <a:noFill/>
+              </a:ln>
+              <a:solidFill>
+                <a:schemeClr val="tx1"/>
+              </a:solidFill>
+              <a:effectLst/>
+              <a:latin typeface="맑은 고딕" pitchFamily="50" charset="-127"/>
+              <a:ea typeface="맑은 고딕" pitchFamily="50" charset="-127"/>
+            </a:endParaRPr>
+          </a:p>
+        </p:txBody>
+      </p:sp>
+      <p:sp>
+        <p:nvSpPr>
+          <p:cNvPr id="40" name="직사각형 39"/>
+          <p:cNvSpPr/>
+          <p:nvPr/>
+        </p:nvSpPr>
+        <p:spPr bwMode="auto">
+          <a:xfrm>
+            <a:off x="7319963" y="3446737"/>
+            <a:ext cx="823913" cy="476837"/>
+          </a:xfrm>
+          <a:prstGeom prst="rect">
+            <a:avLst/>
+          </a:prstGeom>
+          <a:solidFill>
+            <a:srgbClr val="00B0AC">
+              <a:alpha val="58824"/>
+            </a:srgbClr>
+          </a:solidFill>
+          <a:ln>
+            <a:noFill/>
+            <a:headEnd type="none" w="med" len="med"/>
+            <a:tailEnd type="none" w="med" len="med"/>
+          </a:ln>
+        </p:spPr>
+        <p:style>
+          <a:lnRef idx="2">
+            <a:schemeClr val="accent1"/>
+          </a:lnRef>
+          <a:fillRef idx="1">
+            <a:schemeClr val="lt1"/>
+          </a:fillRef>
+          <a:effectRef idx="0">
+            <a:schemeClr val="accent1"/>
+          </a:effectRef>
+          <a:fontRef idx="minor">
+            <a:schemeClr val="dk1"/>
+          </a:fontRef>
+        </p:style>
+        <p:txBody>
+          <a:bodyPr vert="horz" wrap="none" lIns="90000" tIns="46800" rIns="90000" bIns="46800" numCol="1" rtlCol="0" anchor="ctr" anchorCtr="0" compatLnSpc="1">
+            <a:prstTxWarp prst="textNoShape">
+              <a:avLst/>
+            </a:prstTxWarp>
+          </a:bodyPr>
+          <a:lstStyle/>
+          <a:p>
+            <a:pPr marL="0" marR="0" indent="0" algn="ctr" defTabSz="914400" rtl="0" eaLnBrk="0" fontAlgn="base" latinLnBrk="0" hangingPunct="0">
+              <a:lnSpc>
+                <a:spcPct val="100000"/>
+              </a:lnSpc>
+              <a:spcBef>
+                <a:spcPct val="0"/>
+              </a:spcBef>
+              <a:spcAft>
+                <a:spcPct val="0"/>
+              </a:spcAft>
+              <a:buClrTx/>
+              <a:buSzTx/>
+              <a:buFontTx/>
+              <a:buNone/>
+              <a:tabLst/>
+            </a:pPr>
+            <a:endParaRPr kumimoji="0" lang="ko-KR" altLang="en-US" sz="1400" b="0" i="0" u="none" strike="noStrike" cap="none" normalizeH="0" baseline="0" dirty="0">
+              <a:ln>
+                <a:noFill/>
+              </a:ln>
+              <a:solidFill>
+                <a:schemeClr val="tx1"/>
+              </a:solidFill>
+              <a:effectLst/>
+              <a:latin typeface="맑은 고딕" pitchFamily="50" charset="-127"/>
+              <a:ea typeface="맑은 고딕" pitchFamily="50" charset="-127"/>
+            </a:endParaRPr>
+          </a:p>
+        </p:txBody>
+      </p:sp>
+      <p:sp>
+        <p:nvSpPr>
+          <p:cNvPr id="41" name="직사각형 40"/>
+          <p:cNvSpPr/>
+          <p:nvPr/>
+        </p:nvSpPr>
+        <p:spPr bwMode="auto">
+          <a:xfrm>
+            <a:off x="5649788" y="4201879"/>
+            <a:ext cx="823913" cy="476837"/>
+          </a:xfrm>
+          <a:prstGeom prst="rect">
+            <a:avLst/>
+          </a:prstGeom>
+          <a:solidFill>
+            <a:srgbClr val="00B0AC">
+              <a:alpha val="58824"/>
+            </a:srgbClr>
+          </a:solidFill>
+          <a:ln>
+            <a:noFill/>
+            <a:headEnd type="none" w="med" len="med"/>
+            <a:tailEnd type="none" w="med" len="med"/>
+          </a:ln>
+        </p:spPr>
+        <p:style>
+          <a:lnRef idx="2">
+            <a:schemeClr val="accent1"/>
+          </a:lnRef>
+          <a:fillRef idx="1">
+            <a:schemeClr val="lt1"/>
+          </a:fillRef>
+          <a:effectRef idx="0">
+            <a:schemeClr val="accent1"/>
+          </a:effectRef>
+          <a:fontRef idx="minor">
+            <a:schemeClr val="dk1"/>
+          </a:fontRef>
+        </p:style>
+        <p:txBody>
+          <a:bodyPr vert="horz" wrap="none" lIns="90000" tIns="46800" rIns="90000" bIns="46800" numCol="1" rtlCol="0" anchor="ctr" anchorCtr="0" compatLnSpc="1">
+            <a:prstTxWarp prst="textNoShape">
+              <a:avLst/>
+            </a:prstTxWarp>
+          </a:bodyPr>
+          <a:lstStyle/>
+          <a:p>
+            <a:pPr marL="0" marR="0" indent="0" algn="ctr" defTabSz="914400" rtl="0" eaLnBrk="0" fontAlgn="base" latinLnBrk="0" hangingPunct="0">
+              <a:lnSpc>
+                <a:spcPct val="100000"/>
+              </a:lnSpc>
+              <a:spcBef>
+                <a:spcPct val="0"/>
+              </a:spcBef>
+              <a:spcAft>
+                <a:spcPct val="0"/>
+              </a:spcAft>
+              <a:buClrTx/>
+              <a:buSzTx/>
+              <a:buFontTx/>
+              <a:buNone/>
+              <a:tabLst/>
+            </a:pPr>
+            <a:endParaRPr kumimoji="0" lang="ko-KR" altLang="en-US" sz="1400" b="0" i="0" u="none" strike="noStrike" cap="none" normalizeH="0" baseline="0" dirty="0">
+              <a:ln>
+                <a:noFill/>
+              </a:ln>
+              <a:solidFill>
+                <a:schemeClr val="tx1"/>
+              </a:solidFill>
+              <a:effectLst/>
+              <a:latin typeface="맑은 고딕" pitchFamily="50" charset="-127"/>
+              <a:ea typeface="맑은 고딕" pitchFamily="50" charset="-127"/>
+            </a:endParaRPr>
+          </a:p>
+        </p:txBody>
+      </p:sp>
+      <p:sp>
+        <p:nvSpPr>
+          <p:cNvPr id="42" name="직사각형 41"/>
+          <p:cNvSpPr/>
+          <p:nvPr/>
+        </p:nvSpPr>
+        <p:spPr bwMode="auto">
+          <a:xfrm>
+            <a:off x="127387" y="3923573"/>
+            <a:ext cx="823913" cy="476837"/>
+          </a:xfrm>
+          <a:prstGeom prst="rect">
+            <a:avLst/>
+          </a:prstGeom>
+          <a:solidFill>
+            <a:srgbClr val="00B0AC">
+              <a:alpha val="58824"/>
+            </a:srgbClr>
+          </a:solidFill>
+          <a:ln>
+            <a:noFill/>
+            <a:headEnd type="none" w="med" len="med"/>
+            <a:tailEnd type="none" w="med" len="med"/>
+          </a:ln>
+        </p:spPr>
+        <p:style>
+          <a:lnRef idx="2">
+            <a:schemeClr val="accent1"/>
+          </a:lnRef>
+          <a:fillRef idx="1">
+            <a:schemeClr val="lt1"/>
+          </a:fillRef>
+          <a:effectRef idx="0">
+            <a:schemeClr val="accent1"/>
+          </a:effectRef>
+          <a:fontRef idx="minor">
+            <a:schemeClr val="dk1"/>
+          </a:fontRef>
+        </p:style>
+        <p:txBody>
+          <a:bodyPr vert="horz" wrap="none" lIns="90000" tIns="46800" rIns="90000" bIns="46800" numCol="1" rtlCol="0" anchor="ctr" anchorCtr="0" compatLnSpc="1">
+            <a:prstTxWarp prst="textNoShape">
+              <a:avLst/>
+            </a:prstTxWarp>
+          </a:bodyPr>
+          <a:lstStyle/>
+          <a:p>
+            <a:pPr marL="0" marR="0" indent="0" algn="ctr" defTabSz="914400" rtl="0" eaLnBrk="0" fontAlgn="base" latinLnBrk="0" hangingPunct="0">
+              <a:lnSpc>
+                <a:spcPct val="100000"/>
+              </a:lnSpc>
+              <a:spcBef>
+                <a:spcPct val="0"/>
+              </a:spcBef>
+              <a:spcAft>
+                <a:spcPct val="0"/>
+              </a:spcAft>
+              <a:buClrTx/>
+              <a:buSzTx/>
+              <a:buFontTx/>
+              <a:buNone/>
+              <a:tabLst/>
+            </a:pPr>
+            <a:endParaRPr kumimoji="0" lang="ko-KR" altLang="en-US" sz="1400" b="0" i="0" u="none" strike="noStrike" cap="none" normalizeH="0" baseline="0" dirty="0">
+              <a:ln>
+                <a:noFill/>
+              </a:ln>
+              <a:solidFill>
+                <a:schemeClr val="tx1"/>
+              </a:solidFill>
+              <a:effectLst/>
+              <a:latin typeface="맑은 고딕" pitchFamily="50" charset="-127"/>
+              <a:ea typeface="맑은 고딕" pitchFamily="50" charset="-127"/>
+            </a:endParaRPr>
+          </a:p>
+        </p:txBody>
+      </p:sp>
+      <p:sp>
+        <p:nvSpPr>
+          <p:cNvPr id="43" name="직사각형 42"/>
+          <p:cNvSpPr/>
+          <p:nvPr/>
+        </p:nvSpPr>
+        <p:spPr bwMode="auto">
+          <a:xfrm>
+            <a:off x="1002507" y="2652602"/>
+            <a:ext cx="823913" cy="476837"/>
+          </a:xfrm>
+          <a:prstGeom prst="rect">
+            <a:avLst/>
+          </a:prstGeom>
+          <a:solidFill>
+            <a:srgbClr val="00B0AC">
+              <a:alpha val="58824"/>
+            </a:srgbClr>
+          </a:solidFill>
+          <a:ln>
+            <a:noFill/>
+            <a:headEnd type="none" w="med" len="med"/>
+            <a:tailEnd type="none" w="med" len="med"/>
+          </a:ln>
+        </p:spPr>
+        <p:style>
+          <a:lnRef idx="2">
+            <a:schemeClr val="accent1"/>
+          </a:lnRef>
+          <a:fillRef idx="1">
+            <a:schemeClr val="lt1"/>
+          </a:fillRef>
+          <a:effectRef idx="0">
+            <a:schemeClr val="accent1"/>
+          </a:effectRef>
+          <a:fontRef idx="minor">
+            <a:schemeClr val="dk1"/>
+          </a:fontRef>
+        </p:style>
+        <p:txBody>
+          <a:bodyPr vert="horz" wrap="none" lIns="90000" tIns="46800" rIns="90000" bIns="46800" numCol="1" rtlCol="0" anchor="ctr" anchorCtr="0" compatLnSpc="1">
+            <a:prstTxWarp prst="textNoShape">
+              <a:avLst/>
+            </a:prstTxWarp>
+          </a:bodyPr>
+          <a:lstStyle/>
+          <a:p>
+            <a:pPr marL="0" marR="0" indent="0" algn="ctr" defTabSz="914400" rtl="0" eaLnBrk="0" fontAlgn="base" latinLnBrk="0" hangingPunct="0">
+              <a:lnSpc>
+                <a:spcPct val="100000"/>
+              </a:lnSpc>
+              <a:spcBef>
+                <a:spcPct val="0"/>
+              </a:spcBef>
+              <a:spcAft>
+                <a:spcPct val="0"/>
+              </a:spcAft>
+              <a:buClrTx/>
+              <a:buSzTx/>
+              <a:buFontTx/>
+              <a:buNone/>
+              <a:tabLst/>
+            </a:pPr>
+            <a:endParaRPr kumimoji="0" lang="ko-KR" altLang="en-US" sz="1400" b="0" i="0" u="none" strike="noStrike" cap="none" normalizeH="0" baseline="0" dirty="0">
+              <a:ln>
+                <a:noFill/>
+              </a:ln>
+              <a:solidFill>
+                <a:schemeClr val="tx1"/>
+              </a:solidFill>
+              <a:effectLst/>
+              <a:latin typeface="맑은 고딕" pitchFamily="50" charset="-127"/>
+              <a:ea typeface="맑은 고딕" pitchFamily="50" charset="-127"/>
+            </a:endParaRPr>
+          </a:p>
+        </p:txBody>
+      </p:sp>
+      <p:cxnSp>
+        <p:nvCxnSpPr>
+          <p:cNvPr id="45" name="직선 화살표 연결선 44"/>
+          <p:cNvCxnSpPr>
+            <a:cxnSpLocks/>
+          </p:cNvCxnSpPr>
+          <p:nvPr/>
+        </p:nvCxnSpPr>
+        <p:spPr bwMode="auto">
+          <a:xfrm>
+            <a:off x="2381248" y="2426294"/>
+            <a:ext cx="1" cy="210099"/>
+          </a:xfrm>
+          <a:prstGeom prst="straightConnector1">
+            <a:avLst/>
+          </a:prstGeom>
+          <a:solidFill>
+            <a:schemeClr val="accent1"/>
+          </a:solidFill>
+          <a:ln w="12700" cap="flat" cmpd="sng" algn="ctr">
+            <a:solidFill>
+              <a:schemeClr val="tx1"/>
+            </a:solidFill>
+            <a:prstDash val="solid"/>
+            <a:round/>
+            <a:headEnd type="none" w="med" len="med"/>
+            <a:tailEnd type="triangle"/>
           </a:ln>
           <a:effectLst/>
-          <a:extLst>
-            <a:ext uri="{909E8E84-426E-40DD-AFC4-6F175D3DCCD1}">
-              <a14:hiddenFill xmlns:a14="http://schemas.microsoft.com/office/drawing/2010/main">
-                <a:solidFill>
-                  <a:schemeClr val="accent1"/>
-                </a:solidFill>
-              </a14:hiddenFill>
-            </a:ext>
-            <a:ext uri="{91240B29-F687-4F45-9708-019B960494DF}">
-              <a14:hiddenLine xmlns:a14="http://schemas.microsoft.com/office/drawing/2010/main" w="9525">
-                <a:solidFill>
-                  <a:schemeClr val="tx1"/>
-                </a:solidFill>
-                <a:miter lim="800000"/>
-                <a:headEnd/>
-                <a:tailEnd/>
-              </a14:hiddenLine>
-            </a:ext>
-            <a:ext uri="{AF507438-7753-43E0-B8FC-AC1667EBCBE1}">
-              <a14:hiddenEffects xmlns:a14="http://schemas.microsoft.com/office/drawing/2010/main">
-                <a:effectLst>
-                  <a:outerShdw dist="35921" dir="2700000" algn="ctr" rotWithShape="0">
-                    <a:schemeClr val="bg2"/>
-                  </a:outerShdw>
-                </a:effectLst>
-              </a14:hiddenEffects>
-            </a:ext>
-          </a:extLst>
-        </p:spPr>
-      </p:pic>
+        </p:spPr>
+      </p:cxnSp>
+      <p:cxnSp>
+        <p:nvCxnSpPr>
+          <p:cNvPr id="46" name="직선 화살표 연결선 45"/>
+          <p:cNvCxnSpPr/>
+          <p:nvPr/>
+        </p:nvCxnSpPr>
+        <p:spPr bwMode="auto">
+          <a:xfrm>
+            <a:off x="3388516" y="2427739"/>
+            <a:ext cx="1" cy="210099"/>
+          </a:xfrm>
+          <a:prstGeom prst="straightConnector1">
+            <a:avLst/>
+          </a:prstGeom>
+          <a:solidFill>
+            <a:schemeClr val="accent1"/>
+          </a:solidFill>
+          <a:ln w="12700" cap="flat" cmpd="sng" algn="ctr">
+            <a:solidFill>
+              <a:schemeClr val="tx1"/>
+            </a:solidFill>
+            <a:prstDash val="solid"/>
+            <a:round/>
+            <a:headEnd type="none" w="med" len="med"/>
+            <a:tailEnd type="triangle"/>
+          </a:ln>
+          <a:effectLst/>
+        </p:spPr>
+      </p:cxnSp>
+      <p:cxnSp>
+        <p:nvCxnSpPr>
+          <p:cNvPr id="47" name="직선 화살표 연결선 46"/>
+          <p:cNvCxnSpPr/>
+          <p:nvPr/>
+        </p:nvCxnSpPr>
+        <p:spPr bwMode="auto">
+          <a:xfrm>
+            <a:off x="4976807" y="2427739"/>
+            <a:ext cx="1" cy="210099"/>
+          </a:xfrm>
+          <a:prstGeom prst="straightConnector1">
+            <a:avLst/>
+          </a:prstGeom>
+          <a:solidFill>
+            <a:schemeClr val="accent1"/>
+          </a:solidFill>
+          <a:ln w="12700" cap="flat" cmpd="sng" algn="ctr">
+            <a:solidFill>
+              <a:schemeClr val="tx1"/>
+            </a:solidFill>
+            <a:prstDash val="solid"/>
+            <a:round/>
+            <a:headEnd type="none" w="med" len="med"/>
+            <a:tailEnd type="triangle"/>
+          </a:ln>
+          <a:effectLst/>
+        </p:spPr>
+      </p:cxnSp>
+      <p:cxnSp>
+        <p:nvCxnSpPr>
+          <p:cNvPr id="48" name="직선 화살표 연결선 47"/>
+          <p:cNvCxnSpPr/>
+          <p:nvPr/>
+        </p:nvCxnSpPr>
+        <p:spPr bwMode="auto">
+          <a:xfrm>
+            <a:off x="6734177" y="2433284"/>
+            <a:ext cx="1" cy="210099"/>
+          </a:xfrm>
+          <a:prstGeom prst="straightConnector1">
+            <a:avLst/>
+          </a:prstGeom>
+          <a:solidFill>
+            <a:schemeClr val="accent1"/>
+          </a:solidFill>
+          <a:ln w="12700" cap="flat" cmpd="sng" algn="ctr">
+            <a:solidFill>
+              <a:schemeClr val="tx1"/>
+            </a:solidFill>
+            <a:prstDash val="solid"/>
+            <a:round/>
+            <a:headEnd type="none" w="med" len="med"/>
+            <a:tailEnd type="triangle"/>
+          </a:ln>
+          <a:effectLst/>
+        </p:spPr>
+      </p:cxnSp>
+      <p:cxnSp>
+        <p:nvCxnSpPr>
+          <p:cNvPr id="49" name="직선 화살표 연결선 48"/>
+          <p:cNvCxnSpPr/>
+          <p:nvPr/>
+        </p:nvCxnSpPr>
+        <p:spPr bwMode="auto">
+          <a:xfrm>
+            <a:off x="5742381" y="3236638"/>
+            <a:ext cx="1" cy="210099"/>
+          </a:xfrm>
+          <a:prstGeom prst="straightConnector1">
+            <a:avLst/>
+          </a:prstGeom>
+          <a:solidFill>
+            <a:schemeClr val="accent1"/>
+          </a:solidFill>
+          <a:ln w="12700" cap="flat" cmpd="sng" algn="ctr">
+            <a:solidFill>
+              <a:schemeClr val="tx1"/>
+            </a:solidFill>
+            <a:prstDash val="solid"/>
+            <a:round/>
+            <a:headEnd type="none" w="med" len="med"/>
+            <a:tailEnd type="triangle"/>
+          </a:ln>
+          <a:effectLst/>
+        </p:spPr>
+      </p:cxnSp>
+      <p:cxnSp>
+        <p:nvCxnSpPr>
+          <p:cNvPr id="50" name="직선 화살표 연결선 49"/>
+          <p:cNvCxnSpPr/>
+          <p:nvPr/>
+        </p:nvCxnSpPr>
+        <p:spPr bwMode="auto">
+          <a:xfrm>
+            <a:off x="6734176" y="3236638"/>
+            <a:ext cx="1" cy="210099"/>
+          </a:xfrm>
+          <a:prstGeom prst="straightConnector1">
+            <a:avLst/>
+          </a:prstGeom>
+          <a:solidFill>
+            <a:schemeClr val="accent1"/>
+          </a:solidFill>
+          <a:ln w="12700" cap="flat" cmpd="sng" algn="ctr">
+            <a:solidFill>
+              <a:schemeClr val="tx1"/>
+            </a:solidFill>
+            <a:prstDash val="solid"/>
+            <a:round/>
+            <a:headEnd type="none" w="med" len="med"/>
+            <a:tailEnd type="triangle"/>
+          </a:ln>
+          <a:effectLst/>
+        </p:spPr>
+      </p:cxnSp>
+      <p:cxnSp>
+        <p:nvCxnSpPr>
+          <p:cNvPr id="51" name="직선 화살표 연결선 50"/>
+          <p:cNvCxnSpPr/>
+          <p:nvPr/>
+        </p:nvCxnSpPr>
+        <p:spPr bwMode="auto">
+          <a:xfrm>
+            <a:off x="7725971" y="3236638"/>
+            <a:ext cx="1" cy="210099"/>
+          </a:xfrm>
+          <a:prstGeom prst="straightConnector1">
+            <a:avLst/>
+          </a:prstGeom>
+          <a:solidFill>
+            <a:schemeClr val="accent1"/>
+          </a:solidFill>
+          <a:ln w="12700" cap="flat" cmpd="sng" algn="ctr">
+            <a:solidFill>
+              <a:schemeClr val="tx1"/>
+            </a:solidFill>
+            <a:prstDash val="solid"/>
+            <a:round/>
+            <a:headEnd type="none" w="med" len="med"/>
+            <a:tailEnd type="triangle"/>
+          </a:ln>
+          <a:effectLst/>
+        </p:spPr>
+      </p:cxnSp>
+      <p:cxnSp>
+        <p:nvCxnSpPr>
+          <p:cNvPr id="52" name="직선 화살표 연결선 51"/>
+          <p:cNvCxnSpPr>
+            <a:cxnSpLocks/>
+          </p:cNvCxnSpPr>
+          <p:nvPr/>
+        </p:nvCxnSpPr>
+        <p:spPr bwMode="auto">
+          <a:xfrm>
+            <a:off x="4136229" y="1647531"/>
+            <a:ext cx="14289" cy="173465"/>
+          </a:xfrm>
+          <a:prstGeom prst="straightConnector1">
+            <a:avLst/>
+          </a:prstGeom>
+          <a:solidFill>
+            <a:schemeClr val="accent1"/>
+          </a:solidFill>
+          <a:ln w="12700" cap="flat" cmpd="sng" algn="ctr">
+            <a:solidFill>
+              <a:schemeClr val="tx1"/>
+            </a:solidFill>
+            <a:prstDash val="solid"/>
+            <a:round/>
+            <a:headEnd type="none" w="med" len="med"/>
+            <a:tailEnd type="triangle"/>
+          </a:ln>
+          <a:effectLst/>
+        </p:spPr>
+      </p:cxnSp>
+      <p:cxnSp>
+        <p:nvCxnSpPr>
+          <p:cNvPr id="55" name="직선 연결선 54"/>
+          <p:cNvCxnSpPr>
+            <a:cxnSpLocks/>
+          </p:cNvCxnSpPr>
+          <p:nvPr/>
+        </p:nvCxnSpPr>
+        <p:spPr bwMode="auto">
+          <a:xfrm flipV="1">
+            <a:off x="1363256" y="2427740"/>
+            <a:ext cx="5370920" cy="6989"/>
+          </a:xfrm>
+          <a:prstGeom prst="line">
+            <a:avLst/>
+          </a:prstGeom>
+          <a:solidFill>
+            <a:schemeClr val="accent1"/>
+          </a:solidFill>
+          <a:ln w="12700" cap="flat" cmpd="sng" algn="ctr">
+            <a:solidFill>
+              <a:schemeClr val="tx1"/>
+            </a:solidFill>
+            <a:prstDash val="solid"/>
+            <a:round/>
+            <a:headEnd type="none" w="med" len="med"/>
+            <a:tailEnd type="none" w="med" len="med"/>
+          </a:ln>
+          <a:effectLst/>
+        </p:spPr>
+      </p:cxnSp>
+      <p:cxnSp>
+        <p:nvCxnSpPr>
+          <p:cNvPr id="59" name="직선 화살표 연결선 58"/>
+          <p:cNvCxnSpPr>
+            <a:stCxn id="33" idx="2"/>
+          </p:cNvCxnSpPr>
+          <p:nvPr/>
+        </p:nvCxnSpPr>
+        <p:spPr bwMode="auto">
+          <a:xfrm flipH="1">
+            <a:off x="4150518" y="2296403"/>
+            <a:ext cx="1" cy="136881"/>
+          </a:xfrm>
+          <a:prstGeom prst="straightConnector1">
+            <a:avLst/>
+          </a:prstGeom>
+          <a:solidFill>
+            <a:schemeClr val="accent1"/>
+          </a:solidFill>
+          <a:ln w="12700" cap="flat" cmpd="sng" algn="ctr">
+            <a:solidFill>
+              <a:schemeClr val="tx1"/>
+            </a:solidFill>
+            <a:prstDash val="solid"/>
+            <a:round/>
+            <a:headEnd type="none" w="med" len="med"/>
+            <a:tailEnd type="triangle"/>
+          </a:ln>
+          <a:effectLst/>
+        </p:spPr>
+      </p:cxnSp>
+      <p:cxnSp>
+        <p:nvCxnSpPr>
+          <p:cNvPr id="61" name="직선 연결선 60"/>
+          <p:cNvCxnSpPr/>
+          <p:nvPr/>
+        </p:nvCxnSpPr>
+        <p:spPr bwMode="auto">
+          <a:xfrm>
+            <a:off x="5742382" y="3236638"/>
+            <a:ext cx="1983590" cy="0"/>
+          </a:xfrm>
+          <a:prstGeom prst="line">
+            <a:avLst/>
+          </a:prstGeom>
+          <a:solidFill>
+            <a:schemeClr val="accent1"/>
+          </a:solidFill>
+          <a:ln w="12700" cap="flat" cmpd="sng" algn="ctr">
+            <a:solidFill>
+              <a:schemeClr val="tx1"/>
+            </a:solidFill>
+            <a:prstDash val="solid"/>
+            <a:round/>
+            <a:headEnd type="none" w="med" len="med"/>
+            <a:tailEnd type="none" w="med" len="med"/>
+          </a:ln>
+          <a:effectLst/>
+        </p:spPr>
+      </p:cxnSp>
+      <p:cxnSp>
+        <p:nvCxnSpPr>
+          <p:cNvPr id="65" name="직선 연결선 64"/>
+          <p:cNvCxnSpPr>
+            <a:stCxn id="37" idx="2"/>
+          </p:cNvCxnSpPr>
+          <p:nvPr/>
+        </p:nvCxnSpPr>
+        <p:spPr bwMode="auto">
+          <a:xfrm flipH="1">
+            <a:off x="6734176" y="3114369"/>
+            <a:ext cx="2379" cy="122269"/>
+          </a:xfrm>
+          <a:prstGeom prst="line">
+            <a:avLst/>
+          </a:prstGeom>
+          <a:solidFill>
+            <a:schemeClr val="accent1"/>
+          </a:solidFill>
+          <a:ln w="12700" cap="flat" cmpd="sng" algn="ctr">
+            <a:solidFill>
+              <a:schemeClr val="tx1"/>
+            </a:solidFill>
+            <a:prstDash val="solid"/>
+            <a:round/>
+            <a:headEnd type="none" w="med" len="med"/>
+            <a:tailEnd type="none" w="med" len="med"/>
+          </a:ln>
+          <a:effectLst/>
+        </p:spPr>
+      </p:cxnSp>
+      <p:cxnSp>
+        <p:nvCxnSpPr>
+          <p:cNvPr id="67" name="직선 연결선 66"/>
+          <p:cNvCxnSpPr>
+            <a:cxnSpLocks/>
+          </p:cNvCxnSpPr>
+          <p:nvPr/>
+        </p:nvCxnSpPr>
+        <p:spPr bwMode="auto">
+          <a:xfrm>
+            <a:off x="5329235" y="3923573"/>
+            <a:ext cx="0" cy="516724"/>
+          </a:xfrm>
+          <a:prstGeom prst="line">
+            <a:avLst/>
+          </a:prstGeom>
+          <a:solidFill>
+            <a:schemeClr val="accent1"/>
+          </a:solidFill>
+          <a:ln w="12700" cap="flat" cmpd="sng" algn="ctr">
+            <a:solidFill>
+              <a:schemeClr val="tx1"/>
+            </a:solidFill>
+            <a:prstDash val="solid"/>
+            <a:round/>
+            <a:headEnd type="none" w="med" len="med"/>
+            <a:tailEnd type="none" w="med" len="med"/>
+          </a:ln>
+          <a:effectLst/>
+        </p:spPr>
+      </p:cxnSp>
+      <p:cxnSp>
+        <p:nvCxnSpPr>
+          <p:cNvPr id="70" name="직선 화살표 연결선 69"/>
+          <p:cNvCxnSpPr>
+            <a:endCxn id="41" idx="1"/>
+          </p:cNvCxnSpPr>
+          <p:nvPr/>
+        </p:nvCxnSpPr>
+        <p:spPr bwMode="auto">
+          <a:xfrm>
+            <a:off x="5329235" y="4440275"/>
+            <a:ext cx="320553" cy="23"/>
+          </a:xfrm>
+          <a:prstGeom prst="straightConnector1">
+            <a:avLst/>
+          </a:prstGeom>
+          <a:solidFill>
+            <a:schemeClr val="accent1"/>
+          </a:solidFill>
+          <a:ln w="12700" cap="flat" cmpd="sng" algn="ctr">
+            <a:solidFill>
+              <a:schemeClr val="tx1"/>
+            </a:solidFill>
+            <a:prstDash val="solid"/>
+            <a:round/>
+            <a:headEnd type="none" w="med" len="med"/>
+            <a:tailEnd type="triangle"/>
+          </a:ln>
+          <a:effectLst/>
+        </p:spPr>
+      </p:cxnSp>
+      <p:cxnSp>
+        <p:nvCxnSpPr>
+          <p:cNvPr id="77" name="직선 화살표 연결선 76"/>
+          <p:cNvCxnSpPr>
+            <a:cxnSpLocks/>
+          </p:cNvCxnSpPr>
+          <p:nvPr/>
+        </p:nvCxnSpPr>
+        <p:spPr bwMode="auto">
+          <a:xfrm>
+            <a:off x="1363256" y="2434729"/>
+            <a:ext cx="0" cy="208654"/>
+          </a:xfrm>
+          <a:prstGeom prst="straightConnector1">
+            <a:avLst/>
+          </a:prstGeom>
+          <a:solidFill>
+            <a:schemeClr val="accent1"/>
+          </a:solidFill>
+          <a:ln w="12700" cap="flat" cmpd="sng" algn="ctr">
+            <a:solidFill>
+              <a:schemeClr val="tx1"/>
+            </a:solidFill>
+            <a:prstDash val="solid"/>
+            <a:round/>
+            <a:headEnd type="none" w="med" len="med"/>
+            <a:tailEnd type="triangle"/>
+          </a:ln>
+          <a:effectLst/>
+        </p:spPr>
+      </p:cxnSp>
+      <p:cxnSp>
+        <p:nvCxnSpPr>
+          <p:cNvPr id="88" name="직선 연결선 87"/>
+          <p:cNvCxnSpPr>
+            <a:stCxn id="42" idx="0"/>
+          </p:cNvCxnSpPr>
+          <p:nvPr/>
+        </p:nvCxnSpPr>
+        <p:spPr bwMode="auto">
+          <a:xfrm flipH="1" flipV="1">
+            <a:off x="539343" y="3009900"/>
+            <a:ext cx="1" cy="913673"/>
+          </a:xfrm>
+          <a:prstGeom prst="line">
+            <a:avLst/>
+          </a:prstGeom>
+          <a:solidFill>
+            <a:schemeClr val="accent1"/>
+          </a:solidFill>
+          <a:ln w="12700" cap="flat" cmpd="sng" algn="ctr">
+            <a:solidFill>
+              <a:schemeClr val="tx1"/>
+            </a:solidFill>
+            <a:prstDash val="solid"/>
+            <a:round/>
+            <a:headEnd type="none" w="med" len="med"/>
+            <a:tailEnd type="none" w="med" len="med"/>
+          </a:ln>
+          <a:effectLst/>
+        </p:spPr>
+      </p:cxnSp>
+      <p:cxnSp>
+        <p:nvCxnSpPr>
+          <p:cNvPr id="90" name="직선 화살표 연결선 89"/>
+          <p:cNvCxnSpPr>
+            <a:cxnSpLocks/>
+          </p:cNvCxnSpPr>
+          <p:nvPr/>
+        </p:nvCxnSpPr>
+        <p:spPr bwMode="auto">
+          <a:xfrm flipV="1">
+            <a:off x="539344" y="3007003"/>
+            <a:ext cx="479807" cy="2897"/>
+          </a:xfrm>
+          <a:prstGeom prst="straightConnector1">
+            <a:avLst/>
+          </a:prstGeom>
+          <a:solidFill>
+            <a:schemeClr val="accent1"/>
+          </a:solidFill>
+          <a:ln w="12700" cap="flat" cmpd="sng" algn="ctr">
+            <a:solidFill>
+              <a:schemeClr val="tx1"/>
+            </a:solidFill>
+            <a:prstDash val="solid"/>
+            <a:round/>
+            <a:headEnd type="none" w="med" len="med"/>
+            <a:tailEnd type="triangle"/>
+          </a:ln>
+          <a:effectLst/>
+        </p:spPr>
+      </p:cxnSp>
+      <p:sp>
+        <p:nvSpPr>
+          <p:cNvPr id="92" name="TextBox 91"/>
+          <p:cNvSpPr txBox="1"/>
+          <p:nvPr/>
+        </p:nvSpPr>
+        <p:spPr>
+          <a:xfrm>
+            <a:off x="3802856" y="1274986"/>
+            <a:ext cx="845344" cy="276999"/>
+          </a:xfrm>
+          <a:prstGeom prst="rect">
+            <a:avLst/>
+          </a:prstGeom>
+          <a:noFill/>
+        </p:spPr>
+        <p:txBody>
+          <a:bodyPr wrap="square" rtlCol="0">
+            <a:spAutoFit/>
+          </a:bodyPr>
+          <a:lstStyle/>
+          <a:p>
+            <a:r>
+              <a:rPr lang="ko-KR" altLang="en-US" sz="1200" dirty="0"/>
+              <a:t>사용자</a:t>
+            </a:r>
+          </a:p>
+        </p:txBody>
+      </p:sp>
+      <p:sp>
+        <p:nvSpPr>
+          <p:cNvPr id="93" name="TextBox 92"/>
+          <p:cNvSpPr txBox="1"/>
+          <p:nvPr/>
+        </p:nvSpPr>
+        <p:spPr>
+          <a:xfrm>
+            <a:off x="3738562" y="1944951"/>
+            <a:ext cx="845344" cy="276999"/>
+          </a:xfrm>
+          <a:prstGeom prst="rect">
+            <a:avLst/>
+          </a:prstGeom>
+          <a:noFill/>
+        </p:spPr>
+        <p:txBody>
+          <a:bodyPr wrap="square" rtlCol="0">
+            <a:spAutoFit/>
+          </a:bodyPr>
+          <a:lstStyle/>
+          <a:p>
+            <a:r>
+              <a:rPr lang="ko-KR" altLang="en-US" sz="1200" dirty="0"/>
+              <a:t>과목 추가</a:t>
+            </a:r>
+          </a:p>
+        </p:txBody>
+      </p:sp>
+      <p:sp>
+        <p:nvSpPr>
+          <p:cNvPr id="94" name="TextBox 93"/>
+          <p:cNvSpPr txBox="1"/>
+          <p:nvPr/>
+        </p:nvSpPr>
+        <p:spPr>
+          <a:xfrm>
+            <a:off x="2001139" y="2739529"/>
+            <a:ext cx="845344" cy="276999"/>
+          </a:xfrm>
+          <a:prstGeom prst="rect">
+            <a:avLst/>
+          </a:prstGeom>
+          <a:noFill/>
+        </p:spPr>
+        <p:txBody>
+          <a:bodyPr wrap="square" rtlCol="0">
+            <a:spAutoFit/>
+          </a:bodyPr>
+          <a:lstStyle/>
+          <a:p>
+            <a:r>
+              <a:rPr lang="ko-KR" altLang="en-US" sz="1200" dirty="0"/>
+              <a:t>과목 확인</a:t>
+            </a:r>
+          </a:p>
+        </p:txBody>
+      </p:sp>
+      <p:sp>
+        <p:nvSpPr>
+          <p:cNvPr id="95" name="TextBox 94"/>
+          <p:cNvSpPr txBox="1"/>
+          <p:nvPr/>
+        </p:nvSpPr>
+        <p:spPr>
+          <a:xfrm>
+            <a:off x="2991741" y="2730004"/>
+            <a:ext cx="845344" cy="276999"/>
+          </a:xfrm>
+          <a:prstGeom prst="rect">
+            <a:avLst/>
+          </a:prstGeom>
+          <a:noFill/>
+        </p:spPr>
+        <p:txBody>
+          <a:bodyPr wrap="square" rtlCol="0">
+            <a:spAutoFit/>
+          </a:bodyPr>
+          <a:lstStyle/>
+          <a:p>
+            <a:r>
+              <a:rPr lang="ko-KR" altLang="en-US" sz="1200" dirty="0"/>
+              <a:t>과목 수정</a:t>
+            </a:r>
+          </a:p>
+        </p:txBody>
+      </p:sp>
+      <p:sp>
+        <p:nvSpPr>
+          <p:cNvPr id="101" name="TextBox 100"/>
+          <p:cNvSpPr txBox="1"/>
+          <p:nvPr/>
+        </p:nvSpPr>
+        <p:spPr>
+          <a:xfrm>
+            <a:off x="4590448" y="2739529"/>
+            <a:ext cx="845344" cy="276999"/>
+          </a:xfrm>
+          <a:prstGeom prst="rect">
+            <a:avLst/>
+          </a:prstGeom>
+          <a:noFill/>
+        </p:spPr>
+        <p:txBody>
+          <a:bodyPr wrap="square" rtlCol="0">
+            <a:spAutoFit/>
+          </a:bodyPr>
+          <a:lstStyle/>
+          <a:p>
+            <a:r>
+              <a:rPr lang="ko-KR" altLang="en-US" sz="1200" dirty="0"/>
+              <a:t>과목 삭제</a:t>
+            </a:r>
+          </a:p>
+        </p:txBody>
+      </p:sp>
+      <p:sp>
+        <p:nvSpPr>
+          <p:cNvPr id="102" name="TextBox 101"/>
+          <p:cNvSpPr txBox="1"/>
+          <p:nvPr/>
+        </p:nvSpPr>
+        <p:spPr>
+          <a:xfrm>
+            <a:off x="6299583" y="2756297"/>
+            <a:ext cx="1068590" cy="276999"/>
+          </a:xfrm>
+          <a:prstGeom prst="rect">
+            <a:avLst/>
+          </a:prstGeom>
+          <a:noFill/>
+        </p:spPr>
+        <p:txBody>
+          <a:bodyPr wrap="square" rtlCol="0">
+            <a:spAutoFit/>
+          </a:bodyPr>
+          <a:lstStyle/>
+          <a:p>
+            <a:r>
+              <a:rPr lang="ko-KR" altLang="en-US" sz="1200" dirty="0"/>
+              <a:t>할 일 추가</a:t>
+            </a:r>
+          </a:p>
+        </p:txBody>
+      </p:sp>
+      <p:sp>
+        <p:nvSpPr>
+          <p:cNvPr id="103" name="TextBox 102"/>
+          <p:cNvSpPr txBox="1"/>
+          <p:nvPr/>
+        </p:nvSpPr>
+        <p:spPr>
+          <a:xfrm>
+            <a:off x="5270882" y="3566588"/>
+            <a:ext cx="938815" cy="276999"/>
+          </a:xfrm>
+          <a:prstGeom prst="rect">
+            <a:avLst/>
+          </a:prstGeom>
+          <a:noFill/>
+        </p:spPr>
+        <p:txBody>
+          <a:bodyPr wrap="square" rtlCol="0">
+            <a:spAutoFit/>
+          </a:bodyPr>
+          <a:lstStyle/>
+          <a:p>
+            <a:r>
+              <a:rPr lang="ko-KR" altLang="en-US" sz="1200" dirty="0"/>
+              <a:t>할 일 확인</a:t>
+            </a:r>
+          </a:p>
+        </p:txBody>
+      </p:sp>
+      <p:sp>
+        <p:nvSpPr>
+          <p:cNvPr id="104" name="TextBox 103"/>
+          <p:cNvSpPr txBox="1"/>
+          <p:nvPr/>
+        </p:nvSpPr>
+        <p:spPr>
+          <a:xfrm>
+            <a:off x="6312981" y="3573135"/>
+            <a:ext cx="960246" cy="276999"/>
+          </a:xfrm>
+          <a:prstGeom prst="rect">
+            <a:avLst/>
+          </a:prstGeom>
+          <a:noFill/>
+        </p:spPr>
+        <p:txBody>
+          <a:bodyPr wrap="square" rtlCol="0">
+            <a:spAutoFit/>
+          </a:bodyPr>
+          <a:lstStyle/>
+          <a:p>
+            <a:r>
+              <a:rPr lang="ko-KR" altLang="en-US" sz="1200" dirty="0"/>
+              <a:t>할 일 수정</a:t>
+            </a:r>
+          </a:p>
+        </p:txBody>
+      </p:sp>
+      <p:sp>
+        <p:nvSpPr>
+          <p:cNvPr id="105" name="TextBox 104"/>
+          <p:cNvSpPr txBox="1"/>
+          <p:nvPr/>
+        </p:nvSpPr>
+        <p:spPr>
+          <a:xfrm>
+            <a:off x="7310440" y="3546656"/>
+            <a:ext cx="1104603" cy="276999"/>
+          </a:xfrm>
+          <a:prstGeom prst="rect">
+            <a:avLst/>
+          </a:prstGeom>
+          <a:noFill/>
+        </p:spPr>
+        <p:txBody>
+          <a:bodyPr wrap="square" rtlCol="0">
+            <a:spAutoFit/>
+          </a:bodyPr>
+          <a:lstStyle/>
+          <a:p>
+            <a:r>
+              <a:rPr lang="ko-KR" altLang="en-US" sz="1200" dirty="0"/>
+              <a:t>할 일 삭제</a:t>
+            </a:r>
+          </a:p>
+        </p:txBody>
+      </p:sp>
+      <p:sp>
+        <p:nvSpPr>
+          <p:cNvPr id="106" name="TextBox 105"/>
+          <p:cNvSpPr txBox="1"/>
+          <p:nvPr/>
+        </p:nvSpPr>
+        <p:spPr>
+          <a:xfrm>
+            <a:off x="5649789" y="4316003"/>
+            <a:ext cx="922462" cy="276999"/>
+          </a:xfrm>
+          <a:prstGeom prst="rect">
+            <a:avLst/>
+          </a:prstGeom>
+          <a:noFill/>
+        </p:spPr>
+        <p:txBody>
+          <a:bodyPr wrap="square" rtlCol="0">
+            <a:spAutoFit/>
+          </a:bodyPr>
+          <a:lstStyle/>
+          <a:p>
+            <a:r>
+              <a:rPr lang="ko-KR" altLang="en-US" sz="1200" dirty="0"/>
+              <a:t>할 일 정렬</a:t>
+            </a:r>
+          </a:p>
+        </p:txBody>
+      </p:sp>
+      <p:sp>
+        <p:nvSpPr>
+          <p:cNvPr id="107" name="TextBox 106"/>
+          <p:cNvSpPr txBox="1"/>
+          <p:nvPr/>
+        </p:nvSpPr>
+        <p:spPr>
+          <a:xfrm>
+            <a:off x="1019151" y="2742172"/>
+            <a:ext cx="845344" cy="276999"/>
+          </a:xfrm>
+          <a:prstGeom prst="rect">
+            <a:avLst/>
+          </a:prstGeom>
+          <a:noFill/>
+        </p:spPr>
+        <p:txBody>
+          <a:bodyPr wrap="square" rtlCol="0">
+            <a:spAutoFit/>
+          </a:bodyPr>
+          <a:lstStyle/>
+          <a:p>
+            <a:r>
+              <a:rPr lang="ko-KR" altLang="en-US" sz="1200" dirty="0"/>
+              <a:t>과목 추천</a:t>
+            </a:r>
+          </a:p>
+        </p:txBody>
+      </p:sp>
+      <p:sp>
+        <p:nvSpPr>
+          <p:cNvPr id="108" name="TextBox 107"/>
+          <p:cNvSpPr txBox="1"/>
+          <p:nvPr/>
+        </p:nvSpPr>
+        <p:spPr>
+          <a:xfrm>
+            <a:off x="197624" y="4023492"/>
+            <a:ext cx="845344" cy="276999"/>
+          </a:xfrm>
+          <a:prstGeom prst="rect">
+            <a:avLst/>
+          </a:prstGeom>
+          <a:noFill/>
+        </p:spPr>
+        <p:txBody>
+          <a:bodyPr wrap="square" rtlCol="0">
+            <a:spAutoFit/>
+          </a:bodyPr>
+          <a:lstStyle/>
+          <a:p>
+            <a:r>
+              <a:rPr lang="ko-KR" altLang="en-US" sz="1200"/>
+              <a:t>관리자</a:t>
+            </a:r>
+            <a:endParaRPr lang="ko-KR" altLang="en-US" sz="1200" dirty="0"/>
+          </a:p>
+        </p:txBody>
+      </p:sp>
     </p:spTree>
     <p:extLst>
       <p:ext uri="{BB962C8B-B14F-4D97-AF65-F5344CB8AC3E}">
-        <p14:creationId xmlns:p14="http://schemas.microsoft.com/office/powerpoint/2010/main" val="1131959525"/>
+        <p14:creationId xmlns:p14="http://schemas.microsoft.com/office/powerpoint/2010/main" val="3030234307"/>
       </p:ext>
     </p:extLst>
   </p:cSld>
